--- a/cad_cam_adv.pptx
+++ b/cad_cam_adv.pptx
@@ -13,18 +13,12 @@
     <p:sldId id="260" r:id="rId7"/>
     <p:sldId id="261" r:id="rId8"/>
     <p:sldId id="262" r:id="rId9"/>
-    <p:sldId id="265" r:id="rId10"/>
-    <p:sldId id="266" r:id="rId11"/>
-    <p:sldId id="267" r:id="rId12"/>
-    <p:sldId id="268" r:id="rId13"/>
-    <p:sldId id="269" r:id="rId14"/>
-    <p:sldId id="270" r:id="rId15"/>
-    <p:sldId id="271" r:id="rId16"/>
-    <p:sldId id="272" r:id="rId17"/>
-    <p:sldId id="273" r:id="rId18"/>
-    <p:sldId id="274" r:id="rId19"/>
-    <p:sldId id="275" r:id="rId20"/>
-    <p:sldId id="276" r:id="rId21"/>
+    <p:sldId id="266" r:id="rId10"/>
+    <p:sldId id="267" r:id="rId11"/>
+    <p:sldId id="268" r:id="rId12"/>
+    <p:sldId id="269" r:id="rId13"/>
+    <p:sldId id="271" r:id="rId14"/>
+    <p:sldId id="276" r:id="rId15"/>
   </p:sldIdLst>
   <p:sldSz cx="12192000" cy="6858000"/>
   <p:notesSz cx="6858000" cy="9144000"/>
@@ -667,7 +661,7 @@
           <a:p>
             <a:fld id="{846CE7D5-CF57-46EF-B807-FDD0502418D4}" type="datetimeFigureOut">
               <a:rPr lang="en-US" smtClean="0"/>
-              <a:t>11/13/2023</a:t>
+              <a:t>11/14/2023</a:t>
             </a:fld>
             <a:endParaRPr lang="en-US"/>
           </a:p>
@@ -835,7 +829,7 @@
           <a:p>
             <a:fld id="{846CE7D5-CF57-46EF-B807-FDD0502418D4}" type="datetimeFigureOut">
               <a:rPr lang="en-US" smtClean="0"/>
-              <a:t>11/13/2023</a:t>
+              <a:t>11/14/2023</a:t>
             </a:fld>
             <a:endParaRPr lang="en-US"/>
           </a:p>
@@ -1013,7 +1007,7 @@
           <a:p>
             <a:fld id="{846CE7D5-CF57-46EF-B807-FDD0502418D4}" type="datetimeFigureOut">
               <a:rPr lang="en-US" smtClean="0"/>
-              <a:t>11/13/2023</a:t>
+              <a:t>11/14/2023</a:t>
             </a:fld>
             <a:endParaRPr lang="en-US"/>
           </a:p>
@@ -1181,7 +1175,7 @@
           <a:p>
             <a:fld id="{846CE7D5-CF57-46EF-B807-FDD0502418D4}" type="datetimeFigureOut">
               <a:rPr lang="en-US" smtClean="0"/>
-              <a:t>11/13/2023</a:t>
+              <a:t>11/14/2023</a:t>
             </a:fld>
             <a:endParaRPr lang="en-US"/>
           </a:p>
@@ -1426,7 +1420,7 @@
           <a:p>
             <a:fld id="{846CE7D5-CF57-46EF-B807-FDD0502418D4}" type="datetimeFigureOut">
               <a:rPr lang="en-US" smtClean="0"/>
-              <a:t>11/13/2023</a:t>
+              <a:t>11/14/2023</a:t>
             </a:fld>
             <a:endParaRPr lang="en-US"/>
           </a:p>
@@ -1655,7 +1649,7 @@
           <a:p>
             <a:fld id="{846CE7D5-CF57-46EF-B807-FDD0502418D4}" type="datetimeFigureOut">
               <a:rPr lang="en-US" smtClean="0"/>
-              <a:t>11/13/2023</a:t>
+              <a:t>11/14/2023</a:t>
             </a:fld>
             <a:endParaRPr lang="en-US"/>
           </a:p>
@@ -2019,7 +2013,7 @@
           <a:p>
             <a:fld id="{846CE7D5-CF57-46EF-B807-FDD0502418D4}" type="datetimeFigureOut">
               <a:rPr lang="en-US" smtClean="0"/>
-              <a:t>11/13/2023</a:t>
+              <a:t>11/14/2023</a:t>
             </a:fld>
             <a:endParaRPr lang="en-US"/>
           </a:p>
@@ -2136,7 +2130,7 @@
           <a:p>
             <a:fld id="{846CE7D5-CF57-46EF-B807-FDD0502418D4}" type="datetimeFigureOut">
               <a:rPr lang="en-US" smtClean="0"/>
-              <a:t>11/13/2023</a:t>
+              <a:t>11/14/2023</a:t>
             </a:fld>
             <a:endParaRPr lang="en-US"/>
           </a:p>
@@ -2231,7 +2225,7 @@
           <a:p>
             <a:fld id="{846CE7D5-CF57-46EF-B807-FDD0502418D4}" type="datetimeFigureOut">
               <a:rPr lang="en-US" smtClean="0"/>
-              <a:t>11/13/2023</a:t>
+              <a:t>11/14/2023</a:t>
             </a:fld>
             <a:endParaRPr lang="en-US"/>
           </a:p>
@@ -2506,7 +2500,7 @@
           <a:p>
             <a:fld id="{846CE7D5-CF57-46EF-B807-FDD0502418D4}" type="datetimeFigureOut">
               <a:rPr lang="en-US" smtClean="0"/>
-              <a:t>11/13/2023</a:t>
+              <a:t>11/14/2023</a:t>
             </a:fld>
             <a:endParaRPr lang="en-US"/>
           </a:p>
@@ -2761,7 +2755,7 @@
           <a:p>
             <a:fld id="{846CE7D5-CF57-46EF-B807-FDD0502418D4}" type="datetimeFigureOut">
               <a:rPr lang="en-US" smtClean="0"/>
-              <a:t>11/13/2023</a:t>
+              <a:t>11/14/2023</a:t>
             </a:fld>
             <a:endParaRPr lang="en-US"/>
           </a:p>
@@ -2999,7 +2993,7 @@
           <a:p>
             <a:fld id="{846CE7D5-CF57-46EF-B807-FDD0502418D4}" type="datetimeFigureOut">
               <a:rPr lang="en-US" smtClean="0"/>
-              <a:t>11/13/2023</a:t>
+              <a:t>11/14/2023</a:t>
             </a:fld>
             <a:endParaRPr lang="en-US"/>
           </a:p>
@@ -3721,27 +3715,13 @@
                 <a:solidFill>
                   <a:schemeClr val="bg1"/>
                 </a:solidFill>
-                <a:effectLst>
-                  <a:outerShdw blurRad="38100" dist="38100" dir="2700000" algn="tl">
-                    <a:srgbClr val="000000">
-                      <a:alpha val="43137"/>
-                    </a:srgbClr>
-                  </a:outerShdw>
-                </a:effectLst>
-              </a:rPr>
-              <a:t>Kialakításai:</a:t>
+              </a:rPr>
+              <a:t>Fogyasztás:</a:t>
             </a:r>
             <a:endParaRPr lang="hu-HU" sz="2800" dirty="0">
               <a:solidFill>
                 <a:schemeClr val="bg1"/>
               </a:solidFill>
-              <a:effectLst>
-                <a:outerShdw blurRad="38100" dist="38100" dir="2700000" algn="tl">
-                  <a:srgbClr val="000000">
-                    <a:alpha val="43137"/>
-                  </a:srgbClr>
-                </a:outerShdw>
-              </a:effectLst>
             </a:endParaRPr>
           </a:p>
         </p:txBody>
@@ -3755,7 +3735,7 @@
         <p:spPr>
           <a:xfrm>
             <a:off x="995865" y="1243781"/>
-            <a:ext cx="8583561" cy="2677656"/>
+            <a:ext cx="8583561" cy="1384995"/>
           </a:xfrm>
           <a:prstGeom prst="rect">
             <a:avLst/>
@@ -3777,19 +3757,12 @@
                 <a:solidFill>
                   <a:schemeClr val="bg1"/>
                 </a:solidFill>
-                <a:effectLst>
-                  <a:outerShdw blurRad="38100" dist="38100" dir="2700000" algn="tl">
-                    <a:srgbClr val="000000">
-                      <a:alpha val="43137"/>
-                    </a:srgbClr>
-                  </a:outerShdw>
-                </a:effectLst>
-              </a:rPr>
-              <a:t>Asztali és torony</a:t>
-            </a:r>
-          </a:p>
-          <a:p>
-            <a:pPr marL="285750" indent="-285750">
+              </a:rPr>
+              <a:t>Fogyasztás kiszámításának a menete:</a:t>
+            </a:r>
+          </a:p>
+          <a:p>
+            <a:pPr marL="742950" lvl="1" indent="-285750">
               <a:buFont typeface="Arial" panose="020B0604020202020204" pitchFamily="34" charset="0"/>
               <a:buChar char="•"/>
             </a:pPr>
@@ -3798,234 +3771,46 @@
                 <a:solidFill>
                   <a:schemeClr val="bg1"/>
                 </a:solidFill>
-                <a:effectLst>
-                  <a:outerShdw blurRad="38100" dist="38100" dir="2700000" algn="tl">
-                    <a:srgbClr val="000000">
-                      <a:alpha val="43137"/>
-                    </a:srgbClr>
-                  </a:outerShdw>
-                </a:effectLst>
-              </a:rPr>
-              <a:t>Falra szerelhető</a:t>
-            </a:r>
-          </a:p>
-          <a:p>
-            <a:pPr marL="285750" indent="-285750">
+              </a:rPr>
+              <a:t>Összeadjuk a komponensek áramfelhasználtságát</a:t>
+            </a:r>
+          </a:p>
+          <a:p>
+            <a:pPr marL="1200150" lvl="2" indent="-285750">
               <a:buFont typeface="Arial" panose="020B0604020202020204" pitchFamily="34" charset="0"/>
               <a:buChar char="•"/>
             </a:pPr>
             <a:r>
+              <a:rPr lang="hu-HU" sz="2800" dirty="0" smtClean="0">
+                <a:solidFill>
+                  <a:schemeClr val="bg1"/>
+                </a:solidFill>
+              </a:rPr>
+              <a:t>20-25%-</a:t>
+            </a:r>
+            <a:r>
               <a:rPr lang="hu-HU" sz="2800" dirty="0" err="1" smtClean="0">
                 <a:solidFill>
                   <a:schemeClr val="bg1"/>
                 </a:solidFill>
-                <a:effectLst>
-                  <a:outerShdw blurRad="38100" dist="38100" dir="2700000" algn="tl">
-                    <a:srgbClr val="000000">
-                      <a:alpha val="43137"/>
-                    </a:srgbClr>
-                  </a:outerShdw>
-                </a:effectLst>
-              </a:rPr>
-              <a:t>Rack</a:t>
+              </a:rPr>
+              <a:t>kal</a:t>
             </a:r>
             <a:r>
               <a:rPr lang="hu-HU" sz="2800" dirty="0" smtClean="0">
                 <a:solidFill>
                   <a:schemeClr val="bg1"/>
                 </a:solidFill>
-                <a:effectLst>
-                  <a:outerShdw blurRad="38100" dist="38100" dir="2700000" algn="tl">
-                    <a:srgbClr val="000000">
-                      <a:alpha val="43137"/>
-                    </a:srgbClr>
-                  </a:outerShdw>
-                </a:effectLst>
-              </a:rPr>
-              <a:t>-be szerelhető</a:t>
-            </a:r>
-          </a:p>
-          <a:p>
-            <a:pPr marL="285750" indent="-285750">
-              <a:buFont typeface="Arial" panose="020B0604020202020204" pitchFamily="34" charset="0"/>
-              <a:buChar char="•"/>
-            </a:pPr>
-            <a:r>
-              <a:rPr lang="hu-HU" sz="2800" dirty="0" smtClean="0">
-                <a:solidFill>
-                  <a:schemeClr val="bg1"/>
-                </a:solidFill>
-                <a:effectLst>
-                  <a:outerShdw blurRad="38100" dist="38100" dir="2700000" algn="tl">
-                    <a:srgbClr val="000000">
-                      <a:alpha val="43137"/>
-                    </a:srgbClr>
-                  </a:outerShdw>
-                </a:effectLst>
-              </a:rPr>
-              <a:t>2 az 1ben (</a:t>
-            </a:r>
-            <a:r>
-              <a:rPr lang="hu-HU" sz="2800" dirty="0" err="1" smtClean="0">
-                <a:solidFill>
-                  <a:schemeClr val="bg1"/>
-                </a:solidFill>
-                <a:effectLst>
-                  <a:outerShdw blurRad="38100" dist="38100" dir="2700000" algn="tl">
-                    <a:srgbClr val="000000">
-                      <a:alpha val="43137"/>
-                    </a:srgbClr>
-                  </a:outerShdw>
-                </a:effectLst>
-              </a:rPr>
-              <a:t>rackre</a:t>
-            </a:r>
-            <a:r>
-              <a:rPr lang="hu-HU" sz="2800" dirty="0" smtClean="0">
-                <a:solidFill>
-                  <a:schemeClr val="bg1"/>
-                </a:solidFill>
-                <a:effectLst>
-                  <a:outerShdw blurRad="38100" dist="38100" dir="2700000" algn="tl">
-                    <a:srgbClr val="000000">
-                      <a:alpha val="43137"/>
-                    </a:srgbClr>
-                  </a:outerShdw>
-                </a:effectLst>
-              </a:rPr>
-              <a:t> és földre állítható torony)</a:t>
-            </a:r>
-          </a:p>
-          <a:p>
-            <a:pPr marL="285750" indent="-285750">
-              <a:buFont typeface="Arial" panose="020B0604020202020204" pitchFamily="34" charset="0"/>
-              <a:buChar char="•"/>
-            </a:pPr>
-            <a:r>
-              <a:rPr lang="hu-HU" sz="2800" dirty="0" smtClean="0">
-                <a:solidFill>
-                  <a:schemeClr val="bg1"/>
-                </a:solidFill>
-                <a:effectLst>
-                  <a:outerShdw blurRad="38100" dist="38100" dir="2700000" algn="tl">
-                    <a:srgbClr val="000000">
-                      <a:alpha val="43137"/>
-                    </a:srgbClr>
-                  </a:outerShdw>
-                </a:effectLst>
-              </a:rPr>
-              <a:t>Skálázható</a:t>
-            </a:r>
-          </a:p>
-          <a:p>
-            <a:pPr marL="285750" indent="-285750">
-              <a:buFont typeface="Arial" panose="020B0604020202020204" pitchFamily="34" charset="0"/>
-              <a:buChar char="•"/>
-            </a:pPr>
-            <a:r>
-              <a:rPr lang="hu-HU" sz="2800" dirty="0" smtClean="0">
-                <a:solidFill>
-                  <a:schemeClr val="bg1"/>
-                </a:solidFill>
-                <a:effectLst>
-                  <a:outerShdw blurRad="38100" dist="38100" dir="2700000" algn="tl">
-                    <a:srgbClr val="000000">
-                      <a:alpha val="43137"/>
-                    </a:srgbClr>
-                  </a:outerShdw>
-                </a:effectLst>
-              </a:rPr>
-              <a:t>Nagyméretű Torony</a:t>
+              </a:rPr>
+              <a:t> nagyobb teljesítményű tápot veszünk</a:t>
             </a:r>
           </a:p>
         </p:txBody>
       </p:sp>
-      <p:pic>
-        <p:nvPicPr>
-          <p:cNvPr id="1032" name="Picture 8" descr="Szünetmentes tápegységek használata otthonainkban"/>
-          <p:cNvPicPr>
-            <a:picLocks noChangeAspect="1" noChangeArrowheads="1"/>
-          </p:cNvPicPr>
-          <p:nvPr/>
-        </p:nvPicPr>
-        <p:blipFill>
-          <a:blip r:embed="rId2">
-            <a:extLst>
-              <a:ext uri="{28A0092B-C50C-407E-A947-70E740481C1C}">
-                <a14:useLocalDpi xmlns:a14="http://schemas.microsoft.com/office/drawing/2010/main" val="0"/>
-              </a:ext>
-            </a:extLst>
-          </a:blip>
-          <a:srcRect/>
-          <a:stretch>
-            <a:fillRect/>
-          </a:stretch>
-        </p:blipFill>
-        <p:spPr bwMode="auto">
-          <a:xfrm>
-            <a:off x="7666718" y="0"/>
-            <a:ext cx="2299395" cy="3414602"/>
-          </a:xfrm>
-          <a:prstGeom prst="rect">
-            <a:avLst/>
-          </a:prstGeom>
-          <a:noFill/>
-          <a:extLst>
-            <a:ext uri="{909E8E84-426E-40DD-AFC4-6F175D3DCCD1}">
-              <a14:hiddenFill xmlns:a14="http://schemas.microsoft.com/office/drawing/2010/main">
-                <a:solidFill>
-                  <a:srgbClr val="FFFFFF"/>
-                </a:solidFill>
-              </a14:hiddenFill>
-            </a:ext>
-          </a:extLst>
-        </p:spPr>
-      </p:pic>
-      <p:pic>
-        <p:nvPicPr>
-          <p:cNvPr id="1034" name="Picture 10" descr="AEG szünetmentes tápegység, PROTECT D 3000, 3000VA (2700W), 6x IEC320 C13 +  1xC19, online kettős konv. UPS, rack/tower 6000024433 - Profil Copy Kft."/>
-          <p:cNvPicPr>
-            <a:picLocks noChangeAspect="1" noChangeArrowheads="1"/>
-          </p:cNvPicPr>
-          <p:nvPr/>
-        </p:nvPicPr>
-        <p:blipFill>
-          <a:blip r:embed="rId3">
-            <a:extLst>
-              <a:ext uri="{28A0092B-C50C-407E-A947-70E740481C1C}">
-                <a14:useLocalDpi xmlns:a14="http://schemas.microsoft.com/office/drawing/2010/main" val="0"/>
-              </a:ext>
-            </a:extLst>
-          </a:blip>
-          <a:srcRect/>
-          <a:stretch>
-            <a:fillRect/>
-          </a:stretch>
-        </p:blipFill>
-        <p:spPr bwMode="auto">
-          <a:xfrm>
-            <a:off x="7467600" y="2546557"/>
-            <a:ext cx="4969325" cy="4969325"/>
-          </a:xfrm>
-          <a:prstGeom prst="rect">
-            <a:avLst/>
-          </a:prstGeom>
-          <a:noFill/>
-          <a:extLst>
-            <a:ext uri="{909E8E84-426E-40DD-AFC4-6F175D3DCCD1}">
-              <a14:hiddenFill xmlns:a14="http://schemas.microsoft.com/office/drawing/2010/main">
-                <a:solidFill>
-                  <a:srgbClr val="FFFFFF"/>
-                </a:solidFill>
-              </a14:hiddenFill>
-            </a:ext>
-          </a:extLst>
-        </p:spPr>
-      </p:pic>
     </p:spTree>
     <p:extLst>
       <p:ext uri="{BB962C8B-B14F-4D97-AF65-F5344CB8AC3E}">
-        <p14:creationId xmlns:p14="http://schemas.microsoft.com/office/powerpoint/2010/main" val="3282104850"/>
+        <p14:creationId xmlns:p14="http://schemas.microsoft.com/office/powerpoint/2010/main" val="1079687922"/>
       </p:ext>
     </p:extLst>
   </p:cSld>
@@ -4080,174 +3865,6 @@
         <p:spPr>
           <a:xfrm>
             <a:off x="619432" y="339213"/>
-            <a:ext cx="2101997" cy="523220"/>
-          </a:xfrm>
-          <a:prstGeom prst="rect">
-            <a:avLst/>
-          </a:prstGeom>
-          <a:noFill/>
-        </p:spPr>
-        <p:txBody>
-          <a:bodyPr wrap="square" rtlCol="0">
-            <a:spAutoFit/>
-          </a:bodyPr>
-          <a:lstStyle/>
-          <a:p>
-            <a:r>
-              <a:rPr lang="hu-HU" sz="2800" dirty="0" smtClean="0">
-                <a:solidFill>
-                  <a:schemeClr val="bg1"/>
-                </a:solidFill>
-              </a:rPr>
-              <a:t>Fogyasztás:</a:t>
-            </a:r>
-            <a:endParaRPr lang="hu-HU" sz="2800" dirty="0">
-              <a:solidFill>
-                <a:schemeClr val="bg1"/>
-              </a:solidFill>
-            </a:endParaRPr>
-          </a:p>
-        </p:txBody>
-      </p:sp>
-      <p:sp>
-        <p:nvSpPr>
-          <p:cNvPr id="11" name="Szövegdoboz 10"/>
-          <p:cNvSpPr txBox="1"/>
-          <p:nvPr/>
-        </p:nvSpPr>
-        <p:spPr>
-          <a:xfrm>
-            <a:off x="995865" y="1243781"/>
-            <a:ext cx="8583561" cy="1384995"/>
-          </a:xfrm>
-          <a:prstGeom prst="rect">
-            <a:avLst/>
-          </a:prstGeom>
-          <a:noFill/>
-        </p:spPr>
-        <p:txBody>
-          <a:bodyPr wrap="square" rtlCol="0">
-            <a:spAutoFit/>
-          </a:bodyPr>
-          <a:lstStyle/>
-          <a:p>
-            <a:pPr marL="285750" indent="-285750">
-              <a:buFont typeface="Arial" panose="020B0604020202020204" pitchFamily="34" charset="0"/>
-              <a:buChar char="•"/>
-            </a:pPr>
-            <a:r>
-              <a:rPr lang="hu-HU" sz="2800" dirty="0" smtClean="0">
-                <a:solidFill>
-                  <a:schemeClr val="bg1"/>
-                </a:solidFill>
-              </a:rPr>
-              <a:t>Fogyasztás kiszámításának a menete:</a:t>
-            </a:r>
-          </a:p>
-          <a:p>
-            <a:pPr marL="742950" lvl="1" indent="-285750">
-              <a:buFont typeface="Arial" panose="020B0604020202020204" pitchFamily="34" charset="0"/>
-              <a:buChar char="•"/>
-            </a:pPr>
-            <a:r>
-              <a:rPr lang="hu-HU" sz="2800" dirty="0" smtClean="0">
-                <a:solidFill>
-                  <a:schemeClr val="bg1"/>
-                </a:solidFill>
-              </a:rPr>
-              <a:t>Összeadjuk a komponensek áramfelhasználtságát</a:t>
-            </a:r>
-          </a:p>
-          <a:p>
-            <a:pPr marL="1200150" lvl="2" indent="-285750">
-              <a:buFont typeface="Arial" panose="020B0604020202020204" pitchFamily="34" charset="0"/>
-              <a:buChar char="•"/>
-            </a:pPr>
-            <a:r>
-              <a:rPr lang="hu-HU" sz="2800" dirty="0" smtClean="0">
-                <a:solidFill>
-                  <a:schemeClr val="bg1"/>
-                </a:solidFill>
-              </a:rPr>
-              <a:t>20-25%-</a:t>
-            </a:r>
-            <a:r>
-              <a:rPr lang="hu-HU" sz="2800" dirty="0" err="1" smtClean="0">
-                <a:solidFill>
-                  <a:schemeClr val="bg1"/>
-                </a:solidFill>
-              </a:rPr>
-              <a:t>kal</a:t>
-            </a:r>
-            <a:r>
-              <a:rPr lang="hu-HU" sz="2800" dirty="0" smtClean="0">
-                <a:solidFill>
-                  <a:schemeClr val="bg1"/>
-                </a:solidFill>
-              </a:rPr>
-              <a:t> nagyobb teljesítményű tápot veszünk</a:t>
-            </a:r>
-          </a:p>
-        </p:txBody>
-      </p:sp>
-    </p:spTree>
-    <p:extLst>
-      <p:ext uri="{BB962C8B-B14F-4D97-AF65-F5344CB8AC3E}">
-        <p14:creationId xmlns:p14="http://schemas.microsoft.com/office/powerpoint/2010/main" val="1079687922"/>
-      </p:ext>
-    </p:extLst>
-  </p:cSld>
-  <p:clrMapOvr>
-    <a:masterClrMapping/>
-  </p:clrMapOvr>
-  <mc:AlternateContent xmlns:mc="http://schemas.openxmlformats.org/markup-compatibility/2006" xmlns:p14="http://schemas.microsoft.com/office/powerpoint/2010/main">
-    <mc:Choice Requires="p14">
-      <p:transition spd="slow" p14:dur="3400">
-        <p14:reveal/>
-      </p:transition>
-    </mc:Choice>
-    <mc:Fallback xmlns="">
-      <p:transition spd="slow">
-        <p:fade/>
-      </p:transition>
-    </mc:Fallback>
-  </mc:AlternateContent>
-  <p:timing>
-    <p:tnLst>
-      <p:par>
-        <p:cTn id="1" dur="indefinite" restart="never" nodeType="tmRoot"/>
-      </p:par>
-    </p:tnLst>
-  </p:timing>
-</p:sld>
-</file>
-
-<file path=ppt/slides/slide12.xml><?xml version="1.0" encoding="utf-8"?>
-<p:sld xmlns:a="http://schemas.openxmlformats.org/drawingml/2006/main" xmlns:r="http://schemas.openxmlformats.org/officeDocument/2006/relationships" xmlns:p="http://schemas.openxmlformats.org/presentationml/2006/main">
-  <p:cSld>
-    <p:spTree>
-      <p:nvGrpSpPr>
-        <p:cNvPr id="1" name=""/>
-        <p:cNvGrpSpPr/>
-        <p:nvPr/>
-      </p:nvGrpSpPr>
-      <p:grpSpPr>
-        <a:xfrm>
-          <a:off x="0" y="0"/>
-          <a:ext cx="0" cy="0"/>
-          <a:chOff x="0" y="0"/>
-          <a:chExt cx="0" cy="0"/>
-        </a:xfrm>
-      </p:grpSpPr>
-      <p:sp>
-        <p:nvSpPr>
-          <p:cNvPr id="4" name="Szövegdoboz 3"/>
-          <p:cNvSpPr txBox="1"/>
-          <p:nvPr/>
-        </p:nvSpPr>
-        <p:spPr>
-          <a:xfrm>
-            <a:off x="619432" y="339213"/>
             <a:ext cx="3408282" cy="523220"/>
           </a:xfrm>
           <a:prstGeom prst="rect">
@@ -4584,7 +4201,7 @@
 </p:sld>
 </file>
 
-<file path=ppt/slides/slide13.xml><?xml version="1.0" encoding="utf-8"?>
+<file path=ppt/slides/slide12.xml><?xml version="1.0" encoding="utf-8"?>
 <p:sld xmlns:a="http://schemas.openxmlformats.org/drawingml/2006/main" xmlns:r="http://schemas.openxmlformats.org/officeDocument/2006/relationships" xmlns:p="http://schemas.openxmlformats.org/presentationml/2006/main">
   <p:cSld>
     <p:spTree>
@@ -5085,7 +4702,7 @@
 </p:sld>
 </file>
 
-<file path=ppt/slides/slide14.xml><?xml version="1.0" encoding="utf-8"?>
+<file path=ppt/slides/slide13.xml><?xml version="1.0" encoding="utf-8"?>
 <p:sld xmlns:a="http://schemas.openxmlformats.org/drawingml/2006/main" xmlns:r="http://schemas.openxmlformats.org/officeDocument/2006/relationships" xmlns:p="http://schemas.openxmlformats.org/presentationml/2006/main">
   <p:cSld>
     <p:spTree>
@@ -5156,14 +4773,14 @@
       </p:sp>
       <p:sp>
         <p:nvSpPr>
-          <p:cNvPr id="5" name="Szövegdoboz 4"/>
+          <p:cNvPr id="10" name="Szövegdoboz 9"/>
           <p:cNvSpPr txBox="1"/>
           <p:nvPr/>
         </p:nvSpPr>
         <p:spPr>
           <a:xfrm>
-            <a:off x="1283110" y="1076632"/>
-            <a:ext cx="8229600" cy="523220"/>
+            <a:off x="823567" y="1254051"/>
+            <a:ext cx="4786203" cy="2677656"/>
           </a:xfrm>
           <a:prstGeom prst="rect">
             <a:avLst/>
@@ -5177,20 +4794,38 @@
           <a:lstStyle/>
           <a:p>
             <a:r>
-              <a:rPr lang="hu-HU" sz="2800" dirty="0" smtClean="0">
-                <a:solidFill>
-                  <a:schemeClr val="bg1"/>
-                </a:solidFill>
-                <a:effectLst>
-                  <a:outerShdw blurRad="38100" dist="38100" dir="2700000" algn="tl">
-                    <a:srgbClr val="000000">
-                      <a:alpha val="43137"/>
-                    </a:srgbClr>
-                  </a:outerShdw>
-                </a:effectLst>
-              </a:rPr>
-              <a:t>Statikus szünetmentes tápegység:</a:t>
-            </a:r>
+              <a:rPr lang="hu-HU" sz="2800" dirty="0" err="1" smtClean="0">
+                <a:solidFill>
+                  <a:schemeClr val="bg1"/>
+                </a:solidFill>
+                <a:effectLst>
+                  <a:outerShdw blurRad="38100" dist="38100" dir="2700000" algn="tl">
+                    <a:srgbClr val="000000">
+                      <a:alpha val="43137"/>
+                    </a:srgbClr>
+                  </a:outerShdw>
+                </a:effectLst>
+              </a:rPr>
+              <a:t>Standby</a:t>
+            </a:r>
+            <a:endParaRPr lang="hu-HU" sz="2800" dirty="0" smtClean="0">
+              <a:solidFill>
+                <a:schemeClr val="bg1"/>
+              </a:solidFill>
+              <a:effectLst>
+                <a:outerShdw blurRad="38100" dist="38100" dir="2700000" algn="tl">
+                  <a:srgbClr val="000000">
+                    <a:alpha val="43137"/>
+                  </a:srgbClr>
+                </a:outerShdw>
+              </a:effectLst>
+            </a:endParaRPr>
+          </a:p>
+          <a:p>
+            <a:pPr marL="285750" indent="-285750">
+              <a:buFont typeface="Arial" panose="020B0604020202020204" pitchFamily="34" charset="0"/>
+              <a:buChar char="•"/>
+            </a:pPr>
             <a:endParaRPr lang="hu-HU" sz="2800" dirty="0">
               <a:solidFill>
                 <a:schemeClr val="bg1"/>
@@ -5204,18 +4839,117 @@
               </a:effectLst>
             </a:endParaRPr>
           </a:p>
+          <a:p>
+            <a:pPr marL="285750" indent="-285750">
+              <a:buFont typeface="Arial" panose="020B0604020202020204" pitchFamily="34" charset="0"/>
+              <a:buChar char="•"/>
+            </a:pPr>
+            <a:r>
+              <a:rPr lang="hu-HU" sz="2800" dirty="0" smtClean="0">
+                <a:solidFill>
+                  <a:schemeClr val="bg1"/>
+                </a:solidFill>
+                <a:effectLst>
+                  <a:outerShdw blurRad="38100" dist="38100" dir="2700000" algn="tl">
+                    <a:srgbClr val="000000">
+                      <a:alpha val="43137"/>
+                    </a:srgbClr>
+                  </a:outerShdw>
+                </a:effectLst>
+              </a:rPr>
+              <a:t>Folyamatos </a:t>
+            </a:r>
+            <a:r>
+              <a:rPr lang="hu-HU" sz="2800" dirty="0" smtClean="0">
+                <a:solidFill>
+                  <a:schemeClr val="bg1"/>
+                </a:solidFill>
+                <a:effectLst>
+                  <a:outerShdw blurRad="38100" dist="38100" dir="2700000" algn="tl">
+                    <a:srgbClr val="000000">
+                      <a:alpha val="43137"/>
+                    </a:srgbClr>
+                  </a:outerShdw>
+                </a:effectLst>
+              </a:rPr>
+              <a:t>kapcsolat nincs</a:t>
+            </a:r>
+          </a:p>
+          <a:p>
+            <a:pPr marL="285750" indent="-285750">
+              <a:buFont typeface="Arial" panose="020B0604020202020204" pitchFamily="34" charset="0"/>
+              <a:buChar char="•"/>
+            </a:pPr>
+            <a:r>
+              <a:rPr lang="hu-HU" sz="2800" dirty="0" smtClean="0">
+                <a:solidFill>
+                  <a:schemeClr val="bg1"/>
+                </a:solidFill>
+                <a:effectLst>
+                  <a:outerShdw blurRad="38100" dist="38100" dir="2700000" algn="tl">
+                    <a:srgbClr val="000000">
+                      <a:alpha val="43137"/>
+                    </a:srgbClr>
+                  </a:outerShdw>
+                </a:effectLst>
+              </a:rPr>
+              <a:t>Korrigálás nincs</a:t>
+            </a:r>
+          </a:p>
+          <a:p>
+            <a:pPr marL="285750" indent="-285750">
+              <a:buFont typeface="Arial" panose="020B0604020202020204" pitchFamily="34" charset="0"/>
+              <a:buChar char="•"/>
+            </a:pPr>
+            <a:r>
+              <a:rPr lang="hu-HU" sz="2800" dirty="0" smtClean="0">
+                <a:solidFill>
+                  <a:schemeClr val="bg1"/>
+                </a:solidFill>
+                <a:effectLst>
+                  <a:outerShdw blurRad="38100" dist="38100" dir="2700000" algn="tl">
+                    <a:srgbClr val="000000">
+                      <a:alpha val="43137"/>
+                    </a:srgbClr>
+                  </a:outerShdw>
+                </a:effectLst>
+              </a:rPr>
+              <a:t>Otthoni használat</a:t>
+            </a:r>
+          </a:p>
+          <a:p>
+            <a:pPr marL="285750" indent="-285750">
+              <a:buFont typeface="Arial" panose="020B0604020202020204" pitchFamily="34" charset="0"/>
+              <a:buChar char="•"/>
+            </a:pPr>
+            <a:r>
+              <a:rPr lang="hu-HU" sz="2800" dirty="0" smtClean="0">
+                <a:solidFill>
+                  <a:schemeClr val="bg1"/>
+                </a:solidFill>
+                <a:effectLst>
+                  <a:outerShdw blurRad="38100" dist="38100" dir="2700000" algn="tl">
+                    <a:srgbClr val="000000">
+                      <a:alpha val="43137"/>
+                    </a:srgbClr>
+                  </a:outerShdw>
+                </a:effectLst>
+              </a:rPr>
+              <a:t>Általában &lt;600w teljesítmény</a:t>
+            </a:r>
+          </a:p>
         </p:txBody>
       </p:sp>
       <p:sp>
         <p:nvSpPr>
-          <p:cNvPr id="9" name="Szövegdoboz 8"/>
+          <p:cNvPr id="6" name="Szövegdoboz 5"/>
           <p:cNvSpPr txBox="1"/>
           <p:nvPr/>
         </p:nvSpPr>
         <p:spPr>
           <a:xfrm>
-            <a:off x="1283110" y="1814051"/>
-            <a:ext cx="3680776" cy="2677656"/>
+            <a:off x="789919" y="1254051"/>
+            <a:ext cx="5134547" cy="2246769"/>
           </a:xfrm>
           <a:prstGeom prst="rect">
             <a:avLst/>
@@ -5228,10 +4962,6 @@
           </a:bodyPr>
           <a:lstStyle/>
           <a:p>
-            <a:pPr marL="285750" indent="-285750">
-              <a:buFont typeface="Arial" panose="020B0604020202020204" pitchFamily="34" charset="0"/>
-              <a:buChar char="•"/>
-            </a:pPr>
             <a:r>
               <a:rPr lang="hu-HU" sz="2800" dirty="0" smtClean="0">
                 <a:solidFill>
@@ -5245,28 +4975,7 @@
                   </a:outerShdw>
                 </a:effectLst>
               </a:rPr>
-              <a:t>Akkumulátor</a:t>
-            </a:r>
-          </a:p>
-          <a:p>
-            <a:pPr marL="285750" indent="-285750">
-              <a:buFont typeface="Arial" panose="020B0604020202020204" pitchFamily="34" charset="0"/>
-              <a:buChar char="•"/>
-            </a:pPr>
-            <a:r>
-              <a:rPr lang="hu-HU" sz="2800" dirty="0" err="1" smtClean="0">
-                <a:solidFill>
-                  <a:schemeClr val="bg1"/>
-                </a:solidFill>
-                <a:effectLst>
-                  <a:outerShdw blurRad="38100" dist="38100" dir="2700000" algn="tl">
-                    <a:srgbClr val="000000">
-                      <a:alpha val="43137"/>
-                    </a:srgbClr>
-                  </a:outerShdw>
-                </a:effectLst>
-              </a:rPr>
-              <a:t>Inverter</a:t>
+              <a:t>Line-Interaktív</a:t>
             </a:r>
             <a:endParaRPr lang="hu-HU" sz="2800" dirty="0" smtClean="0">
               <a:solidFill>
@@ -5286,143 +4995,6 @@
               <a:buFont typeface="Arial" panose="020B0604020202020204" pitchFamily="34" charset="0"/>
               <a:buChar char="•"/>
             </a:pPr>
-            <a:r>
-              <a:rPr lang="hu-HU" sz="2800" dirty="0" smtClean="0">
-                <a:solidFill>
-                  <a:schemeClr val="bg1"/>
-                </a:solidFill>
-                <a:effectLst>
-                  <a:outerShdw blurRad="38100" dist="38100" dir="2700000" algn="tl">
-                    <a:srgbClr val="000000">
-                      <a:alpha val="43137"/>
-                    </a:srgbClr>
-                  </a:outerShdw>
-                </a:effectLst>
-              </a:rPr>
-              <a:t>Kapcsoló</a:t>
-            </a:r>
-          </a:p>
-          <a:p>
-            <a:pPr marL="285750" indent="-285750">
-              <a:buFont typeface="Arial" panose="020B0604020202020204" pitchFamily="34" charset="0"/>
-              <a:buChar char="•"/>
-            </a:pPr>
-            <a:r>
-              <a:rPr lang="hu-HU" sz="2800" dirty="0" smtClean="0">
-                <a:solidFill>
-                  <a:schemeClr val="bg1"/>
-                </a:solidFill>
-                <a:effectLst>
-                  <a:outerShdw blurRad="38100" dist="38100" dir="2700000" algn="tl">
-                    <a:srgbClr val="000000">
-                      <a:alpha val="43137"/>
-                    </a:srgbClr>
-                  </a:outerShdw>
-                </a:effectLst>
-              </a:rPr>
-              <a:t>Töltő</a:t>
-            </a:r>
-          </a:p>
-          <a:p>
-            <a:pPr marL="285750" indent="-285750">
-              <a:buFont typeface="Arial" panose="020B0604020202020204" pitchFamily="34" charset="0"/>
-              <a:buChar char="•"/>
-            </a:pPr>
-            <a:r>
-              <a:rPr lang="hu-HU" sz="2800" dirty="0" smtClean="0">
-                <a:solidFill>
-                  <a:schemeClr val="bg1"/>
-                </a:solidFill>
-                <a:effectLst>
-                  <a:outerShdw blurRad="38100" dist="38100" dir="2700000" algn="tl">
-                    <a:srgbClr val="000000">
-                      <a:alpha val="43137"/>
-                    </a:srgbClr>
-                  </a:outerShdw>
-                </a:effectLst>
-              </a:rPr>
-              <a:t>Szűrők</a:t>
-            </a:r>
-          </a:p>
-          <a:p>
-            <a:pPr marL="285750" indent="-285750">
-              <a:buFont typeface="Arial" panose="020B0604020202020204" pitchFamily="34" charset="0"/>
-              <a:buChar char="•"/>
-            </a:pPr>
-            <a:r>
-              <a:rPr lang="hu-HU" sz="2800" dirty="0" smtClean="0">
-                <a:solidFill>
-                  <a:schemeClr val="bg1"/>
-                </a:solidFill>
-                <a:effectLst>
-                  <a:outerShdw blurRad="38100" dist="38100" dir="2700000" algn="tl">
-                    <a:srgbClr val="000000">
-                      <a:alpha val="43137"/>
-                    </a:srgbClr>
-                  </a:outerShdw>
-                </a:effectLst>
-              </a:rPr>
-              <a:t>Érzékelők</a:t>
-            </a:r>
-          </a:p>
-        </p:txBody>
-      </p:sp>
-      <p:sp>
-        <p:nvSpPr>
-          <p:cNvPr id="10" name="Szövegdoboz 9"/>
-          <p:cNvSpPr txBox="1"/>
-          <p:nvPr/>
-        </p:nvSpPr>
-        <p:spPr>
-          <a:xfrm>
-            <a:off x="4963886" y="1814051"/>
-            <a:ext cx="4066342" cy="1384995"/>
-          </a:xfrm>
-          <a:prstGeom prst="rect">
-            <a:avLst/>
-          </a:prstGeom>
-          <a:noFill/>
-        </p:spPr>
-        <p:txBody>
-          <a:bodyPr wrap="square" rtlCol="0">
-            <a:spAutoFit/>
-          </a:bodyPr>
-          <a:lstStyle/>
-          <a:p>
-            <a:pPr marL="285750" indent="-285750">
-              <a:buFont typeface="Arial" panose="020B0604020202020204" pitchFamily="34" charset="0"/>
-              <a:buChar char="•"/>
-            </a:pPr>
-            <a:r>
-              <a:rPr lang="hu-HU" sz="2800" dirty="0" smtClean="0">
-                <a:solidFill>
-                  <a:schemeClr val="bg1"/>
-                </a:solidFill>
-                <a:effectLst>
-                  <a:outerShdw blurRad="38100" dist="38100" dir="2700000" algn="tl">
-                    <a:srgbClr val="000000">
-                      <a:alpha val="43137"/>
-                    </a:srgbClr>
-                  </a:outerShdw>
-                </a:effectLst>
-              </a:rPr>
-              <a:t>PWM </a:t>
-            </a:r>
-            <a:r>
-              <a:rPr lang="hu-HU" sz="2800" dirty="0" err="1" smtClean="0">
-                <a:solidFill>
-                  <a:schemeClr val="bg1"/>
-                </a:solidFill>
-                <a:effectLst>
-                  <a:outerShdw blurRad="38100" dist="38100" dir="2700000" algn="tl">
-                    <a:srgbClr val="000000">
-                      <a:alpha val="43137"/>
-                    </a:srgbClr>
-                  </a:outerShdw>
-                </a:effectLst>
-              </a:rPr>
-              <a:t>inverter</a:t>
-            </a:r>
             <a:endParaRPr lang="hu-HU" sz="2800" dirty="0">
               <a:solidFill>
                 <a:schemeClr val="bg1"/>
@@ -5442,6 +5014,21 @@
               <a:buChar char="•"/>
             </a:pPr>
             <a:r>
+              <a:rPr lang="hu-HU" sz="2800" dirty="0" err="1" smtClean="0">
+                <a:solidFill>
+                  <a:schemeClr val="bg1"/>
+                </a:solidFill>
+                <a:effectLst>
+                  <a:outerShdw blurRad="38100" dist="38100" dir="2700000" algn="tl">
+                    <a:srgbClr val="000000">
+                      <a:alpha val="43137"/>
+                    </a:srgbClr>
+                  </a:outerShdw>
+                </a:effectLst>
+              </a:rPr>
+              <a:t>Inverter</a:t>
+            </a:r>
+            <a:r>
               <a:rPr lang="hu-HU" sz="2800" dirty="0" smtClean="0">
                 <a:solidFill>
                   <a:schemeClr val="bg1"/>
@@ -5454,70 +5041,78 @@
                   </a:outerShdw>
                 </a:effectLst>
               </a:rPr>
-              <a:t>Úszó akkumulátoros rendszer</a:t>
+              <a:t> </a:t>
+            </a:r>
+            <a:r>
+              <a:rPr lang="hu-HU" sz="2800" dirty="0" smtClean="0">
+                <a:solidFill>
+                  <a:schemeClr val="bg1"/>
+                </a:solidFill>
+                <a:effectLst>
+                  <a:outerShdw blurRad="38100" dist="38100" dir="2700000" algn="tl">
+                    <a:srgbClr val="000000">
+                      <a:alpha val="43137"/>
+                    </a:srgbClr>
+                  </a:outerShdw>
+                </a:effectLst>
+              </a:rPr>
+              <a:t>folyamatos kapcsolat</a:t>
+            </a:r>
+          </a:p>
+          <a:p>
+            <a:pPr marL="285750" indent="-285750">
+              <a:buFont typeface="Arial" panose="020B0604020202020204" pitchFamily="34" charset="0"/>
+              <a:buChar char="•"/>
+            </a:pPr>
+            <a:r>
+              <a:rPr lang="hu-HU" sz="2800" dirty="0" smtClean="0">
+                <a:solidFill>
+                  <a:schemeClr val="bg1"/>
+                </a:solidFill>
+                <a:effectLst>
+                  <a:outerShdw blurRad="38100" dist="38100" dir="2700000" algn="tl">
+                    <a:srgbClr val="000000">
+                      <a:alpha val="43137"/>
+                    </a:srgbClr>
+                  </a:outerShdw>
+                </a:effectLst>
+              </a:rPr>
+              <a:t>Korrigálás van</a:t>
+            </a:r>
+          </a:p>
+          <a:p>
+            <a:pPr marL="285750" indent="-285750">
+              <a:buFont typeface="Arial" panose="020B0604020202020204" pitchFamily="34" charset="0"/>
+              <a:buChar char="•"/>
+            </a:pPr>
+            <a:r>
+              <a:rPr lang="hu-HU" sz="2800" dirty="0" smtClean="0">
+                <a:solidFill>
+                  <a:schemeClr val="bg1"/>
+                </a:solidFill>
+                <a:effectLst>
+                  <a:outerShdw blurRad="38100" dist="38100" dir="2700000" algn="tl">
+                    <a:srgbClr val="000000">
+                      <a:alpha val="43137"/>
+                    </a:srgbClr>
+                  </a:outerShdw>
+                </a:effectLst>
+              </a:rPr>
+              <a:t>Átkapcsolások számát csökkenti</a:t>
             </a:r>
           </a:p>
         </p:txBody>
       </p:sp>
-    </p:spTree>
-    <p:extLst>
-      <p:ext uri="{BB962C8B-B14F-4D97-AF65-F5344CB8AC3E}">
-        <p14:creationId xmlns:p14="http://schemas.microsoft.com/office/powerpoint/2010/main" val="2601390936"/>
-      </p:ext>
-    </p:extLst>
-  </p:cSld>
-  <p:clrMapOvr>
-    <a:masterClrMapping/>
-  </p:clrMapOvr>
-  <mc:AlternateContent xmlns:mc="http://schemas.openxmlformats.org/markup-compatibility/2006" xmlns:p14="http://schemas.microsoft.com/office/powerpoint/2010/main">
-    <mc:Choice Requires="p14">
-      <p:transition spd="slow" p14:dur="3400">
-        <p14:reveal/>
-      </p:transition>
-    </mc:Choice>
-    <mc:Fallback xmlns="">
-      <p:transition spd="slow">
-        <p:fade/>
-      </p:transition>
-    </mc:Fallback>
-  </mc:AlternateContent>
-  <p:timing>
-    <p:tnLst>
-      <p:par>
-        <p:cTn id="1" dur="indefinite" restart="never" nodeType="tmRoot"/>
-      </p:par>
-    </p:tnLst>
-  </p:timing>
-</p:sld>
-</file>
-
-<file path=ppt/slides/slide15.xml><?xml version="1.0" encoding="utf-8"?>
-<p:sld xmlns:a="http://schemas.openxmlformats.org/drawingml/2006/main" xmlns:r="http://schemas.openxmlformats.org/officeDocument/2006/relationships" xmlns:p="http://schemas.openxmlformats.org/presentationml/2006/main">
-  <p:cSld>
-    <p:spTree>
-      <p:nvGrpSpPr>
-        <p:cNvPr id="1" name=""/>
-        <p:cNvGrpSpPr/>
-        <p:nvPr/>
-      </p:nvGrpSpPr>
-      <p:grpSpPr>
-        <a:xfrm>
-          <a:off x="0" y="0"/>
-          <a:ext cx="0" cy="0"/>
-          <a:chOff x="0" y="0"/>
-          <a:chExt cx="0" cy="0"/>
-        </a:xfrm>
-      </p:grpSpPr>
       <p:sp>
         <p:nvSpPr>
-          <p:cNvPr id="4" name="Szövegdoboz 3"/>
+          <p:cNvPr id="7" name="Szövegdoboz 6"/>
           <p:cNvSpPr txBox="1"/>
           <p:nvPr/>
         </p:nvSpPr>
         <p:spPr>
           <a:xfrm>
-            <a:off x="619432" y="339213"/>
-            <a:ext cx="2863997" cy="523220"/>
+            <a:off x="823567" y="1254051"/>
+            <a:ext cx="5531347" cy="3108543"/>
           </a:xfrm>
           <a:prstGeom prst="rect">
             <a:avLst/>
@@ -5531,6 +5126,21 @@
           <a:lstStyle/>
           <a:p>
             <a:r>
+              <a:rPr lang="hu-HU" sz="2800" dirty="0">
+                <a:solidFill>
+                  <a:schemeClr val="bg1"/>
+                </a:solidFill>
+                <a:effectLst>
+                  <a:outerShdw blurRad="38100" dist="38100" dir="2700000" algn="tl">
+                    <a:srgbClr val="000000">
+                      <a:alpha val="43137"/>
+                    </a:srgbClr>
+                  </a:outerShdw>
+                </a:effectLst>
+              </a:rPr>
+              <a:t>Delta </a:t>
+            </a:r>
+            <a:r>
               <a:rPr lang="hu-HU" sz="2800" dirty="0" smtClean="0">
                 <a:solidFill>
                   <a:schemeClr val="bg1"/>
@@ -5543,8 +5153,26 @@
                   </a:outerShdw>
                 </a:effectLst>
               </a:rPr>
-              <a:t>UPS felépítések</a:t>
-            </a:r>
+              <a:t>konverzió</a:t>
+            </a:r>
+            <a:endParaRPr lang="hu-HU" sz="2800" dirty="0" smtClean="0">
+              <a:solidFill>
+                <a:schemeClr val="bg1"/>
+              </a:solidFill>
+              <a:effectLst>
+                <a:outerShdw blurRad="38100" dist="38100" dir="2700000" algn="tl">
+                  <a:srgbClr val="000000">
+                    <a:alpha val="43137"/>
+                  </a:srgbClr>
+                </a:outerShdw>
+              </a:effectLst>
+            </a:endParaRPr>
+          </a:p>
+          <a:p>
+            <a:pPr marL="285750" indent="-285750">
+              <a:buFont typeface="Arial" panose="020B0604020202020204" pitchFamily="34" charset="0"/>
+              <a:buChar char="•"/>
+            </a:pPr>
             <a:endParaRPr lang="hu-HU" sz="2800" dirty="0">
               <a:solidFill>
                 <a:schemeClr val="bg1"/>
@@ -5558,18 +5186,147 @@
               </a:effectLst>
             </a:endParaRPr>
           </a:p>
+          <a:p>
+            <a:pPr marL="285750" indent="-285750">
+              <a:buFont typeface="Arial" panose="020B0604020202020204" pitchFamily="34" charset="0"/>
+              <a:buChar char="•"/>
+            </a:pPr>
+            <a:r>
+              <a:rPr lang="hu-HU" sz="2800" dirty="0" smtClean="0">
+                <a:solidFill>
+                  <a:schemeClr val="bg1"/>
+                </a:solidFill>
+                <a:effectLst>
+                  <a:outerShdw blurRad="38100" dist="38100" dir="2700000" algn="tl">
+                    <a:srgbClr val="000000">
+                      <a:alpha val="43137"/>
+                    </a:srgbClr>
+                  </a:outerShdw>
+                </a:effectLst>
+              </a:rPr>
+              <a:t>Kapcsolási </a:t>
+            </a:r>
+            <a:r>
+              <a:rPr lang="hu-HU" sz="2800" dirty="0" smtClean="0">
+                <a:solidFill>
+                  <a:schemeClr val="bg1"/>
+                </a:solidFill>
+                <a:effectLst>
+                  <a:outerShdw blurRad="38100" dist="38100" dir="2700000" algn="tl">
+                    <a:srgbClr val="000000">
+                      <a:alpha val="43137"/>
+                    </a:srgbClr>
+                  </a:outerShdw>
+                </a:effectLst>
+              </a:rPr>
+              <a:t>időre nincs szükség</a:t>
+            </a:r>
+          </a:p>
+          <a:p>
+            <a:pPr marL="285750" indent="-285750">
+              <a:buFont typeface="Arial" panose="020B0604020202020204" pitchFamily="34" charset="0"/>
+              <a:buChar char="•"/>
+            </a:pPr>
+            <a:r>
+              <a:rPr lang="hu-HU" sz="2800" dirty="0" smtClean="0">
+                <a:solidFill>
+                  <a:schemeClr val="bg1"/>
+                </a:solidFill>
+                <a:effectLst>
+                  <a:outerShdw blurRad="38100" dist="38100" dir="2700000" algn="tl">
+                    <a:srgbClr val="000000">
+                      <a:alpha val="43137"/>
+                    </a:srgbClr>
+                  </a:outerShdw>
+                </a:effectLst>
+              </a:rPr>
+              <a:t>Hiba esetén megy át csak áram az </a:t>
+            </a:r>
+            <a:r>
+              <a:rPr lang="hu-HU" sz="2800" dirty="0" err="1" smtClean="0">
+                <a:solidFill>
+                  <a:schemeClr val="bg1"/>
+                </a:solidFill>
+                <a:effectLst>
+                  <a:outerShdw blurRad="38100" dist="38100" dir="2700000" algn="tl">
+                    <a:srgbClr val="000000">
+                      <a:alpha val="43137"/>
+                    </a:srgbClr>
+                  </a:outerShdw>
+                </a:effectLst>
+              </a:rPr>
+              <a:t>inverteren</a:t>
+            </a:r>
+            <a:r>
+              <a:rPr lang="hu-HU" sz="2800" dirty="0" smtClean="0">
+                <a:solidFill>
+                  <a:schemeClr val="bg1"/>
+                </a:solidFill>
+                <a:effectLst>
+                  <a:outerShdw blurRad="38100" dist="38100" dir="2700000" algn="tl">
+                    <a:srgbClr val="000000">
+                      <a:alpha val="43137"/>
+                    </a:srgbClr>
+                  </a:outerShdw>
+                </a:effectLst>
+              </a:rPr>
+              <a:t> keresztül</a:t>
+            </a:r>
+          </a:p>
+          <a:p>
+            <a:pPr marL="285750" indent="-285750">
+              <a:buFont typeface="Arial" panose="020B0604020202020204" pitchFamily="34" charset="0"/>
+              <a:buChar char="•"/>
+            </a:pPr>
+            <a:r>
+              <a:rPr lang="hu-HU" sz="2800" dirty="0" smtClean="0">
+                <a:solidFill>
+                  <a:schemeClr val="bg1"/>
+                </a:solidFill>
+                <a:effectLst>
+                  <a:outerShdw blurRad="38100" dist="38100" dir="2700000" algn="tl">
+                    <a:srgbClr val="000000">
+                      <a:alpha val="43137"/>
+                    </a:srgbClr>
+                  </a:outerShdw>
+                </a:effectLst>
+              </a:rPr>
+              <a:t>Nem befolyásolja a frekvenciát</a:t>
+            </a:r>
+          </a:p>
+          <a:p>
+            <a:pPr marL="285750" indent="-285750">
+              <a:buFont typeface="Arial" panose="020B0604020202020204" pitchFamily="34" charset="0"/>
+              <a:buChar char="•"/>
+            </a:pPr>
+            <a:r>
+              <a:rPr lang="hu-HU" sz="2800" dirty="0" smtClean="0">
+                <a:solidFill>
+                  <a:schemeClr val="bg1"/>
+                </a:solidFill>
+                <a:effectLst>
+                  <a:outerShdw blurRad="38100" dist="38100" dir="2700000" algn="tl">
+                    <a:srgbClr val="000000">
+                      <a:alpha val="43137"/>
+                    </a:srgbClr>
+                  </a:outerShdw>
+                </a:effectLst>
+              </a:rPr>
+              <a:t>97% hatékonyság</a:t>
+            </a:r>
+          </a:p>
         </p:txBody>
       </p:sp>
       <p:sp>
         <p:nvSpPr>
-          <p:cNvPr id="5" name="Szövegdoboz 4"/>
+          <p:cNvPr id="8" name="Szövegdoboz 7"/>
           <p:cNvSpPr txBox="1"/>
           <p:nvPr/>
         </p:nvSpPr>
         <p:spPr>
           <a:xfrm>
-            <a:off x="1283110" y="1076632"/>
-            <a:ext cx="8229600" cy="523220"/>
+            <a:off x="823567" y="1254051"/>
+            <a:ext cx="5134547" cy="3970318"/>
           </a:xfrm>
           <a:prstGeom prst="rect">
             <a:avLst/>
@@ -5583,20 +5340,37 @@
           <a:lstStyle/>
           <a:p>
             <a:r>
-              <a:rPr lang="hu-HU" sz="2800" dirty="0" err="1" smtClean="0">
-                <a:solidFill>
-                  <a:schemeClr val="bg1"/>
-                </a:solidFill>
-                <a:effectLst>
-                  <a:outerShdw blurRad="38100" dist="38100" dir="2700000" algn="tl">
-                    <a:srgbClr val="000000">
-                      <a:alpha val="43137"/>
-                    </a:srgbClr>
-                  </a:outerShdw>
-                </a:effectLst>
-              </a:rPr>
-              <a:t>Standby</a:t>
-            </a:r>
+              <a:rPr lang="hu-HU" sz="2800" dirty="0" err="1">
+                <a:solidFill>
+                  <a:schemeClr val="bg1"/>
+                </a:solidFill>
+                <a:effectLst>
+                  <a:outerShdw blurRad="38100" dist="38100" dir="2700000" algn="tl">
+                    <a:srgbClr val="000000">
+                      <a:alpha val="43137"/>
+                    </a:srgbClr>
+                  </a:outerShdw>
+                </a:effectLst>
+              </a:rPr>
+              <a:t>Dual</a:t>
+            </a:r>
+            <a:r>
+              <a:rPr lang="hu-HU" sz="2800" dirty="0">
+                <a:solidFill>
+                  <a:schemeClr val="bg1"/>
+                </a:solidFill>
+                <a:effectLst>
+                  <a:outerShdw blurRad="38100" dist="38100" dir="2700000" algn="tl">
+                    <a:srgbClr val="000000">
+                      <a:alpha val="43137"/>
+                    </a:srgbClr>
+                  </a:outerShdw>
+                </a:effectLst>
+              </a:rPr>
+              <a:t> konverzió</a:t>
+            </a:r>
+          </a:p>
+          <a:p>
             <a:endParaRPr lang="hu-HU" sz="2800" dirty="0">
               <a:solidFill>
                 <a:schemeClr val="bg1"/>
@@ -5610,18 +5384,135 @@
               </a:effectLst>
             </a:endParaRPr>
           </a:p>
+          <a:p>
+            <a:pPr marL="285750" indent="-285750">
+              <a:buFont typeface="Arial" panose="020B0604020202020204" pitchFamily="34" charset="0"/>
+              <a:buChar char="•"/>
+            </a:pPr>
+            <a:r>
+              <a:rPr lang="hu-HU" sz="2800" dirty="0" smtClean="0">
+                <a:solidFill>
+                  <a:schemeClr val="bg1"/>
+                </a:solidFill>
+                <a:effectLst>
+                  <a:outerShdw blurRad="38100" dist="38100" dir="2700000" algn="tl">
+                    <a:srgbClr val="000000">
+                      <a:alpha val="43137"/>
+                    </a:srgbClr>
+                  </a:outerShdw>
+                </a:effectLst>
+              </a:rPr>
+              <a:t>AC </a:t>
+            </a:r>
+            <a:r>
+              <a:rPr lang="hu-HU" sz="2800" dirty="0" smtClean="0">
+                <a:solidFill>
+                  <a:schemeClr val="bg1"/>
+                </a:solidFill>
+                <a:effectLst>
+                  <a:outerShdw blurRad="38100" dist="38100" dir="2700000" algn="tl">
+                    <a:srgbClr val="000000">
+                      <a:alpha val="43137"/>
+                    </a:srgbClr>
+                  </a:outerShdw>
+                </a:effectLst>
+              </a:rPr>
+              <a:t>– DC – AC</a:t>
+            </a:r>
+          </a:p>
+          <a:p>
+            <a:pPr marL="285750" indent="-285750">
+              <a:buFont typeface="Arial" panose="020B0604020202020204" pitchFamily="34" charset="0"/>
+              <a:buChar char="•"/>
+            </a:pPr>
+            <a:r>
+              <a:rPr lang="hu-HU" sz="2800" dirty="0" smtClean="0">
+                <a:solidFill>
+                  <a:schemeClr val="bg1"/>
+                </a:solidFill>
+                <a:effectLst>
+                  <a:outerShdw blurRad="38100" dist="38100" dir="2700000" algn="tl">
+                    <a:srgbClr val="000000">
+                      <a:alpha val="43137"/>
+                    </a:srgbClr>
+                  </a:outerShdw>
+                </a:effectLst>
+              </a:rPr>
+              <a:t>Az akkumulátor itt egy szűrőként is működik</a:t>
+            </a:r>
+          </a:p>
+          <a:p>
+            <a:pPr marL="285750" indent="-285750">
+              <a:buFont typeface="Arial" panose="020B0604020202020204" pitchFamily="34" charset="0"/>
+              <a:buChar char="•"/>
+            </a:pPr>
+            <a:r>
+              <a:rPr lang="hu-HU" sz="2800" dirty="0" smtClean="0">
+                <a:solidFill>
+                  <a:schemeClr val="bg1"/>
+                </a:solidFill>
+                <a:effectLst>
+                  <a:outerShdw blurRad="38100" dist="38100" dir="2700000" algn="tl">
+                    <a:srgbClr val="000000">
+                      <a:alpha val="43137"/>
+                    </a:srgbClr>
+                  </a:outerShdw>
+                </a:effectLst>
+              </a:rPr>
+              <a:t>Frekvenciát és feszültség változás lehetséges</a:t>
+            </a:r>
+          </a:p>
+          <a:p>
+            <a:pPr marL="285750" indent="-285750">
+              <a:buFont typeface="Arial" panose="020B0604020202020204" pitchFamily="34" charset="0"/>
+              <a:buChar char="•"/>
+            </a:pPr>
+            <a:r>
+              <a:rPr lang="hu-HU" sz="2800" dirty="0" smtClean="0">
+                <a:solidFill>
+                  <a:schemeClr val="bg1"/>
+                </a:solidFill>
+                <a:effectLst>
+                  <a:outerShdw blurRad="38100" dist="38100" dir="2700000" algn="tl">
+                    <a:srgbClr val="000000">
+                      <a:alpha val="43137"/>
+                    </a:srgbClr>
+                  </a:outerShdw>
+                </a:effectLst>
+              </a:rPr>
+              <a:t>Kapcsolási idő nincs</a:t>
+            </a:r>
+          </a:p>
+          <a:p>
+            <a:pPr marL="285750" indent="-285750">
+              <a:buFont typeface="Arial" panose="020B0604020202020204" pitchFamily="34" charset="0"/>
+              <a:buChar char="•"/>
+            </a:pPr>
+            <a:endParaRPr lang="hu-HU" sz="2800" dirty="0" smtClean="0">
+              <a:solidFill>
+                <a:schemeClr val="bg1"/>
+              </a:solidFill>
+              <a:effectLst>
+                <a:outerShdw blurRad="38100" dist="38100" dir="2700000" algn="tl">
+                  <a:srgbClr val="000000">
+                    <a:alpha val="43137"/>
+                  </a:srgbClr>
+                </a:outerShdw>
+              </a:effectLst>
+            </a:endParaRPr>
+          </a:p>
         </p:txBody>
       </p:sp>
       <p:sp>
         <p:nvSpPr>
-          <p:cNvPr id="10" name="Szövegdoboz 9"/>
+          <p:cNvPr id="9" name="Szövegdoboz 8"/>
           <p:cNvSpPr txBox="1"/>
           <p:nvPr/>
         </p:nvSpPr>
         <p:spPr>
           <a:xfrm>
-            <a:off x="1331567" y="2039141"/>
-            <a:ext cx="4786203" cy="1815882"/>
+            <a:off x="823567" y="1254051"/>
+            <a:ext cx="5134547" cy="3108543"/>
           </a:xfrm>
           <a:prstGeom prst="rect">
             <a:avLst/>
@@ -5634,6 +5525,37 @@
           </a:bodyPr>
           <a:lstStyle/>
           <a:p>
+            <a:r>
+              <a:rPr lang="hu-HU" sz="2800" dirty="0">
+                <a:solidFill>
+                  <a:schemeClr val="bg1"/>
+                </a:solidFill>
+                <a:effectLst>
+                  <a:outerShdw blurRad="38100" dist="38100" dir="2700000" algn="tl">
+                    <a:srgbClr val="000000">
+                      <a:alpha val="43137"/>
+                    </a:srgbClr>
+                  </a:outerShdw>
+                </a:effectLst>
+              </a:rPr>
+              <a:t>Kültéri tápegység</a:t>
+            </a:r>
+          </a:p>
+          <a:p>
+            <a:endParaRPr lang="hu-HU" sz="2800" dirty="0" smtClean="0">
+              <a:solidFill>
+                <a:schemeClr val="bg1"/>
+              </a:solidFill>
+              <a:effectLst>
+                <a:outerShdw blurRad="38100" dist="38100" dir="2700000" algn="tl">
+                  <a:srgbClr val="000000">
+                    <a:alpha val="43137"/>
+                  </a:srgbClr>
+                </a:outerShdw>
+              </a:effectLst>
+            </a:endParaRPr>
+          </a:p>
+          <a:p>
             <a:pPr marL="285750" indent="-285750">
               <a:buFont typeface="Arial" panose="020B0604020202020204" pitchFamily="34" charset="0"/>
               <a:buChar char="•"/>
@@ -5651,7 +5573,22 @@
                   </a:outerShdw>
                 </a:effectLst>
               </a:rPr>
-              <a:t>Folyamatos kapcsolat nincs</a:t>
+              <a:t>Időjárási </a:t>
+            </a:r>
+            <a:r>
+              <a:rPr lang="hu-HU" sz="2800" dirty="0" smtClean="0">
+                <a:solidFill>
+                  <a:schemeClr val="bg1"/>
+                </a:solidFill>
+                <a:effectLst>
+                  <a:outerShdw blurRad="38100" dist="38100" dir="2700000" algn="tl">
+                    <a:srgbClr val="000000">
+                      <a:alpha val="43137"/>
+                    </a:srgbClr>
+                  </a:outerShdw>
+                </a:effectLst>
+              </a:rPr>
+              <a:t>különbség kiküszöbölése</a:t>
             </a:r>
           </a:p>
           <a:p>
@@ -5672,7 +5609,7 @@
                   </a:outerShdw>
                 </a:effectLst>
               </a:rPr>
-              <a:t>Korrigálás nincs</a:t>
+              <a:t>Zárt egység</a:t>
             </a:r>
           </a:p>
           <a:p>
@@ -5693,7 +5630,7 @@
                   </a:outerShdw>
                 </a:effectLst>
               </a:rPr>
-              <a:t>Otthoni használat</a:t>
+              <a:t>Energia modul</a:t>
             </a:r>
           </a:p>
           <a:p>
@@ -5714,8 +5651,299 @@
                   </a:outerShdw>
                 </a:effectLst>
               </a:rPr>
-              <a:t>Általában &lt;600w teljesítmény</a:t>
-            </a:r>
+              <a:t>Több akkumulátor</a:t>
+            </a:r>
+          </a:p>
+        </p:txBody>
+      </p:sp>
+      <p:sp>
+        <p:nvSpPr>
+          <p:cNvPr id="11" name="Szövegdoboz 10"/>
+          <p:cNvSpPr txBox="1"/>
+          <p:nvPr/>
+        </p:nvSpPr>
+        <p:spPr>
+          <a:xfrm>
+            <a:off x="788303" y="1254051"/>
+            <a:ext cx="5136163" cy="4832092"/>
+          </a:xfrm>
+          <a:prstGeom prst="rect">
+            <a:avLst/>
+          </a:prstGeom>
+          <a:noFill/>
+        </p:spPr>
+        <p:txBody>
+          <a:bodyPr wrap="square" rtlCol="0">
+            <a:spAutoFit/>
+          </a:bodyPr>
+          <a:lstStyle/>
+          <a:p>
+            <a:r>
+              <a:rPr lang="hu-HU" sz="2800" dirty="0">
+                <a:solidFill>
+                  <a:schemeClr val="bg1"/>
+                </a:solidFill>
+                <a:effectLst>
+                  <a:outerShdw blurRad="38100" dist="38100" dir="2700000" algn="tl">
+                    <a:srgbClr val="000000">
+                      <a:alpha val="43137"/>
+                    </a:srgbClr>
+                  </a:outerShdw>
+                </a:effectLst>
+              </a:rPr>
+              <a:t>Statikus szünetmentes tápegység:</a:t>
+            </a:r>
+          </a:p>
+          <a:p>
+            <a:endParaRPr lang="hu-HU" sz="2800" dirty="0" smtClean="0">
+              <a:solidFill>
+                <a:schemeClr val="bg1"/>
+              </a:solidFill>
+              <a:effectLst>
+                <a:outerShdw blurRad="38100" dist="38100" dir="2700000" algn="tl">
+                  <a:srgbClr val="000000">
+                    <a:alpha val="43137"/>
+                  </a:srgbClr>
+                </a:outerShdw>
+              </a:effectLst>
+            </a:endParaRPr>
+          </a:p>
+          <a:p>
+            <a:pPr marL="285750" indent="-285750">
+              <a:buFont typeface="Arial" panose="020B0604020202020204" pitchFamily="34" charset="0"/>
+              <a:buChar char="•"/>
+            </a:pPr>
+            <a:r>
+              <a:rPr lang="hu-HU" sz="2800" dirty="0" smtClean="0">
+                <a:solidFill>
+                  <a:schemeClr val="bg1"/>
+                </a:solidFill>
+                <a:effectLst>
+                  <a:outerShdw blurRad="38100" dist="38100" dir="2700000" algn="tl">
+                    <a:srgbClr val="000000">
+                      <a:alpha val="43137"/>
+                    </a:srgbClr>
+                  </a:outerShdw>
+                </a:effectLst>
+              </a:rPr>
+              <a:t>Akkumulátor</a:t>
+            </a:r>
+            <a:endParaRPr lang="hu-HU" sz="2800" dirty="0" smtClean="0">
+              <a:solidFill>
+                <a:schemeClr val="bg1"/>
+              </a:solidFill>
+              <a:effectLst>
+                <a:outerShdw blurRad="38100" dist="38100" dir="2700000" algn="tl">
+                  <a:srgbClr val="000000">
+                    <a:alpha val="43137"/>
+                  </a:srgbClr>
+                </a:outerShdw>
+              </a:effectLst>
+            </a:endParaRPr>
+          </a:p>
+          <a:p>
+            <a:pPr marL="285750" indent="-285750">
+              <a:buFont typeface="Arial" panose="020B0604020202020204" pitchFamily="34" charset="0"/>
+              <a:buChar char="•"/>
+            </a:pPr>
+            <a:r>
+              <a:rPr lang="hu-HU" sz="2800" dirty="0" err="1" smtClean="0">
+                <a:solidFill>
+                  <a:schemeClr val="bg1"/>
+                </a:solidFill>
+                <a:effectLst>
+                  <a:outerShdw blurRad="38100" dist="38100" dir="2700000" algn="tl">
+                    <a:srgbClr val="000000">
+                      <a:alpha val="43137"/>
+                    </a:srgbClr>
+                  </a:outerShdw>
+                </a:effectLst>
+              </a:rPr>
+              <a:t>Inverter</a:t>
+            </a:r>
+            <a:endParaRPr lang="hu-HU" sz="2800" dirty="0" smtClean="0">
+              <a:solidFill>
+                <a:schemeClr val="bg1"/>
+              </a:solidFill>
+              <a:effectLst>
+                <a:outerShdw blurRad="38100" dist="38100" dir="2700000" algn="tl">
+                  <a:srgbClr val="000000">
+                    <a:alpha val="43137"/>
+                  </a:srgbClr>
+                </a:outerShdw>
+              </a:effectLst>
+            </a:endParaRPr>
+          </a:p>
+          <a:p>
+            <a:pPr marL="285750" indent="-285750">
+              <a:buFont typeface="Arial" panose="020B0604020202020204" pitchFamily="34" charset="0"/>
+              <a:buChar char="•"/>
+            </a:pPr>
+            <a:r>
+              <a:rPr lang="hu-HU" sz="2800" dirty="0" smtClean="0">
+                <a:solidFill>
+                  <a:schemeClr val="bg1"/>
+                </a:solidFill>
+                <a:effectLst>
+                  <a:outerShdw blurRad="38100" dist="38100" dir="2700000" algn="tl">
+                    <a:srgbClr val="000000">
+                      <a:alpha val="43137"/>
+                    </a:srgbClr>
+                  </a:outerShdw>
+                </a:effectLst>
+              </a:rPr>
+              <a:t>Kapcsoló</a:t>
+            </a:r>
+          </a:p>
+          <a:p>
+            <a:pPr marL="285750" indent="-285750">
+              <a:buFont typeface="Arial" panose="020B0604020202020204" pitchFamily="34" charset="0"/>
+              <a:buChar char="•"/>
+            </a:pPr>
+            <a:r>
+              <a:rPr lang="hu-HU" sz="2800" dirty="0" smtClean="0">
+                <a:solidFill>
+                  <a:schemeClr val="bg1"/>
+                </a:solidFill>
+                <a:effectLst>
+                  <a:outerShdw blurRad="38100" dist="38100" dir="2700000" algn="tl">
+                    <a:srgbClr val="000000">
+                      <a:alpha val="43137"/>
+                    </a:srgbClr>
+                  </a:outerShdw>
+                </a:effectLst>
+              </a:rPr>
+              <a:t>Töltő</a:t>
+            </a:r>
+          </a:p>
+          <a:p>
+            <a:pPr marL="285750" indent="-285750">
+              <a:buFont typeface="Arial" panose="020B0604020202020204" pitchFamily="34" charset="0"/>
+              <a:buChar char="•"/>
+            </a:pPr>
+            <a:r>
+              <a:rPr lang="hu-HU" sz="2800" dirty="0" smtClean="0">
+                <a:solidFill>
+                  <a:schemeClr val="bg1"/>
+                </a:solidFill>
+                <a:effectLst>
+                  <a:outerShdw blurRad="38100" dist="38100" dir="2700000" algn="tl">
+                    <a:srgbClr val="000000">
+                      <a:alpha val="43137"/>
+                    </a:srgbClr>
+                  </a:outerShdw>
+                </a:effectLst>
+              </a:rPr>
+              <a:t>Szűrők</a:t>
+            </a:r>
+          </a:p>
+          <a:p>
+            <a:pPr marL="285750" indent="-285750">
+              <a:buFont typeface="Arial" panose="020B0604020202020204" pitchFamily="34" charset="0"/>
+              <a:buChar char="•"/>
+            </a:pPr>
+            <a:r>
+              <a:rPr lang="hu-HU" sz="2800" dirty="0" smtClean="0">
+                <a:solidFill>
+                  <a:schemeClr val="bg1"/>
+                </a:solidFill>
+                <a:effectLst>
+                  <a:outerShdw blurRad="38100" dist="38100" dir="2700000" algn="tl">
+                    <a:srgbClr val="000000">
+                      <a:alpha val="43137"/>
+                    </a:srgbClr>
+                  </a:outerShdw>
+                </a:effectLst>
+              </a:rPr>
+              <a:t>Érzékelők</a:t>
+            </a:r>
+          </a:p>
+          <a:p>
+            <a:pPr marL="285750" indent="-285750">
+              <a:buFont typeface="Arial" panose="020B0604020202020204" pitchFamily="34" charset="0"/>
+              <a:buChar char="•"/>
+            </a:pPr>
+            <a:r>
+              <a:rPr lang="hu-HU" sz="2800" dirty="0">
+                <a:solidFill>
+                  <a:schemeClr val="bg1"/>
+                </a:solidFill>
+                <a:effectLst>
+                  <a:outerShdw blurRad="38100" dist="38100" dir="2700000" algn="tl">
+                    <a:srgbClr val="000000">
+                      <a:alpha val="43137"/>
+                    </a:srgbClr>
+                  </a:outerShdw>
+                </a:effectLst>
+              </a:rPr>
+              <a:t>PWM </a:t>
+            </a:r>
+            <a:r>
+              <a:rPr lang="hu-HU" sz="2800" dirty="0" err="1">
+                <a:solidFill>
+                  <a:schemeClr val="bg1"/>
+                </a:solidFill>
+                <a:effectLst>
+                  <a:outerShdw blurRad="38100" dist="38100" dir="2700000" algn="tl">
+                    <a:srgbClr val="000000">
+                      <a:alpha val="43137"/>
+                    </a:srgbClr>
+                  </a:outerShdw>
+                </a:effectLst>
+              </a:rPr>
+              <a:t>inverter</a:t>
+            </a:r>
+            <a:endParaRPr lang="hu-HU" sz="2800" dirty="0">
+              <a:solidFill>
+                <a:schemeClr val="bg1"/>
+              </a:solidFill>
+              <a:effectLst>
+                <a:outerShdw blurRad="38100" dist="38100" dir="2700000" algn="tl">
+                  <a:srgbClr val="000000">
+                    <a:alpha val="43137"/>
+                  </a:srgbClr>
+                </a:outerShdw>
+              </a:effectLst>
+            </a:endParaRPr>
+          </a:p>
+          <a:p>
+            <a:pPr marL="285750" indent="-285750">
+              <a:buFont typeface="Arial" panose="020B0604020202020204" pitchFamily="34" charset="0"/>
+              <a:buChar char="•"/>
+            </a:pPr>
+            <a:r>
+              <a:rPr lang="hu-HU" sz="2800" dirty="0">
+                <a:solidFill>
+                  <a:schemeClr val="bg1"/>
+                </a:solidFill>
+                <a:effectLst>
+                  <a:outerShdw blurRad="38100" dist="38100" dir="2700000" algn="tl">
+                    <a:srgbClr val="000000">
+                      <a:alpha val="43137"/>
+                    </a:srgbClr>
+                  </a:outerShdw>
+                </a:effectLst>
+              </a:rPr>
+              <a:t>Úszó akkumulátoros rendszer</a:t>
+            </a:r>
+          </a:p>
+          <a:p>
+            <a:pPr marL="285750" indent="-285750">
+              <a:buFont typeface="Arial" panose="020B0604020202020204" pitchFamily="34" charset="0"/>
+              <a:buChar char="•"/>
+            </a:pPr>
+            <a:endParaRPr lang="hu-HU" sz="2800" dirty="0" smtClean="0">
+              <a:solidFill>
+                <a:schemeClr val="bg1"/>
+              </a:solidFill>
+              <a:effectLst>
+                <a:outerShdw blurRad="38100" dist="38100" dir="2700000" algn="tl">
+                  <a:srgbClr val="000000">
+                    <a:alpha val="43137"/>
+                  </a:srgbClr>
+                </a:outerShdw>
+              </a:effectLst>
+            </a:endParaRPr>
           </a:p>
         </p:txBody>
       </p:sp>
@@ -5744,14 +5972,1239 @@
   <p:timing>
     <p:tnLst>
       <p:par>
-        <p:cTn id="1" dur="indefinite" restart="never" nodeType="tmRoot"/>
+        <p:cTn id="1" dur="indefinite" restart="never" nodeType="tmRoot">
+          <p:childTnLst>
+            <p:seq concurrent="1" nextAc="seek">
+              <p:cTn id="2" dur="indefinite" nodeType="mainSeq">
+                <p:childTnLst>
+                  <p:par>
+                    <p:cTn id="3" fill="hold">
+                      <p:stCondLst>
+                        <p:cond delay="indefinite"/>
+                      </p:stCondLst>
+                      <p:childTnLst>
+                        <p:par>
+                          <p:cTn id="4" fill="hold">
+                            <p:stCondLst>
+                              <p:cond delay="0"/>
+                            </p:stCondLst>
+                            <p:childTnLst>
+                              <p:par>
+                                <p:cTn id="5" presetID="53" presetClass="entr" presetSubtype="16" fill="hold" grpId="0" nodeType="clickEffect">
+                                  <p:stCondLst>
+                                    <p:cond delay="0"/>
+                                  </p:stCondLst>
+                                  <p:childTnLst>
+                                    <p:set>
+                                      <p:cBhvr>
+                                        <p:cTn id="6" dur="1" fill="hold">
+                                          <p:stCondLst>
+                                            <p:cond delay="0"/>
+                                          </p:stCondLst>
+                                        </p:cTn>
+                                        <p:tgtEl>
+                                          <p:spTgt spid="11"/>
+                                        </p:tgtEl>
+                                        <p:attrNameLst>
+                                          <p:attrName>style.visibility</p:attrName>
+                                        </p:attrNameLst>
+                                      </p:cBhvr>
+                                      <p:to>
+                                        <p:strVal val="visible"/>
+                                      </p:to>
+                                    </p:set>
+                                    <p:anim calcmode="lin" valueType="num">
+                                      <p:cBhvr>
+                                        <p:cTn id="7" dur="500" fill="hold"/>
+                                        <p:tgtEl>
+                                          <p:spTgt spid="11"/>
+                                        </p:tgtEl>
+                                        <p:attrNameLst>
+                                          <p:attrName>ppt_w</p:attrName>
+                                        </p:attrNameLst>
+                                      </p:cBhvr>
+                                      <p:tavLst>
+                                        <p:tav tm="0">
+                                          <p:val>
+                                            <p:fltVal val="0"/>
+                                          </p:val>
+                                        </p:tav>
+                                        <p:tav tm="100000">
+                                          <p:val>
+                                            <p:strVal val="#ppt_w"/>
+                                          </p:val>
+                                        </p:tav>
+                                      </p:tavLst>
+                                    </p:anim>
+                                    <p:anim calcmode="lin" valueType="num">
+                                      <p:cBhvr>
+                                        <p:cTn id="8" dur="500" fill="hold"/>
+                                        <p:tgtEl>
+                                          <p:spTgt spid="11"/>
+                                        </p:tgtEl>
+                                        <p:attrNameLst>
+                                          <p:attrName>ppt_h</p:attrName>
+                                        </p:attrNameLst>
+                                      </p:cBhvr>
+                                      <p:tavLst>
+                                        <p:tav tm="0">
+                                          <p:val>
+                                            <p:fltVal val="0"/>
+                                          </p:val>
+                                        </p:tav>
+                                        <p:tav tm="100000">
+                                          <p:val>
+                                            <p:strVal val="#ppt_h"/>
+                                          </p:val>
+                                        </p:tav>
+                                      </p:tavLst>
+                                    </p:anim>
+                                    <p:animEffect transition="in" filter="fade">
+                                      <p:cBhvr>
+                                        <p:cTn id="9" dur="500"/>
+                                        <p:tgtEl>
+                                          <p:spTgt spid="11"/>
+                                        </p:tgtEl>
+                                      </p:cBhvr>
+                                    </p:animEffect>
+                                  </p:childTnLst>
+                                </p:cTn>
+                              </p:par>
+                            </p:childTnLst>
+                          </p:cTn>
+                        </p:par>
+                      </p:childTnLst>
+                    </p:cTn>
+                  </p:par>
+                  <p:par>
+                    <p:cTn id="10" fill="hold">
+                      <p:stCondLst>
+                        <p:cond delay="indefinite"/>
+                      </p:stCondLst>
+                      <p:childTnLst>
+                        <p:par>
+                          <p:cTn id="11" fill="hold">
+                            <p:stCondLst>
+                              <p:cond delay="0"/>
+                            </p:stCondLst>
+                            <p:childTnLst>
+                              <p:par>
+                                <p:cTn id="12" presetID="53" presetClass="exit" presetSubtype="32" fill="hold" grpId="1" nodeType="clickEffect">
+                                  <p:stCondLst>
+                                    <p:cond delay="0"/>
+                                  </p:stCondLst>
+                                  <p:childTnLst>
+                                    <p:anim calcmode="lin" valueType="num">
+                                      <p:cBhvr>
+                                        <p:cTn id="13" dur="500"/>
+                                        <p:tgtEl>
+                                          <p:spTgt spid="11"/>
+                                        </p:tgtEl>
+                                        <p:attrNameLst>
+                                          <p:attrName>ppt_w</p:attrName>
+                                        </p:attrNameLst>
+                                      </p:cBhvr>
+                                      <p:tavLst>
+                                        <p:tav tm="0">
+                                          <p:val>
+                                            <p:strVal val="ppt_w"/>
+                                          </p:val>
+                                        </p:tav>
+                                        <p:tav tm="100000">
+                                          <p:val>
+                                            <p:fltVal val="0"/>
+                                          </p:val>
+                                        </p:tav>
+                                      </p:tavLst>
+                                    </p:anim>
+                                    <p:anim calcmode="lin" valueType="num">
+                                      <p:cBhvr>
+                                        <p:cTn id="14" dur="500"/>
+                                        <p:tgtEl>
+                                          <p:spTgt spid="11"/>
+                                        </p:tgtEl>
+                                        <p:attrNameLst>
+                                          <p:attrName>ppt_h</p:attrName>
+                                        </p:attrNameLst>
+                                      </p:cBhvr>
+                                      <p:tavLst>
+                                        <p:tav tm="0">
+                                          <p:val>
+                                            <p:strVal val="ppt_h"/>
+                                          </p:val>
+                                        </p:tav>
+                                        <p:tav tm="100000">
+                                          <p:val>
+                                            <p:fltVal val="0"/>
+                                          </p:val>
+                                        </p:tav>
+                                      </p:tavLst>
+                                    </p:anim>
+                                    <p:animEffect transition="out" filter="fade">
+                                      <p:cBhvr>
+                                        <p:cTn id="15" dur="500"/>
+                                        <p:tgtEl>
+                                          <p:spTgt spid="11"/>
+                                        </p:tgtEl>
+                                      </p:cBhvr>
+                                    </p:animEffect>
+                                    <p:set>
+                                      <p:cBhvr>
+                                        <p:cTn id="16" dur="1" fill="hold">
+                                          <p:stCondLst>
+                                            <p:cond delay="499"/>
+                                          </p:stCondLst>
+                                        </p:cTn>
+                                        <p:tgtEl>
+                                          <p:spTgt spid="11"/>
+                                        </p:tgtEl>
+                                        <p:attrNameLst>
+                                          <p:attrName>style.visibility</p:attrName>
+                                        </p:attrNameLst>
+                                      </p:cBhvr>
+                                      <p:to>
+                                        <p:strVal val="hidden"/>
+                                      </p:to>
+                                    </p:set>
+                                  </p:childTnLst>
+                                </p:cTn>
+                              </p:par>
+                            </p:childTnLst>
+                          </p:cTn>
+                        </p:par>
+                      </p:childTnLst>
+                    </p:cTn>
+                  </p:par>
+                  <p:par>
+                    <p:cTn id="17" fill="hold">
+                      <p:stCondLst>
+                        <p:cond delay="indefinite"/>
+                      </p:stCondLst>
+                      <p:childTnLst>
+                        <p:par>
+                          <p:cTn id="18" fill="hold">
+                            <p:stCondLst>
+                              <p:cond delay="0"/>
+                            </p:stCondLst>
+                            <p:childTnLst>
+                              <p:par>
+                                <p:cTn id="19" presetID="53" presetClass="entr" presetSubtype="16" fill="hold" grpId="0" nodeType="clickEffect">
+                                  <p:stCondLst>
+                                    <p:cond delay="0"/>
+                                  </p:stCondLst>
+                                  <p:childTnLst>
+                                    <p:set>
+                                      <p:cBhvr>
+                                        <p:cTn id="20" dur="1" fill="hold">
+                                          <p:stCondLst>
+                                            <p:cond delay="0"/>
+                                          </p:stCondLst>
+                                        </p:cTn>
+                                        <p:tgtEl>
+                                          <p:spTgt spid="10"/>
+                                        </p:tgtEl>
+                                        <p:attrNameLst>
+                                          <p:attrName>style.visibility</p:attrName>
+                                        </p:attrNameLst>
+                                      </p:cBhvr>
+                                      <p:to>
+                                        <p:strVal val="visible"/>
+                                      </p:to>
+                                    </p:set>
+                                    <p:anim calcmode="lin" valueType="num">
+                                      <p:cBhvr>
+                                        <p:cTn id="21" dur="500" fill="hold"/>
+                                        <p:tgtEl>
+                                          <p:spTgt spid="10"/>
+                                        </p:tgtEl>
+                                        <p:attrNameLst>
+                                          <p:attrName>ppt_w</p:attrName>
+                                        </p:attrNameLst>
+                                      </p:cBhvr>
+                                      <p:tavLst>
+                                        <p:tav tm="0">
+                                          <p:val>
+                                            <p:fltVal val="0"/>
+                                          </p:val>
+                                        </p:tav>
+                                        <p:tav tm="100000">
+                                          <p:val>
+                                            <p:strVal val="#ppt_w"/>
+                                          </p:val>
+                                        </p:tav>
+                                      </p:tavLst>
+                                    </p:anim>
+                                    <p:anim calcmode="lin" valueType="num">
+                                      <p:cBhvr>
+                                        <p:cTn id="22" dur="500" fill="hold"/>
+                                        <p:tgtEl>
+                                          <p:spTgt spid="10"/>
+                                        </p:tgtEl>
+                                        <p:attrNameLst>
+                                          <p:attrName>ppt_h</p:attrName>
+                                        </p:attrNameLst>
+                                      </p:cBhvr>
+                                      <p:tavLst>
+                                        <p:tav tm="0">
+                                          <p:val>
+                                            <p:fltVal val="0"/>
+                                          </p:val>
+                                        </p:tav>
+                                        <p:tav tm="100000">
+                                          <p:val>
+                                            <p:strVal val="#ppt_h"/>
+                                          </p:val>
+                                        </p:tav>
+                                      </p:tavLst>
+                                    </p:anim>
+                                    <p:animEffect transition="in" filter="fade">
+                                      <p:cBhvr>
+                                        <p:cTn id="23" dur="500"/>
+                                        <p:tgtEl>
+                                          <p:spTgt spid="10"/>
+                                        </p:tgtEl>
+                                      </p:cBhvr>
+                                    </p:animEffect>
+                                  </p:childTnLst>
+                                </p:cTn>
+                              </p:par>
+                            </p:childTnLst>
+                          </p:cTn>
+                        </p:par>
+                      </p:childTnLst>
+                    </p:cTn>
+                  </p:par>
+                  <p:par>
+                    <p:cTn id="24" fill="hold">
+                      <p:stCondLst>
+                        <p:cond delay="indefinite"/>
+                      </p:stCondLst>
+                      <p:childTnLst>
+                        <p:par>
+                          <p:cTn id="25" fill="hold">
+                            <p:stCondLst>
+                              <p:cond delay="0"/>
+                            </p:stCondLst>
+                            <p:childTnLst>
+                              <p:par>
+                                <p:cTn id="26" presetID="53" presetClass="exit" presetSubtype="32" fill="hold" grpId="1" nodeType="clickEffect">
+                                  <p:stCondLst>
+                                    <p:cond delay="0"/>
+                                  </p:stCondLst>
+                                  <p:childTnLst>
+                                    <p:anim calcmode="lin" valueType="num">
+                                      <p:cBhvr>
+                                        <p:cTn id="27" dur="500"/>
+                                        <p:tgtEl>
+                                          <p:spTgt spid="10"/>
+                                        </p:tgtEl>
+                                        <p:attrNameLst>
+                                          <p:attrName>ppt_w</p:attrName>
+                                        </p:attrNameLst>
+                                      </p:cBhvr>
+                                      <p:tavLst>
+                                        <p:tav tm="0">
+                                          <p:val>
+                                            <p:strVal val="ppt_w"/>
+                                          </p:val>
+                                        </p:tav>
+                                        <p:tav tm="100000">
+                                          <p:val>
+                                            <p:fltVal val="0"/>
+                                          </p:val>
+                                        </p:tav>
+                                      </p:tavLst>
+                                    </p:anim>
+                                    <p:anim calcmode="lin" valueType="num">
+                                      <p:cBhvr>
+                                        <p:cTn id="28" dur="500"/>
+                                        <p:tgtEl>
+                                          <p:spTgt spid="10"/>
+                                        </p:tgtEl>
+                                        <p:attrNameLst>
+                                          <p:attrName>ppt_h</p:attrName>
+                                        </p:attrNameLst>
+                                      </p:cBhvr>
+                                      <p:tavLst>
+                                        <p:tav tm="0">
+                                          <p:val>
+                                            <p:strVal val="ppt_h"/>
+                                          </p:val>
+                                        </p:tav>
+                                        <p:tav tm="100000">
+                                          <p:val>
+                                            <p:fltVal val="0"/>
+                                          </p:val>
+                                        </p:tav>
+                                      </p:tavLst>
+                                    </p:anim>
+                                    <p:animEffect transition="out" filter="fade">
+                                      <p:cBhvr>
+                                        <p:cTn id="29" dur="500"/>
+                                        <p:tgtEl>
+                                          <p:spTgt spid="10"/>
+                                        </p:tgtEl>
+                                      </p:cBhvr>
+                                    </p:animEffect>
+                                    <p:set>
+                                      <p:cBhvr>
+                                        <p:cTn id="30" dur="1" fill="hold">
+                                          <p:stCondLst>
+                                            <p:cond delay="499"/>
+                                          </p:stCondLst>
+                                        </p:cTn>
+                                        <p:tgtEl>
+                                          <p:spTgt spid="10"/>
+                                        </p:tgtEl>
+                                        <p:attrNameLst>
+                                          <p:attrName>style.visibility</p:attrName>
+                                        </p:attrNameLst>
+                                      </p:cBhvr>
+                                      <p:to>
+                                        <p:strVal val="hidden"/>
+                                      </p:to>
+                                    </p:set>
+                                  </p:childTnLst>
+                                </p:cTn>
+                              </p:par>
+                            </p:childTnLst>
+                          </p:cTn>
+                        </p:par>
+                      </p:childTnLst>
+                    </p:cTn>
+                  </p:par>
+                  <p:par>
+                    <p:cTn id="31" fill="hold">
+                      <p:stCondLst>
+                        <p:cond delay="indefinite"/>
+                      </p:stCondLst>
+                      <p:childTnLst>
+                        <p:par>
+                          <p:cTn id="32" fill="hold">
+                            <p:stCondLst>
+                              <p:cond delay="0"/>
+                            </p:stCondLst>
+                            <p:childTnLst>
+                              <p:par>
+                                <p:cTn id="33" presetID="53" presetClass="entr" presetSubtype="16" fill="hold" grpId="0" nodeType="clickEffect">
+                                  <p:stCondLst>
+                                    <p:cond delay="0"/>
+                                  </p:stCondLst>
+                                  <p:childTnLst>
+                                    <p:set>
+                                      <p:cBhvr>
+                                        <p:cTn id="34" dur="1" fill="hold">
+                                          <p:stCondLst>
+                                            <p:cond delay="0"/>
+                                          </p:stCondLst>
+                                        </p:cTn>
+                                        <p:tgtEl>
+                                          <p:spTgt spid="6"/>
+                                        </p:tgtEl>
+                                        <p:attrNameLst>
+                                          <p:attrName>style.visibility</p:attrName>
+                                        </p:attrNameLst>
+                                      </p:cBhvr>
+                                      <p:to>
+                                        <p:strVal val="visible"/>
+                                      </p:to>
+                                    </p:set>
+                                    <p:anim calcmode="lin" valueType="num">
+                                      <p:cBhvr>
+                                        <p:cTn id="35" dur="500" fill="hold"/>
+                                        <p:tgtEl>
+                                          <p:spTgt spid="6"/>
+                                        </p:tgtEl>
+                                        <p:attrNameLst>
+                                          <p:attrName>ppt_w</p:attrName>
+                                        </p:attrNameLst>
+                                      </p:cBhvr>
+                                      <p:tavLst>
+                                        <p:tav tm="0">
+                                          <p:val>
+                                            <p:fltVal val="0"/>
+                                          </p:val>
+                                        </p:tav>
+                                        <p:tav tm="100000">
+                                          <p:val>
+                                            <p:strVal val="#ppt_w"/>
+                                          </p:val>
+                                        </p:tav>
+                                      </p:tavLst>
+                                    </p:anim>
+                                    <p:anim calcmode="lin" valueType="num">
+                                      <p:cBhvr>
+                                        <p:cTn id="36" dur="500" fill="hold"/>
+                                        <p:tgtEl>
+                                          <p:spTgt spid="6"/>
+                                        </p:tgtEl>
+                                        <p:attrNameLst>
+                                          <p:attrName>ppt_h</p:attrName>
+                                        </p:attrNameLst>
+                                      </p:cBhvr>
+                                      <p:tavLst>
+                                        <p:tav tm="0">
+                                          <p:val>
+                                            <p:fltVal val="0"/>
+                                          </p:val>
+                                        </p:tav>
+                                        <p:tav tm="100000">
+                                          <p:val>
+                                            <p:strVal val="#ppt_h"/>
+                                          </p:val>
+                                        </p:tav>
+                                      </p:tavLst>
+                                    </p:anim>
+                                    <p:animEffect transition="in" filter="fade">
+                                      <p:cBhvr>
+                                        <p:cTn id="37" dur="500"/>
+                                        <p:tgtEl>
+                                          <p:spTgt spid="6"/>
+                                        </p:tgtEl>
+                                      </p:cBhvr>
+                                    </p:animEffect>
+                                  </p:childTnLst>
+                                </p:cTn>
+                              </p:par>
+                            </p:childTnLst>
+                          </p:cTn>
+                        </p:par>
+                      </p:childTnLst>
+                    </p:cTn>
+                  </p:par>
+                  <p:par>
+                    <p:cTn id="38" fill="hold">
+                      <p:stCondLst>
+                        <p:cond delay="indefinite"/>
+                      </p:stCondLst>
+                      <p:childTnLst>
+                        <p:par>
+                          <p:cTn id="39" fill="hold">
+                            <p:stCondLst>
+                              <p:cond delay="0"/>
+                            </p:stCondLst>
+                            <p:childTnLst>
+                              <p:par>
+                                <p:cTn id="40" presetID="53" presetClass="exit" presetSubtype="32" fill="hold" grpId="1" nodeType="clickEffect">
+                                  <p:stCondLst>
+                                    <p:cond delay="0"/>
+                                  </p:stCondLst>
+                                  <p:childTnLst>
+                                    <p:anim calcmode="lin" valueType="num">
+                                      <p:cBhvr>
+                                        <p:cTn id="41" dur="500"/>
+                                        <p:tgtEl>
+                                          <p:spTgt spid="6"/>
+                                        </p:tgtEl>
+                                        <p:attrNameLst>
+                                          <p:attrName>ppt_w</p:attrName>
+                                        </p:attrNameLst>
+                                      </p:cBhvr>
+                                      <p:tavLst>
+                                        <p:tav tm="0">
+                                          <p:val>
+                                            <p:strVal val="ppt_w"/>
+                                          </p:val>
+                                        </p:tav>
+                                        <p:tav tm="100000">
+                                          <p:val>
+                                            <p:fltVal val="0"/>
+                                          </p:val>
+                                        </p:tav>
+                                      </p:tavLst>
+                                    </p:anim>
+                                    <p:anim calcmode="lin" valueType="num">
+                                      <p:cBhvr>
+                                        <p:cTn id="42" dur="500"/>
+                                        <p:tgtEl>
+                                          <p:spTgt spid="6"/>
+                                        </p:tgtEl>
+                                        <p:attrNameLst>
+                                          <p:attrName>ppt_h</p:attrName>
+                                        </p:attrNameLst>
+                                      </p:cBhvr>
+                                      <p:tavLst>
+                                        <p:tav tm="0">
+                                          <p:val>
+                                            <p:strVal val="ppt_h"/>
+                                          </p:val>
+                                        </p:tav>
+                                        <p:tav tm="100000">
+                                          <p:val>
+                                            <p:fltVal val="0"/>
+                                          </p:val>
+                                        </p:tav>
+                                      </p:tavLst>
+                                    </p:anim>
+                                    <p:animEffect transition="out" filter="fade">
+                                      <p:cBhvr>
+                                        <p:cTn id="43" dur="500"/>
+                                        <p:tgtEl>
+                                          <p:spTgt spid="6"/>
+                                        </p:tgtEl>
+                                      </p:cBhvr>
+                                    </p:animEffect>
+                                    <p:set>
+                                      <p:cBhvr>
+                                        <p:cTn id="44" dur="1" fill="hold">
+                                          <p:stCondLst>
+                                            <p:cond delay="499"/>
+                                          </p:stCondLst>
+                                        </p:cTn>
+                                        <p:tgtEl>
+                                          <p:spTgt spid="6"/>
+                                        </p:tgtEl>
+                                        <p:attrNameLst>
+                                          <p:attrName>style.visibility</p:attrName>
+                                        </p:attrNameLst>
+                                      </p:cBhvr>
+                                      <p:to>
+                                        <p:strVal val="hidden"/>
+                                      </p:to>
+                                    </p:set>
+                                  </p:childTnLst>
+                                </p:cTn>
+                              </p:par>
+                            </p:childTnLst>
+                          </p:cTn>
+                        </p:par>
+                      </p:childTnLst>
+                    </p:cTn>
+                  </p:par>
+                  <p:par>
+                    <p:cTn id="45" fill="hold">
+                      <p:stCondLst>
+                        <p:cond delay="indefinite"/>
+                      </p:stCondLst>
+                      <p:childTnLst>
+                        <p:par>
+                          <p:cTn id="46" fill="hold">
+                            <p:stCondLst>
+                              <p:cond delay="0"/>
+                            </p:stCondLst>
+                            <p:childTnLst>
+                              <p:par>
+                                <p:cTn id="47" presetID="53" presetClass="entr" presetSubtype="16" fill="hold" grpId="0" nodeType="clickEffect">
+                                  <p:stCondLst>
+                                    <p:cond delay="0"/>
+                                  </p:stCondLst>
+                                  <p:childTnLst>
+                                    <p:set>
+                                      <p:cBhvr>
+                                        <p:cTn id="48" dur="1" fill="hold">
+                                          <p:stCondLst>
+                                            <p:cond delay="0"/>
+                                          </p:stCondLst>
+                                        </p:cTn>
+                                        <p:tgtEl>
+                                          <p:spTgt spid="7"/>
+                                        </p:tgtEl>
+                                        <p:attrNameLst>
+                                          <p:attrName>style.visibility</p:attrName>
+                                        </p:attrNameLst>
+                                      </p:cBhvr>
+                                      <p:to>
+                                        <p:strVal val="visible"/>
+                                      </p:to>
+                                    </p:set>
+                                    <p:anim calcmode="lin" valueType="num">
+                                      <p:cBhvr>
+                                        <p:cTn id="49" dur="500" fill="hold"/>
+                                        <p:tgtEl>
+                                          <p:spTgt spid="7"/>
+                                        </p:tgtEl>
+                                        <p:attrNameLst>
+                                          <p:attrName>ppt_w</p:attrName>
+                                        </p:attrNameLst>
+                                      </p:cBhvr>
+                                      <p:tavLst>
+                                        <p:tav tm="0">
+                                          <p:val>
+                                            <p:fltVal val="0"/>
+                                          </p:val>
+                                        </p:tav>
+                                        <p:tav tm="100000">
+                                          <p:val>
+                                            <p:strVal val="#ppt_w"/>
+                                          </p:val>
+                                        </p:tav>
+                                      </p:tavLst>
+                                    </p:anim>
+                                    <p:anim calcmode="lin" valueType="num">
+                                      <p:cBhvr>
+                                        <p:cTn id="50" dur="500" fill="hold"/>
+                                        <p:tgtEl>
+                                          <p:spTgt spid="7"/>
+                                        </p:tgtEl>
+                                        <p:attrNameLst>
+                                          <p:attrName>ppt_h</p:attrName>
+                                        </p:attrNameLst>
+                                      </p:cBhvr>
+                                      <p:tavLst>
+                                        <p:tav tm="0">
+                                          <p:val>
+                                            <p:fltVal val="0"/>
+                                          </p:val>
+                                        </p:tav>
+                                        <p:tav tm="100000">
+                                          <p:val>
+                                            <p:strVal val="#ppt_h"/>
+                                          </p:val>
+                                        </p:tav>
+                                      </p:tavLst>
+                                    </p:anim>
+                                    <p:animEffect transition="in" filter="fade">
+                                      <p:cBhvr>
+                                        <p:cTn id="51" dur="500"/>
+                                        <p:tgtEl>
+                                          <p:spTgt spid="7"/>
+                                        </p:tgtEl>
+                                      </p:cBhvr>
+                                    </p:animEffect>
+                                  </p:childTnLst>
+                                </p:cTn>
+                              </p:par>
+                            </p:childTnLst>
+                          </p:cTn>
+                        </p:par>
+                      </p:childTnLst>
+                    </p:cTn>
+                  </p:par>
+                  <p:par>
+                    <p:cTn id="52" fill="hold">
+                      <p:stCondLst>
+                        <p:cond delay="indefinite"/>
+                      </p:stCondLst>
+                      <p:childTnLst>
+                        <p:par>
+                          <p:cTn id="53" fill="hold">
+                            <p:stCondLst>
+                              <p:cond delay="0"/>
+                            </p:stCondLst>
+                            <p:childTnLst>
+                              <p:par>
+                                <p:cTn id="54" presetID="53" presetClass="exit" presetSubtype="32" fill="hold" grpId="1" nodeType="clickEffect">
+                                  <p:stCondLst>
+                                    <p:cond delay="0"/>
+                                  </p:stCondLst>
+                                  <p:childTnLst>
+                                    <p:anim calcmode="lin" valueType="num">
+                                      <p:cBhvr>
+                                        <p:cTn id="55" dur="500"/>
+                                        <p:tgtEl>
+                                          <p:spTgt spid="7"/>
+                                        </p:tgtEl>
+                                        <p:attrNameLst>
+                                          <p:attrName>ppt_w</p:attrName>
+                                        </p:attrNameLst>
+                                      </p:cBhvr>
+                                      <p:tavLst>
+                                        <p:tav tm="0">
+                                          <p:val>
+                                            <p:strVal val="ppt_w"/>
+                                          </p:val>
+                                        </p:tav>
+                                        <p:tav tm="100000">
+                                          <p:val>
+                                            <p:fltVal val="0"/>
+                                          </p:val>
+                                        </p:tav>
+                                      </p:tavLst>
+                                    </p:anim>
+                                    <p:anim calcmode="lin" valueType="num">
+                                      <p:cBhvr>
+                                        <p:cTn id="56" dur="500"/>
+                                        <p:tgtEl>
+                                          <p:spTgt spid="7"/>
+                                        </p:tgtEl>
+                                        <p:attrNameLst>
+                                          <p:attrName>ppt_h</p:attrName>
+                                        </p:attrNameLst>
+                                      </p:cBhvr>
+                                      <p:tavLst>
+                                        <p:tav tm="0">
+                                          <p:val>
+                                            <p:strVal val="ppt_h"/>
+                                          </p:val>
+                                        </p:tav>
+                                        <p:tav tm="100000">
+                                          <p:val>
+                                            <p:fltVal val="0"/>
+                                          </p:val>
+                                        </p:tav>
+                                      </p:tavLst>
+                                    </p:anim>
+                                    <p:animEffect transition="out" filter="fade">
+                                      <p:cBhvr>
+                                        <p:cTn id="57" dur="500"/>
+                                        <p:tgtEl>
+                                          <p:spTgt spid="7"/>
+                                        </p:tgtEl>
+                                      </p:cBhvr>
+                                    </p:animEffect>
+                                    <p:set>
+                                      <p:cBhvr>
+                                        <p:cTn id="58" dur="1" fill="hold">
+                                          <p:stCondLst>
+                                            <p:cond delay="499"/>
+                                          </p:stCondLst>
+                                        </p:cTn>
+                                        <p:tgtEl>
+                                          <p:spTgt spid="7"/>
+                                        </p:tgtEl>
+                                        <p:attrNameLst>
+                                          <p:attrName>style.visibility</p:attrName>
+                                        </p:attrNameLst>
+                                      </p:cBhvr>
+                                      <p:to>
+                                        <p:strVal val="hidden"/>
+                                      </p:to>
+                                    </p:set>
+                                  </p:childTnLst>
+                                </p:cTn>
+                              </p:par>
+                            </p:childTnLst>
+                          </p:cTn>
+                        </p:par>
+                      </p:childTnLst>
+                    </p:cTn>
+                  </p:par>
+                  <p:par>
+                    <p:cTn id="59" fill="hold">
+                      <p:stCondLst>
+                        <p:cond delay="indefinite"/>
+                      </p:stCondLst>
+                      <p:childTnLst>
+                        <p:par>
+                          <p:cTn id="60" fill="hold">
+                            <p:stCondLst>
+                              <p:cond delay="0"/>
+                            </p:stCondLst>
+                            <p:childTnLst>
+                              <p:par>
+                                <p:cTn id="61" presetID="53" presetClass="entr" presetSubtype="16" fill="hold" grpId="0" nodeType="clickEffect">
+                                  <p:stCondLst>
+                                    <p:cond delay="0"/>
+                                  </p:stCondLst>
+                                  <p:childTnLst>
+                                    <p:set>
+                                      <p:cBhvr>
+                                        <p:cTn id="62" dur="1" fill="hold">
+                                          <p:stCondLst>
+                                            <p:cond delay="0"/>
+                                          </p:stCondLst>
+                                        </p:cTn>
+                                        <p:tgtEl>
+                                          <p:spTgt spid="8"/>
+                                        </p:tgtEl>
+                                        <p:attrNameLst>
+                                          <p:attrName>style.visibility</p:attrName>
+                                        </p:attrNameLst>
+                                      </p:cBhvr>
+                                      <p:to>
+                                        <p:strVal val="visible"/>
+                                      </p:to>
+                                    </p:set>
+                                    <p:anim calcmode="lin" valueType="num">
+                                      <p:cBhvr>
+                                        <p:cTn id="63" dur="500" fill="hold"/>
+                                        <p:tgtEl>
+                                          <p:spTgt spid="8"/>
+                                        </p:tgtEl>
+                                        <p:attrNameLst>
+                                          <p:attrName>ppt_w</p:attrName>
+                                        </p:attrNameLst>
+                                      </p:cBhvr>
+                                      <p:tavLst>
+                                        <p:tav tm="0">
+                                          <p:val>
+                                            <p:fltVal val="0"/>
+                                          </p:val>
+                                        </p:tav>
+                                        <p:tav tm="100000">
+                                          <p:val>
+                                            <p:strVal val="#ppt_w"/>
+                                          </p:val>
+                                        </p:tav>
+                                      </p:tavLst>
+                                    </p:anim>
+                                    <p:anim calcmode="lin" valueType="num">
+                                      <p:cBhvr>
+                                        <p:cTn id="64" dur="500" fill="hold"/>
+                                        <p:tgtEl>
+                                          <p:spTgt spid="8"/>
+                                        </p:tgtEl>
+                                        <p:attrNameLst>
+                                          <p:attrName>ppt_h</p:attrName>
+                                        </p:attrNameLst>
+                                      </p:cBhvr>
+                                      <p:tavLst>
+                                        <p:tav tm="0">
+                                          <p:val>
+                                            <p:fltVal val="0"/>
+                                          </p:val>
+                                        </p:tav>
+                                        <p:tav tm="100000">
+                                          <p:val>
+                                            <p:strVal val="#ppt_h"/>
+                                          </p:val>
+                                        </p:tav>
+                                      </p:tavLst>
+                                    </p:anim>
+                                    <p:animEffect transition="in" filter="fade">
+                                      <p:cBhvr>
+                                        <p:cTn id="65" dur="500"/>
+                                        <p:tgtEl>
+                                          <p:spTgt spid="8"/>
+                                        </p:tgtEl>
+                                      </p:cBhvr>
+                                    </p:animEffect>
+                                  </p:childTnLst>
+                                </p:cTn>
+                              </p:par>
+                            </p:childTnLst>
+                          </p:cTn>
+                        </p:par>
+                      </p:childTnLst>
+                    </p:cTn>
+                  </p:par>
+                  <p:par>
+                    <p:cTn id="66" fill="hold">
+                      <p:stCondLst>
+                        <p:cond delay="indefinite"/>
+                      </p:stCondLst>
+                      <p:childTnLst>
+                        <p:par>
+                          <p:cTn id="67" fill="hold">
+                            <p:stCondLst>
+                              <p:cond delay="0"/>
+                            </p:stCondLst>
+                            <p:childTnLst>
+                              <p:par>
+                                <p:cTn id="68" presetID="53" presetClass="exit" presetSubtype="32" fill="hold" grpId="1" nodeType="clickEffect">
+                                  <p:stCondLst>
+                                    <p:cond delay="0"/>
+                                  </p:stCondLst>
+                                  <p:childTnLst>
+                                    <p:anim calcmode="lin" valueType="num">
+                                      <p:cBhvr>
+                                        <p:cTn id="69" dur="500"/>
+                                        <p:tgtEl>
+                                          <p:spTgt spid="8"/>
+                                        </p:tgtEl>
+                                        <p:attrNameLst>
+                                          <p:attrName>ppt_w</p:attrName>
+                                        </p:attrNameLst>
+                                      </p:cBhvr>
+                                      <p:tavLst>
+                                        <p:tav tm="0">
+                                          <p:val>
+                                            <p:strVal val="ppt_w"/>
+                                          </p:val>
+                                        </p:tav>
+                                        <p:tav tm="100000">
+                                          <p:val>
+                                            <p:fltVal val="0"/>
+                                          </p:val>
+                                        </p:tav>
+                                      </p:tavLst>
+                                    </p:anim>
+                                    <p:anim calcmode="lin" valueType="num">
+                                      <p:cBhvr>
+                                        <p:cTn id="70" dur="500"/>
+                                        <p:tgtEl>
+                                          <p:spTgt spid="8"/>
+                                        </p:tgtEl>
+                                        <p:attrNameLst>
+                                          <p:attrName>ppt_h</p:attrName>
+                                        </p:attrNameLst>
+                                      </p:cBhvr>
+                                      <p:tavLst>
+                                        <p:tav tm="0">
+                                          <p:val>
+                                            <p:strVal val="ppt_h"/>
+                                          </p:val>
+                                        </p:tav>
+                                        <p:tav tm="100000">
+                                          <p:val>
+                                            <p:fltVal val="0"/>
+                                          </p:val>
+                                        </p:tav>
+                                      </p:tavLst>
+                                    </p:anim>
+                                    <p:animEffect transition="out" filter="fade">
+                                      <p:cBhvr>
+                                        <p:cTn id="71" dur="500"/>
+                                        <p:tgtEl>
+                                          <p:spTgt spid="8"/>
+                                        </p:tgtEl>
+                                      </p:cBhvr>
+                                    </p:animEffect>
+                                    <p:set>
+                                      <p:cBhvr>
+                                        <p:cTn id="72" dur="1" fill="hold">
+                                          <p:stCondLst>
+                                            <p:cond delay="499"/>
+                                          </p:stCondLst>
+                                        </p:cTn>
+                                        <p:tgtEl>
+                                          <p:spTgt spid="8"/>
+                                        </p:tgtEl>
+                                        <p:attrNameLst>
+                                          <p:attrName>style.visibility</p:attrName>
+                                        </p:attrNameLst>
+                                      </p:cBhvr>
+                                      <p:to>
+                                        <p:strVal val="hidden"/>
+                                      </p:to>
+                                    </p:set>
+                                  </p:childTnLst>
+                                </p:cTn>
+                              </p:par>
+                            </p:childTnLst>
+                          </p:cTn>
+                        </p:par>
+                      </p:childTnLst>
+                    </p:cTn>
+                  </p:par>
+                  <p:par>
+                    <p:cTn id="73" fill="hold">
+                      <p:stCondLst>
+                        <p:cond delay="indefinite"/>
+                      </p:stCondLst>
+                      <p:childTnLst>
+                        <p:par>
+                          <p:cTn id="74" fill="hold">
+                            <p:stCondLst>
+                              <p:cond delay="0"/>
+                            </p:stCondLst>
+                            <p:childTnLst>
+                              <p:par>
+                                <p:cTn id="75" presetID="53" presetClass="entr" presetSubtype="16" fill="hold" grpId="0" nodeType="clickEffect">
+                                  <p:stCondLst>
+                                    <p:cond delay="0"/>
+                                  </p:stCondLst>
+                                  <p:childTnLst>
+                                    <p:set>
+                                      <p:cBhvr>
+                                        <p:cTn id="76" dur="1" fill="hold">
+                                          <p:stCondLst>
+                                            <p:cond delay="0"/>
+                                          </p:stCondLst>
+                                        </p:cTn>
+                                        <p:tgtEl>
+                                          <p:spTgt spid="9"/>
+                                        </p:tgtEl>
+                                        <p:attrNameLst>
+                                          <p:attrName>style.visibility</p:attrName>
+                                        </p:attrNameLst>
+                                      </p:cBhvr>
+                                      <p:to>
+                                        <p:strVal val="visible"/>
+                                      </p:to>
+                                    </p:set>
+                                    <p:anim calcmode="lin" valueType="num">
+                                      <p:cBhvr>
+                                        <p:cTn id="77" dur="500" fill="hold"/>
+                                        <p:tgtEl>
+                                          <p:spTgt spid="9"/>
+                                        </p:tgtEl>
+                                        <p:attrNameLst>
+                                          <p:attrName>ppt_w</p:attrName>
+                                        </p:attrNameLst>
+                                      </p:cBhvr>
+                                      <p:tavLst>
+                                        <p:tav tm="0">
+                                          <p:val>
+                                            <p:fltVal val="0"/>
+                                          </p:val>
+                                        </p:tav>
+                                        <p:tav tm="100000">
+                                          <p:val>
+                                            <p:strVal val="#ppt_w"/>
+                                          </p:val>
+                                        </p:tav>
+                                      </p:tavLst>
+                                    </p:anim>
+                                    <p:anim calcmode="lin" valueType="num">
+                                      <p:cBhvr>
+                                        <p:cTn id="78" dur="500" fill="hold"/>
+                                        <p:tgtEl>
+                                          <p:spTgt spid="9"/>
+                                        </p:tgtEl>
+                                        <p:attrNameLst>
+                                          <p:attrName>ppt_h</p:attrName>
+                                        </p:attrNameLst>
+                                      </p:cBhvr>
+                                      <p:tavLst>
+                                        <p:tav tm="0">
+                                          <p:val>
+                                            <p:fltVal val="0"/>
+                                          </p:val>
+                                        </p:tav>
+                                        <p:tav tm="100000">
+                                          <p:val>
+                                            <p:strVal val="#ppt_h"/>
+                                          </p:val>
+                                        </p:tav>
+                                      </p:tavLst>
+                                    </p:anim>
+                                    <p:animEffect transition="in" filter="fade">
+                                      <p:cBhvr>
+                                        <p:cTn id="79" dur="500"/>
+                                        <p:tgtEl>
+                                          <p:spTgt spid="9"/>
+                                        </p:tgtEl>
+                                      </p:cBhvr>
+                                    </p:animEffect>
+                                  </p:childTnLst>
+                                </p:cTn>
+                              </p:par>
+                            </p:childTnLst>
+                          </p:cTn>
+                        </p:par>
+                      </p:childTnLst>
+                    </p:cTn>
+                  </p:par>
+                  <p:par>
+                    <p:cTn id="80" fill="hold">
+                      <p:stCondLst>
+                        <p:cond delay="indefinite"/>
+                      </p:stCondLst>
+                      <p:childTnLst>
+                        <p:par>
+                          <p:cTn id="81" fill="hold">
+                            <p:stCondLst>
+                              <p:cond delay="0"/>
+                            </p:stCondLst>
+                            <p:childTnLst>
+                              <p:par>
+                                <p:cTn id="82" presetID="53" presetClass="exit" presetSubtype="32" fill="hold" grpId="1" nodeType="clickEffect">
+                                  <p:stCondLst>
+                                    <p:cond delay="0"/>
+                                  </p:stCondLst>
+                                  <p:childTnLst>
+                                    <p:anim calcmode="lin" valueType="num">
+                                      <p:cBhvr>
+                                        <p:cTn id="83" dur="500"/>
+                                        <p:tgtEl>
+                                          <p:spTgt spid="9"/>
+                                        </p:tgtEl>
+                                        <p:attrNameLst>
+                                          <p:attrName>ppt_w</p:attrName>
+                                        </p:attrNameLst>
+                                      </p:cBhvr>
+                                      <p:tavLst>
+                                        <p:tav tm="0">
+                                          <p:val>
+                                            <p:strVal val="ppt_w"/>
+                                          </p:val>
+                                        </p:tav>
+                                        <p:tav tm="100000">
+                                          <p:val>
+                                            <p:fltVal val="0"/>
+                                          </p:val>
+                                        </p:tav>
+                                      </p:tavLst>
+                                    </p:anim>
+                                    <p:anim calcmode="lin" valueType="num">
+                                      <p:cBhvr>
+                                        <p:cTn id="84" dur="500"/>
+                                        <p:tgtEl>
+                                          <p:spTgt spid="9"/>
+                                        </p:tgtEl>
+                                        <p:attrNameLst>
+                                          <p:attrName>ppt_h</p:attrName>
+                                        </p:attrNameLst>
+                                      </p:cBhvr>
+                                      <p:tavLst>
+                                        <p:tav tm="0">
+                                          <p:val>
+                                            <p:strVal val="ppt_h"/>
+                                          </p:val>
+                                        </p:tav>
+                                        <p:tav tm="100000">
+                                          <p:val>
+                                            <p:fltVal val="0"/>
+                                          </p:val>
+                                        </p:tav>
+                                      </p:tavLst>
+                                    </p:anim>
+                                    <p:animEffect transition="out" filter="fade">
+                                      <p:cBhvr>
+                                        <p:cTn id="85" dur="500"/>
+                                        <p:tgtEl>
+                                          <p:spTgt spid="9"/>
+                                        </p:tgtEl>
+                                      </p:cBhvr>
+                                    </p:animEffect>
+                                    <p:set>
+                                      <p:cBhvr>
+                                        <p:cTn id="86" dur="1" fill="hold">
+                                          <p:stCondLst>
+                                            <p:cond delay="499"/>
+                                          </p:stCondLst>
+                                        </p:cTn>
+                                        <p:tgtEl>
+                                          <p:spTgt spid="9"/>
+                                        </p:tgtEl>
+                                        <p:attrNameLst>
+                                          <p:attrName>style.visibility</p:attrName>
+                                        </p:attrNameLst>
+                                      </p:cBhvr>
+                                      <p:to>
+                                        <p:strVal val="hidden"/>
+                                      </p:to>
+                                    </p:set>
+                                  </p:childTnLst>
+                                </p:cTn>
+                              </p:par>
+                            </p:childTnLst>
+                          </p:cTn>
+                        </p:par>
+                      </p:childTnLst>
+                    </p:cTn>
+                  </p:par>
+                </p:childTnLst>
+              </p:cTn>
+              <p:prevCondLst>
+                <p:cond evt="onPrev" delay="0">
+                  <p:tgtEl>
+                    <p:sldTgt/>
+                  </p:tgtEl>
+                </p:cond>
+              </p:prevCondLst>
+              <p:nextCondLst>
+                <p:cond evt="onNext" delay="0">
+                  <p:tgtEl>
+                    <p:sldTgt/>
+                  </p:tgtEl>
+                </p:cond>
+              </p:nextCondLst>
+            </p:seq>
+          </p:childTnLst>
+        </p:cTn>
       </p:par>
     </p:tnLst>
+    <p:bldLst>
+      <p:bldP spid="10" grpId="0"/>
+      <p:bldP spid="10" grpId="1"/>
+      <p:bldP spid="6" grpId="0"/>
+      <p:bldP spid="6" grpId="1"/>
+      <p:bldP spid="7" grpId="0"/>
+      <p:bldP spid="7" grpId="1"/>
+      <p:bldP spid="8" grpId="0"/>
+      <p:bldP spid="8" grpId="1"/>
+      <p:bldP spid="9" grpId="0"/>
+      <p:bldP spid="9" grpId="1"/>
+      <p:bldP spid="11" grpId="0"/>
+      <p:bldP spid="11" grpId="1"/>
+    </p:bldLst>
   </p:timing>
 </p:sld>
 </file>
 
-<file path=ppt/slides/slide16.xml><?xml version="1.0" encoding="utf-8"?>
+<file path=ppt/slides/slide14.xml><?xml version="1.0" encoding="utf-8"?>
 <p:sld xmlns:a="http://schemas.openxmlformats.org/drawingml/2006/main" xmlns:r="http://schemas.openxmlformats.org/officeDocument/2006/relationships" xmlns:p="http://schemas.openxmlformats.org/presentationml/2006/main">
   <p:cSld>
     <p:spTree>
@@ -5770,42 +7223,35 @@
       </p:grpSpPr>
       <p:sp>
         <p:nvSpPr>
-          <p:cNvPr id="4" name="Szövegdoboz 3"/>
-          <p:cNvSpPr txBox="1"/>
-          <p:nvPr/>
+          <p:cNvPr id="2" name="Cím 1"/>
+          <p:cNvSpPr>
+            <a:spLocks noGrp="1"/>
+          </p:cNvSpPr>
+          <p:nvPr>
+            <p:ph type="ctrTitle"/>
+          </p:nvPr>
         </p:nvSpPr>
-        <p:spPr>
-          <a:xfrm>
-            <a:off x="619432" y="339213"/>
-            <a:ext cx="2863997" cy="523220"/>
-          </a:xfrm>
-          <a:prstGeom prst="rect">
-            <a:avLst/>
-          </a:prstGeom>
-          <a:noFill/>
-        </p:spPr>
+        <p:spPr/>
         <p:txBody>
-          <a:bodyPr wrap="square" rtlCol="0">
-            <a:spAutoFit/>
-          </a:bodyPr>
+          <a:bodyPr/>
           <a:lstStyle/>
           <a:p>
             <a:r>
-              <a:rPr lang="hu-HU" sz="2800" dirty="0" smtClean="0">
-                <a:solidFill>
-                  <a:schemeClr val="bg1"/>
-                </a:solidFill>
-                <a:effectLst>
-                  <a:outerShdw blurRad="38100" dist="38100" dir="2700000" algn="tl">
-                    <a:srgbClr val="000000">
-                      <a:alpha val="43137"/>
-                    </a:srgbClr>
-                  </a:outerShdw>
-                </a:effectLst>
-              </a:rPr>
-              <a:t>UPS felépítések</a:t>
-            </a:r>
-            <a:endParaRPr lang="hu-HU" sz="2800" dirty="0">
+              <a:rPr lang="hu-HU" dirty="0" smtClean="0">
+                <a:solidFill>
+                  <a:schemeClr val="bg1"/>
+                </a:solidFill>
+                <a:effectLst>
+                  <a:outerShdw blurRad="38100" dist="38100" dir="2700000" algn="tl">
+                    <a:srgbClr val="000000">
+                      <a:alpha val="43137"/>
+                    </a:srgbClr>
+                  </a:outerShdw>
+                </a:effectLst>
+              </a:rPr>
+              <a:t>Köszönjük a figyelmet!</a:t>
+            </a:r>
+            <a:endParaRPr lang="hu-HU" dirty="0">
               <a:solidFill>
                 <a:schemeClr val="bg1"/>
               </a:solidFill>
@@ -5820,1006 +7266,51 @@
           </a:p>
         </p:txBody>
       </p:sp>
-      <p:sp>
-        <p:nvSpPr>
-          <p:cNvPr id="5" name="Szövegdoboz 4"/>
-          <p:cNvSpPr txBox="1"/>
+      <p:pic>
+        <p:nvPicPr>
+          <p:cNvPr id="1032" name="Picture 8" descr="Smiley face - Download free icons"/>
+          <p:cNvPicPr>
+            <a:picLocks noChangeAspect="1" noChangeArrowheads="1"/>
+          </p:cNvPicPr>
           <p:nvPr/>
-        </p:nvSpPr>
-        <p:spPr>
+        </p:nvPicPr>
+        <p:blipFill>
+          <a:blip r:embed="rId2">
+            <a:extLst>
+              <a:ext uri="{28A0092B-C50C-407E-A947-70E740481C1C}">
+                <a14:useLocalDpi xmlns:a14="http://schemas.microsoft.com/office/drawing/2010/main" val="0"/>
+              </a:ext>
+            </a:extLst>
+          </a:blip>
+          <a:srcRect/>
+          <a:stretch>
+            <a:fillRect/>
+          </a:stretch>
+        </p:blipFill>
+        <p:spPr bwMode="auto">
           <a:xfrm>
-            <a:off x="1283110" y="1076632"/>
-            <a:ext cx="8229600" cy="523220"/>
+            <a:off x="3657600" y="2545846"/>
+            <a:ext cx="4876800" cy="4876801"/>
           </a:xfrm>
           <a:prstGeom prst="rect">
             <a:avLst/>
           </a:prstGeom>
           <a:noFill/>
+          <a:extLst>
+            <a:ext uri="{909E8E84-426E-40DD-AFC4-6F175D3DCCD1}">
+              <a14:hiddenFill xmlns:a14="http://schemas.microsoft.com/office/drawing/2010/main">
+                <a:solidFill>
+                  <a:srgbClr val="FFFFFF"/>
+                </a:solidFill>
+              </a14:hiddenFill>
+            </a:ext>
+          </a:extLst>
         </p:spPr>
-        <p:txBody>
-          <a:bodyPr wrap="square" rtlCol="0">
-            <a:spAutoFit/>
-          </a:bodyPr>
-          <a:lstStyle/>
-          <a:p>
-            <a:r>
-              <a:rPr lang="hu-HU" sz="2800" dirty="0" smtClean="0">
-                <a:solidFill>
-                  <a:schemeClr val="bg1"/>
-                </a:solidFill>
-                <a:effectLst>
-                  <a:outerShdw blurRad="38100" dist="38100" dir="2700000" algn="tl">
-                    <a:srgbClr val="000000">
-                      <a:alpha val="43137"/>
-                    </a:srgbClr>
-                  </a:outerShdw>
-                </a:effectLst>
-              </a:rPr>
-              <a:t>Line-Interaktív</a:t>
-            </a:r>
-            <a:endParaRPr lang="hu-HU" sz="2800" dirty="0">
-              <a:solidFill>
-                <a:schemeClr val="bg1"/>
-              </a:solidFill>
-              <a:effectLst>
-                <a:outerShdw blurRad="38100" dist="38100" dir="2700000" algn="tl">
-                  <a:srgbClr val="000000">
-                    <a:alpha val="43137"/>
-                  </a:srgbClr>
-                </a:outerShdw>
-              </a:effectLst>
-            </a:endParaRPr>
-          </a:p>
-        </p:txBody>
-      </p:sp>
-      <p:sp>
-        <p:nvSpPr>
-          <p:cNvPr id="10" name="Szövegdoboz 9"/>
-          <p:cNvSpPr txBox="1"/>
-          <p:nvPr/>
-        </p:nvSpPr>
-        <p:spPr>
-          <a:xfrm>
-            <a:off x="1283110" y="2017370"/>
-            <a:ext cx="5134547" cy="1384995"/>
-          </a:xfrm>
-          <a:prstGeom prst="rect">
-            <a:avLst/>
-          </a:prstGeom>
-          <a:noFill/>
-        </p:spPr>
-        <p:txBody>
-          <a:bodyPr wrap="square" rtlCol="0">
-            <a:spAutoFit/>
-          </a:bodyPr>
-          <a:lstStyle/>
-          <a:p>
-            <a:pPr marL="285750" indent="-285750">
-              <a:buFont typeface="Arial" panose="020B0604020202020204" pitchFamily="34" charset="0"/>
-              <a:buChar char="•"/>
-            </a:pPr>
-            <a:r>
-              <a:rPr lang="hu-HU" sz="2800" dirty="0" err="1" smtClean="0">
-                <a:solidFill>
-                  <a:schemeClr val="bg1"/>
-                </a:solidFill>
-                <a:effectLst>
-                  <a:outerShdw blurRad="38100" dist="38100" dir="2700000" algn="tl">
-                    <a:srgbClr val="000000">
-                      <a:alpha val="43137"/>
-                    </a:srgbClr>
-                  </a:outerShdw>
-                </a:effectLst>
-              </a:rPr>
-              <a:t>Inverter</a:t>
-            </a:r>
-            <a:r>
-              <a:rPr lang="hu-HU" sz="2800" dirty="0" smtClean="0">
-                <a:solidFill>
-                  <a:schemeClr val="bg1"/>
-                </a:solidFill>
-                <a:effectLst>
-                  <a:outerShdw blurRad="38100" dist="38100" dir="2700000" algn="tl">
-                    <a:srgbClr val="000000">
-                      <a:alpha val="43137"/>
-                    </a:srgbClr>
-                  </a:outerShdw>
-                </a:effectLst>
-              </a:rPr>
-              <a:t> folyamatos kapcsolat</a:t>
-            </a:r>
-          </a:p>
-          <a:p>
-            <a:pPr marL="285750" indent="-285750">
-              <a:buFont typeface="Arial" panose="020B0604020202020204" pitchFamily="34" charset="0"/>
-              <a:buChar char="•"/>
-            </a:pPr>
-            <a:r>
-              <a:rPr lang="hu-HU" sz="2800" dirty="0" smtClean="0">
-                <a:solidFill>
-                  <a:schemeClr val="bg1"/>
-                </a:solidFill>
-                <a:effectLst>
-                  <a:outerShdw blurRad="38100" dist="38100" dir="2700000" algn="tl">
-                    <a:srgbClr val="000000">
-                      <a:alpha val="43137"/>
-                    </a:srgbClr>
-                  </a:outerShdw>
-                </a:effectLst>
-              </a:rPr>
-              <a:t>Korrigálás van</a:t>
-            </a:r>
-          </a:p>
-          <a:p>
-            <a:pPr marL="285750" indent="-285750">
-              <a:buFont typeface="Arial" panose="020B0604020202020204" pitchFamily="34" charset="0"/>
-              <a:buChar char="•"/>
-            </a:pPr>
-            <a:r>
-              <a:rPr lang="hu-HU" sz="2800" dirty="0" smtClean="0">
-                <a:solidFill>
-                  <a:schemeClr val="bg1"/>
-                </a:solidFill>
-                <a:effectLst>
-                  <a:outerShdw blurRad="38100" dist="38100" dir="2700000" algn="tl">
-                    <a:srgbClr val="000000">
-                      <a:alpha val="43137"/>
-                    </a:srgbClr>
-                  </a:outerShdw>
-                </a:effectLst>
-              </a:rPr>
-              <a:t>Átkapcsolások számát csökkenti</a:t>
-            </a:r>
-          </a:p>
-        </p:txBody>
-      </p:sp>
+      </p:pic>
     </p:spTree>
     <p:extLst>
       <p:ext uri="{BB962C8B-B14F-4D97-AF65-F5344CB8AC3E}">
-        <p14:creationId xmlns:p14="http://schemas.microsoft.com/office/powerpoint/2010/main" val="1443201711"/>
-      </p:ext>
-    </p:extLst>
-  </p:cSld>
-  <p:clrMapOvr>
-    <a:masterClrMapping/>
-  </p:clrMapOvr>
-  <mc:AlternateContent xmlns:mc="http://schemas.openxmlformats.org/markup-compatibility/2006" xmlns:p14="http://schemas.microsoft.com/office/powerpoint/2010/main">
-    <mc:Choice Requires="p14">
-      <p:transition spd="slow" p14:dur="3400">
-        <p14:reveal/>
-      </p:transition>
-    </mc:Choice>
-    <mc:Fallback xmlns="">
-      <p:transition spd="slow">
-        <p:fade/>
-      </p:transition>
-    </mc:Fallback>
-  </mc:AlternateContent>
-  <p:timing>
-    <p:tnLst>
-      <p:par>
-        <p:cTn id="1" dur="indefinite" restart="never" nodeType="tmRoot"/>
-      </p:par>
-    </p:tnLst>
-  </p:timing>
-</p:sld>
-</file>
-
-<file path=ppt/slides/slide17.xml><?xml version="1.0" encoding="utf-8"?>
-<p:sld xmlns:a="http://schemas.openxmlformats.org/drawingml/2006/main" xmlns:r="http://schemas.openxmlformats.org/officeDocument/2006/relationships" xmlns:p="http://schemas.openxmlformats.org/presentationml/2006/main">
-  <p:cSld>
-    <p:spTree>
-      <p:nvGrpSpPr>
-        <p:cNvPr id="1" name=""/>
-        <p:cNvGrpSpPr/>
-        <p:nvPr/>
-      </p:nvGrpSpPr>
-      <p:grpSpPr>
-        <a:xfrm>
-          <a:off x="0" y="0"/>
-          <a:ext cx="0" cy="0"/>
-          <a:chOff x="0" y="0"/>
-          <a:chExt cx="0" cy="0"/>
-        </a:xfrm>
-      </p:grpSpPr>
-      <p:sp>
-        <p:nvSpPr>
-          <p:cNvPr id="4" name="Szövegdoboz 3"/>
-          <p:cNvSpPr txBox="1"/>
-          <p:nvPr/>
-        </p:nvSpPr>
-        <p:spPr>
-          <a:xfrm>
-            <a:off x="619432" y="339213"/>
-            <a:ext cx="2863997" cy="523220"/>
-          </a:xfrm>
-          <a:prstGeom prst="rect">
-            <a:avLst/>
-          </a:prstGeom>
-          <a:noFill/>
-        </p:spPr>
-        <p:txBody>
-          <a:bodyPr wrap="square" rtlCol="0">
-            <a:spAutoFit/>
-          </a:bodyPr>
-          <a:lstStyle/>
-          <a:p>
-            <a:r>
-              <a:rPr lang="hu-HU" sz="2800" dirty="0" smtClean="0">
-                <a:solidFill>
-                  <a:schemeClr val="bg1"/>
-                </a:solidFill>
-                <a:effectLst>
-                  <a:outerShdw blurRad="38100" dist="38100" dir="2700000" algn="tl">
-                    <a:srgbClr val="000000">
-                      <a:alpha val="43137"/>
-                    </a:srgbClr>
-                  </a:outerShdw>
-                </a:effectLst>
-              </a:rPr>
-              <a:t>UPS felépítések</a:t>
-            </a:r>
-            <a:endParaRPr lang="hu-HU" sz="2800" dirty="0">
-              <a:solidFill>
-                <a:schemeClr val="bg1"/>
-              </a:solidFill>
-              <a:effectLst>
-                <a:outerShdw blurRad="38100" dist="38100" dir="2700000" algn="tl">
-                  <a:srgbClr val="000000">
-                    <a:alpha val="43137"/>
-                  </a:srgbClr>
-                </a:outerShdw>
-              </a:effectLst>
-            </a:endParaRPr>
-          </a:p>
-        </p:txBody>
-      </p:sp>
-      <p:sp>
-        <p:nvSpPr>
-          <p:cNvPr id="5" name="Szövegdoboz 4"/>
-          <p:cNvSpPr txBox="1"/>
-          <p:nvPr/>
-        </p:nvSpPr>
-        <p:spPr>
-          <a:xfrm>
-            <a:off x="1283110" y="1076632"/>
-            <a:ext cx="8229600" cy="523220"/>
-          </a:xfrm>
-          <a:prstGeom prst="rect">
-            <a:avLst/>
-          </a:prstGeom>
-          <a:noFill/>
-        </p:spPr>
-        <p:txBody>
-          <a:bodyPr wrap="square" rtlCol="0">
-            <a:spAutoFit/>
-          </a:bodyPr>
-          <a:lstStyle/>
-          <a:p>
-            <a:r>
-              <a:rPr lang="hu-HU" sz="2800" dirty="0" smtClean="0">
-                <a:solidFill>
-                  <a:schemeClr val="bg1"/>
-                </a:solidFill>
-                <a:effectLst>
-                  <a:outerShdw blurRad="38100" dist="38100" dir="2700000" algn="tl">
-                    <a:srgbClr val="000000">
-                      <a:alpha val="43137"/>
-                    </a:srgbClr>
-                  </a:outerShdw>
-                </a:effectLst>
-              </a:rPr>
-              <a:t>Delta konverzió</a:t>
-            </a:r>
-            <a:endParaRPr lang="hu-HU" sz="2800" dirty="0">
-              <a:solidFill>
-                <a:schemeClr val="bg1"/>
-              </a:solidFill>
-              <a:effectLst>
-                <a:outerShdw blurRad="38100" dist="38100" dir="2700000" algn="tl">
-                  <a:srgbClr val="000000">
-                    <a:alpha val="43137"/>
-                  </a:srgbClr>
-                </a:outerShdw>
-              </a:effectLst>
-            </a:endParaRPr>
-          </a:p>
-        </p:txBody>
-      </p:sp>
-      <p:sp>
-        <p:nvSpPr>
-          <p:cNvPr id="10" name="Szövegdoboz 9"/>
-          <p:cNvSpPr txBox="1"/>
-          <p:nvPr/>
-        </p:nvSpPr>
-        <p:spPr>
-          <a:xfrm>
-            <a:off x="1283110" y="2017370"/>
-            <a:ext cx="5531347" cy="2246769"/>
-          </a:xfrm>
-          <a:prstGeom prst="rect">
-            <a:avLst/>
-          </a:prstGeom>
-          <a:noFill/>
-        </p:spPr>
-        <p:txBody>
-          <a:bodyPr wrap="square" rtlCol="0">
-            <a:spAutoFit/>
-          </a:bodyPr>
-          <a:lstStyle/>
-          <a:p>
-            <a:pPr marL="285750" indent="-285750">
-              <a:buFont typeface="Arial" panose="020B0604020202020204" pitchFamily="34" charset="0"/>
-              <a:buChar char="•"/>
-            </a:pPr>
-            <a:r>
-              <a:rPr lang="hu-HU" sz="2800" dirty="0" smtClean="0">
-                <a:solidFill>
-                  <a:schemeClr val="bg1"/>
-                </a:solidFill>
-                <a:effectLst>
-                  <a:outerShdw blurRad="38100" dist="38100" dir="2700000" algn="tl">
-                    <a:srgbClr val="000000">
-                      <a:alpha val="43137"/>
-                    </a:srgbClr>
-                  </a:outerShdw>
-                </a:effectLst>
-              </a:rPr>
-              <a:t>Kapcsolási időre nincs szükség</a:t>
-            </a:r>
-          </a:p>
-          <a:p>
-            <a:pPr marL="285750" indent="-285750">
-              <a:buFont typeface="Arial" panose="020B0604020202020204" pitchFamily="34" charset="0"/>
-              <a:buChar char="•"/>
-            </a:pPr>
-            <a:r>
-              <a:rPr lang="hu-HU" sz="2800" dirty="0" smtClean="0">
-                <a:solidFill>
-                  <a:schemeClr val="bg1"/>
-                </a:solidFill>
-                <a:effectLst>
-                  <a:outerShdw blurRad="38100" dist="38100" dir="2700000" algn="tl">
-                    <a:srgbClr val="000000">
-                      <a:alpha val="43137"/>
-                    </a:srgbClr>
-                  </a:outerShdw>
-                </a:effectLst>
-              </a:rPr>
-              <a:t>Hiba esetén megy át csak áram az </a:t>
-            </a:r>
-            <a:r>
-              <a:rPr lang="hu-HU" sz="2800" dirty="0" err="1" smtClean="0">
-                <a:solidFill>
-                  <a:schemeClr val="bg1"/>
-                </a:solidFill>
-                <a:effectLst>
-                  <a:outerShdw blurRad="38100" dist="38100" dir="2700000" algn="tl">
-                    <a:srgbClr val="000000">
-                      <a:alpha val="43137"/>
-                    </a:srgbClr>
-                  </a:outerShdw>
-                </a:effectLst>
-              </a:rPr>
-              <a:t>inverteren</a:t>
-            </a:r>
-            <a:r>
-              <a:rPr lang="hu-HU" sz="2800" dirty="0" smtClean="0">
-                <a:solidFill>
-                  <a:schemeClr val="bg1"/>
-                </a:solidFill>
-                <a:effectLst>
-                  <a:outerShdw blurRad="38100" dist="38100" dir="2700000" algn="tl">
-                    <a:srgbClr val="000000">
-                      <a:alpha val="43137"/>
-                    </a:srgbClr>
-                  </a:outerShdw>
-                </a:effectLst>
-              </a:rPr>
-              <a:t> keresztül</a:t>
-            </a:r>
-          </a:p>
-          <a:p>
-            <a:pPr marL="285750" indent="-285750">
-              <a:buFont typeface="Arial" panose="020B0604020202020204" pitchFamily="34" charset="0"/>
-              <a:buChar char="•"/>
-            </a:pPr>
-            <a:r>
-              <a:rPr lang="hu-HU" sz="2800" dirty="0" smtClean="0">
-                <a:solidFill>
-                  <a:schemeClr val="bg1"/>
-                </a:solidFill>
-                <a:effectLst>
-                  <a:outerShdw blurRad="38100" dist="38100" dir="2700000" algn="tl">
-                    <a:srgbClr val="000000">
-                      <a:alpha val="43137"/>
-                    </a:srgbClr>
-                  </a:outerShdw>
-                </a:effectLst>
-              </a:rPr>
-              <a:t>Nem befolyásolja a frekvenciát</a:t>
-            </a:r>
-          </a:p>
-          <a:p>
-            <a:pPr marL="285750" indent="-285750">
-              <a:buFont typeface="Arial" panose="020B0604020202020204" pitchFamily="34" charset="0"/>
-              <a:buChar char="•"/>
-            </a:pPr>
-            <a:r>
-              <a:rPr lang="hu-HU" sz="2800" dirty="0" smtClean="0">
-                <a:solidFill>
-                  <a:schemeClr val="bg1"/>
-                </a:solidFill>
-                <a:effectLst>
-                  <a:outerShdw blurRad="38100" dist="38100" dir="2700000" algn="tl">
-                    <a:srgbClr val="000000">
-                      <a:alpha val="43137"/>
-                    </a:srgbClr>
-                  </a:outerShdw>
-                </a:effectLst>
-              </a:rPr>
-              <a:t>97% hatékonyság</a:t>
-            </a:r>
-          </a:p>
-        </p:txBody>
-      </p:sp>
-    </p:spTree>
-    <p:extLst>
-      <p:ext uri="{BB962C8B-B14F-4D97-AF65-F5344CB8AC3E}">
-        <p14:creationId xmlns:p14="http://schemas.microsoft.com/office/powerpoint/2010/main" val="1315206963"/>
-      </p:ext>
-    </p:extLst>
-  </p:cSld>
-  <p:clrMapOvr>
-    <a:masterClrMapping/>
-  </p:clrMapOvr>
-  <mc:AlternateContent xmlns:mc="http://schemas.openxmlformats.org/markup-compatibility/2006" xmlns:p14="http://schemas.microsoft.com/office/powerpoint/2010/main">
-    <mc:Choice Requires="p14">
-      <p:transition spd="slow" p14:dur="3400">
-        <p14:reveal/>
-      </p:transition>
-    </mc:Choice>
-    <mc:Fallback xmlns="">
-      <p:transition spd="slow">
-        <p:fade/>
-      </p:transition>
-    </mc:Fallback>
-  </mc:AlternateContent>
-  <p:timing>
-    <p:tnLst>
-      <p:par>
-        <p:cTn id="1" dur="indefinite" restart="never" nodeType="tmRoot"/>
-      </p:par>
-    </p:tnLst>
-  </p:timing>
-</p:sld>
-</file>
-
-<file path=ppt/slides/slide18.xml><?xml version="1.0" encoding="utf-8"?>
-<p:sld xmlns:a="http://schemas.openxmlformats.org/drawingml/2006/main" xmlns:r="http://schemas.openxmlformats.org/officeDocument/2006/relationships" xmlns:p="http://schemas.openxmlformats.org/presentationml/2006/main">
-  <p:cSld>
-    <p:spTree>
-      <p:nvGrpSpPr>
-        <p:cNvPr id="1" name=""/>
-        <p:cNvGrpSpPr/>
-        <p:nvPr/>
-      </p:nvGrpSpPr>
-      <p:grpSpPr>
-        <a:xfrm>
-          <a:off x="0" y="0"/>
-          <a:ext cx="0" cy="0"/>
-          <a:chOff x="0" y="0"/>
-          <a:chExt cx="0" cy="0"/>
-        </a:xfrm>
-      </p:grpSpPr>
-      <p:sp>
-        <p:nvSpPr>
-          <p:cNvPr id="4" name="Szövegdoboz 3"/>
-          <p:cNvSpPr txBox="1"/>
-          <p:nvPr/>
-        </p:nvSpPr>
-        <p:spPr>
-          <a:xfrm>
-            <a:off x="619432" y="339213"/>
-            <a:ext cx="2863997" cy="523220"/>
-          </a:xfrm>
-          <a:prstGeom prst="rect">
-            <a:avLst/>
-          </a:prstGeom>
-          <a:noFill/>
-        </p:spPr>
-        <p:txBody>
-          <a:bodyPr wrap="square" rtlCol="0">
-            <a:spAutoFit/>
-          </a:bodyPr>
-          <a:lstStyle/>
-          <a:p>
-            <a:r>
-              <a:rPr lang="hu-HU" sz="2800" dirty="0" smtClean="0">
-                <a:solidFill>
-                  <a:schemeClr val="bg1"/>
-                </a:solidFill>
-                <a:effectLst>
-                  <a:outerShdw blurRad="38100" dist="38100" dir="2700000" algn="tl">
-                    <a:srgbClr val="000000">
-                      <a:alpha val="43137"/>
-                    </a:srgbClr>
-                  </a:outerShdw>
-                </a:effectLst>
-              </a:rPr>
-              <a:t>UPS felépítések</a:t>
-            </a:r>
-            <a:endParaRPr lang="hu-HU" sz="2800" dirty="0">
-              <a:solidFill>
-                <a:schemeClr val="bg1"/>
-              </a:solidFill>
-              <a:effectLst>
-                <a:outerShdw blurRad="38100" dist="38100" dir="2700000" algn="tl">
-                  <a:srgbClr val="000000">
-                    <a:alpha val="43137"/>
-                  </a:srgbClr>
-                </a:outerShdw>
-              </a:effectLst>
-            </a:endParaRPr>
-          </a:p>
-        </p:txBody>
-      </p:sp>
-      <p:sp>
-        <p:nvSpPr>
-          <p:cNvPr id="5" name="Szövegdoboz 4"/>
-          <p:cNvSpPr txBox="1"/>
-          <p:nvPr/>
-        </p:nvSpPr>
-        <p:spPr>
-          <a:xfrm>
-            <a:off x="1283110" y="1076632"/>
-            <a:ext cx="8229600" cy="523220"/>
-          </a:xfrm>
-          <a:prstGeom prst="rect">
-            <a:avLst/>
-          </a:prstGeom>
-          <a:noFill/>
-        </p:spPr>
-        <p:txBody>
-          <a:bodyPr wrap="square" rtlCol="0">
-            <a:spAutoFit/>
-          </a:bodyPr>
-          <a:lstStyle/>
-          <a:p>
-            <a:r>
-              <a:rPr lang="hu-HU" sz="2800" dirty="0" err="1" smtClean="0">
-                <a:solidFill>
-                  <a:schemeClr val="bg1"/>
-                </a:solidFill>
-                <a:effectLst>
-                  <a:outerShdw blurRad="38100" dist="38100" dir="2700000" algn="tl">
-                    <a:srgbClr val="000000">
-                      <a:alpha val="43137"/>
-                    </a:srgbClr>
-                  </a:outerShdw>
-                </a:effectLst>
-              </a:rPr>
-              <a:t>Dual</a:t>
-            </a:r>
-            <a:r>
-              <a:rPr lang="hu-HU" sz="2800" dirty="0" smtClean="0">
-                <a:solidFill>
-                  <a:schemeClr val="bg1"/>
-                </a:solidFill>
-                <a:effectLst>
-                  <a:outerShdw blurRad="38100" dist="38100" dir="2700000" algn="tl">
-                    <a:srgbClr val="000000">
-                      <a:alpha val="43137"/>
-                    </a:srgbClr>
-                  </a:outerShdw>
-                </a:effectLst>
-              </a:rPr>
-              <a:t> konverzió</a:t>
-            </a:r>
-            <a:endParaRPr lang="hu-HU" sz="2800" dirty="0">
-              <a:solidFill>
-                <a:schemeClr val="bg1"/>
-              </a:solidFill>
-              <a:effectLst>
-                <a:outerShdw blurRad="38100" dist="38100" dir="2700000" algn="tl">
-                  <a:srgbClr val="000000">
-                    <a:alpha val="43137"/>
-                  </a:srgbClr>
-                </a:outerShdw>
-              </a:effectLst>
-            </a:endParaRPr>
-          </a:p>
-        </p:txBody>
-      </p:sp>
-      <p:sp>
-        <p:nvSpPr>
-          <p:cNvPr id="10" name="Szövegdoboz 9"/>
-          <p:cNvSpPr txBox="1"/>
-          <p:nvPr/>
-        </p:nvSpPr>
-        <p:spPr>
-          <a:xfrm>
-            <a:off x="1283110" y="2017370"/>
-            <a:ext cx="5134547" cy="3108543"/>
-          </a:xfrm>
-          <a:prstGeom prst="rect">
-            <a:avLst/>
-          </a:prstGeom>
-          <a:noFill/>
-        </p:spPr>
-        <p:txBody>
-          <a:bodyPr wrap="square" rtlCol="0">
-            <a:spAutoFit/>
-          </a:bodyPr>
-          <a:lstStyle/>
-          <a:p>
-            <a:pPr marL="285750" indent="-285750">
-              <a:buFont typeface="Arial" panose="020B0604020202020204" pitchFamily="34" charset="0"/>
-              <a:buChar char="•"/>
-            </a:pPr>
-            <a:r>
-              <a:rPr lang="hu-HU" sz="2800" dirty="0" smtClean="0">
-                <a:solidFill>
-                  <a:schemeClr val="bg1"/>
-                </a:solidFill>
-                <a:effectLst>
-                  <a:outerShdw blurRad="38100" dist="38100" dir="2700000" algn="tl">
-                    <a:srgbClr val="000000">
-                      <a:alpha val="43137"/>
-                    </a:srgbClr>
-                  </a:outerShdw>
-                </a:effectLst>
-              </a:rPr>
-              <a:t>AC – DC – AC</a:t>
-            </a:r>
-          </a:p>
-          <a:p>
-            <a:pPr marL="285750" indent="-285750">
-              <a:buFont typeface="Arial" panose="020B0604020202020204" pitchFamily="34" charset="0"/>
-              <a:buChar char="•"/>
-            </a:pPr>
-            <a:r>
-              <a:rPr lang="hu-HU" sz="2800" dirty="0" smtClean="0">
-                <a:solidFill>
-                  <a:schemeClr val="bg1"/>
-                </a:solidFill>
-                <a:effectLst>
-                  <a:outerShdw blurRad="38100" dist="38100" dir="2700000" algn="tl">
-                    <a:srgbClr val="000000">
-                      <a:alpha val="43137"/>
-                    </a:srgbClr>
-                  </a:outerShdw>
-                </a:effectLst>
-              </a:rPr>
-              <a:t>Az akkumulátor itt egy szűrőként is működik</a:t>
-            </a:r>
-          </a:p>
-          <a:p>
-            <a:pPr marL="285750" indent="-285750">
-              <a:buFont typeface="Arial" panose="020B0604020202020204" pitchFamily="34" charset="0"/>
-              <a:buChar char="•"/>
-            </a:pPr>
-            <a:r>
-              <a:rPr lang="hu-HU" sz="2800" dirty="0" smtClean="0">
-                <a:solidFill>
-                  <a:schemeClr val="bg1"/>
-                </a:solidFill>
-                <a:effectLst>
-                  <a:outerShdw blurRad="38100" dist="38100" dir="2700000" algn="tl">
-                    <a:srgbClr val="000000">
-                      <a:alpha val="43137"/>
-                    </a:srgbClr>
-                  </a:outerShdw>
-                </a:effectLst>
-              </a:rPr>
-              <a:t>Frekvenciát és feszültség változás lehetséges</a:t>
-            </a:r>
-          </a:p>
-          <a:p>
-            <a:pPr marL="285750" indent="-285750">
-              <a:buFont typeface="Arial" panose="020B0604020202020204" pitchFamily="34" charset="0"/>
-              <a:buChar char="•"/>
-            </a:pPr>
-            <a:r>
-              <a:rPr lang="hu-HU" sz="2800" dirty="0" smtClean="0">
-                <a:solidFill>
-                  <a:schemeClr val="bg1"/>
-                </a:solidFill>
-                <a:effectLst>
-                  <a:outerShdw blurRad="38100" dist="38100" dir="2700000" algn="tl">
-                    <a:srgbClr val="000000">
-                      <a:alpha val="43137"/>
-                    </a:srgbClr>
-                  </a:outerShdw>
-                </a:effectLst>
-              </a:rPr>
-              <a:t>Kapcsolási idő nincs</a:t>
-            </a:r>
-          </a:p>
-          <a:p>
-            <a:pPr marL="285750" indent="-285750">
-              <a:buFont typeface="Arial" panose="020B0604020202020204" pitchFamily="34" charset="0"/>
-              <a:buChar char="•"/>
-            </a:pPr>
-            <a:endParaRPr lang="hu-HU" sz="2800" dirty="0" smtClean="0">
-              <a:solidFill>
-                <a:schemeClr val="bg1"/>
-              </a:solidFill>
-              <a:effectLst>
-                <a:outerShdw blurRad="38100" dist="38100" dir="2700000" algn="tl">
-                  <a:srgbClr val="000000">
-                    <a:alpha val="43137"/>
-                  </a:srgbClr>
-                </a:outerShdw>
-              </a:effectLst>
-            </a:endParaRPr>
-          </a:p>
-        </p:txBody>
-      </p:sp>
-    </p:spTree>
-    <p:extLst>
-      <p:ext uri="{BB962C8B-B14F-4D97-AF65-F5344CB8AC3E}">
-        <p14:creationId xmlns:p14="http://schemas.microsoft.com/office/powerpoint/2010/main" val="3355655335"/>
-      </p:ext>
-    </p:extLst>
-  </p:cSld>
-  <p:clrMapOvr>
-    <a:masterClrMapping/>
-  </p:clrMapOvr>
-  <mc:AlternateContent xmlns:mc="http://schemas.openxmlformats.org/markup-compatibility/2006" xmlns:p14="http://schemas.microsoft.com/office/powerpoint/2010/main">
-    <mc:Choice Requires="p14">
-      <p:transition spd="slow" p14:dur="3400">
-        <p14:reveal/>
-      </p:transition>
-    </mc:Choice>
-    <mc:Fallback xmlns="">
-      <p:transition spd="slow">
-        <p:fade/>
-      </p:transition>
-    </mc:Fallback>
-  </mc:AlternateContent>
-  <p:timing>
-    <p:tnLst>
-      <p:par>
-        <p:cTn id="1" dur="indefinite" restart="never" nodeType="tmRoot"/>
-      </p:par>
-    </p:tnLst>
-  </p:timing>
-</p:sld>
-</file>
-
-<file path=ppt/slides/slide19.xml><?xml version="1.0" encoding="utf-8"?>
-<p:sld xmlns:a="http://schemas.openxmlformats.org/drawingml/2006/main" xmlns:r="http://schemas.openxmlformats.org/officeDocument/2006/relationships" xmlns:p="http://schemas.openxmlformats.org/presentationml/2006/main">
-  <p:cSld>
-    <p:spTree>
-      <p:nvGrpSpPr>
-        <p:cNvPr id="1" name=""/>
-        <p:cNvGrpSpPr/>
-        <p:nvPr/>
-      </p:nvGrpSpPr>
-      <p:grpSpPr>
-        <a:xfrm>
-          <a:off x="0" y="0"/>
-          <a:ext cx="0" cy="0"/>
-          <a:chOff x="0" y="0"/>
-          <a:chExt cx="0" cy="0"/>
-        </a:xfrm>
-      </p:grpSpPr>
-      <p:sp>
-        <p:nvSpPr>
-          <p:cNvPr id="4" name="Szövegdoboz 3"/>
-          <p:cNvSpPr txBox="1"/>
-          <p:nvPr/>
-        </p:nvSpPr>
-        <p:spPr>
-          <a:xfrm>
-            <a:off x="619432" y="339213"/>
-            <a:ext cx="2863997" cy="523220"/>
-          </a:xfrm>
-          <a:prstGeom prst="rect">
-            <a:avLst/>
-          </a:prstGeom>
-          <a:noFill/>
-        </p:spPr>
-        <p:txBody>
-          <a:bodyPr wrap="square" rtlCol="0">
-            <a:spAutoFit/>
-          </a:bodyPr>
-          <a:lstStyle/>
-          <a:p>
-            <a:r>
-              <a:rPr lang="hu-HU" sz="2800" dirty="0" smtClean="0">
-                <a:solidFill>
-                  <a:schemeClr val="bg1"/>
-                </a:solidFill>
-                <a:effectLst>
-                  <a:outerShdw blurRad="38100" dist="38100" dir="2700000" algn="tl">
-                    <a:srgbClr val="000000">
-                      <a:alpha val="43137"/>
-                    </a:srgbClr>
-                  </a:outerShdw>
-                </a:effectLst>
-              </a:rPr>
-              <a:t>UPS felépítések</a:t>
-            </a:r>
-            <a:endParaRPr lang="hu-HU" sz="2800" dirty="0">
-              <a:solidFill>
-                <a:schemeClr val="bg1"/>
-              </a:solidFill>
-              <a:effectLst>
-                <a:outerShdw blurRad="38100" dist="38100" dir="2700000" algn="tl">
-                  <a:srgbClr val="000000">
-                    <a:alpha val="43137"/>
-                  </a:srgbClr>
-                </a:outerShdw>
-              </a:effectLst>
-            </a:endParaRPr>
-          </a:p>
-        </p:txBody>
-      </p:sp>
-      <p:sp>
-        <p:nvSpPr>
-          <p:cNvPr id="5" name="Szövegdoboz 4"/>
-          <p:cNvSpPr txBox="1"/>
-          <p:nvPr/>
-        </p:nvSpPr>
-        <p:spPr>
-          <a:xfrm>
-            <a:off x="1283110" y="1076632"/>
-            <a:ext cx="8229600" cy="523220"/>
-          </a:xfrm>
-          <a:prstGeom prst="rect">
-            <a:avLst/>
-          </a:prstGeom>
-          <a:noFill/>
-        </p:spPr>
-        <p:txBody>
-          <a:bodyPr wrap="square" rtlCol="0">
-            <a:spAutoFit/>
-          </a:bodyPr>
-          <a:lstStyle/>
-          <a:p>
-            <a:r>
-              <a:rPr lang="hu-HU" sz="2800" dirty="0" smtClean="0">
-                <a:solidFill>
-                  <a:schemeClr val="bg1"/>
-                </a:solidFill>
-                <a:effectLst>
-                  <a:outerShdw blurRad="38100" dist="38100" dir="2700000" algn="tl">
-                    <a:srgbClr val="000000">
-                      <a:alpha val="43137"/>
-                    </a:srgbClr>
-                  </a:outerShdw>
-                </a:effectLst>
-              </a:rPr>
-              <a:t>Kültéri tápegység</a:t>
-            </a:r>
-            <a:endParaRPr lang="hu-HU" sz="2800" dirty="0">
-              <a:solidFill>
-                <a:schemeClr val="bg1"/>
-              </a:solidFill>
-              <a:effectLst>
-                <a:outerShdw blurRad="38100" dist="38100" dir="2700000" algn="tl">
-                  <a:srgbClr val="000000">
-                    <a:alpha val="43137"/>
-                  </a:srgbClr>
-                </a:outerShdw>
-              </a:effectLst>
-            </a:endParaRPr>
-          </a:p>
-        </p:txBody>
-      </p:sp>
-      <p:sp>
-        <p:nvSpPr>
-          <p:cNvPr id="10" name="Szövegdoboz 9"/>
-          <p:cNvSpPr txBox="1"/>
-          <p:nvPr/>
-        </p:nvSpPr>
-        <p:spPr>
-          <a:xfrm>
-            <a:off x="1283110" y="2017370"/>
-            <a:ext cx="5134547" cy="2246769"/>
-          </a:xfrm>
-          <a:prstGeom prst="rect">
-            <a:avLst/>
-          </a:prstGeom>
-          <a:noFill/>
-        </p:spPr>
-        <p:txBody>
-          <a:bodyPr wrap="square" rtlCol="0">
-            <a:spAutoFit/>
-          </a:bodyPr>
-          <a:lstStyle/>
-          <a:p>
-            <a:pPr marL="285750" indent="-285750">
-              <a:buFont typeface="Arial" panose="020B0604020202020204" pitchFamily="34" charset="0"/>
-              <a:buChar char="•"/>
-            </a:pPr>
-            <a:r>
-              <a:rPr lang="hu-HU" sz="2800" dirty="0" smtClean="0">
-                <a:solidFill>
-                  <a:schemeClr val="bg1"/>
-                </a:solidFill>
-                <a:effectLst>
-                  <a:outerShdw blurRad="38100" dist="38100" dir="2700000" algn="tl">
-                    <a:srgbClr val="000000">
-                      <a:alpha val="43137"/>
-                    </a:srgbClr>
-                  </a:outerShdw>
-                </a:effectLst>
-              </a:rPr>
-              <a:t>Időjárási különbség kiküszöbölése</a:t>
-            </a:r>
-          </a:p>
-          <a:p>
-            <a:pPr marL="285750" indent="-285750">
-              <a:buFont typeface="Arial" panose="020B0604020202020204" pitchFamily="34" charset="0"/>
-              <a:buChar char="•"/>
-            </a:pPr>
-            <a:r>
-              <a:rPr lang="hu-HU" sz="2800" dirty="0" smtClean="0">
-                <a:solidFill>
-                  <a:schemeClr val="bg1"/>
-                </a:solidFill>
-                <a:effectLst>
-                  <a:outerShdw blurRad="38100" dist="38100" dir="2700000" algn="tl">
-                    <a:srgbClr val="000000">
-                      <a:alpha val="43137"/>
-                    </a:srgbClr>
-                  </a:outerShdw>
-                </a:effectLst>
-              </a:rPr>
-              <a:t>Zárt egység</a:t>
-            </a:r>
-          </a:p>
-          <a:p>
-            <a:pPr marL="285750" indent="-285750">
-              <a:buFont typeface="Arial" panose="020B0604020202020204" pitchFamily="34" charset="0"/>
-              <a:buChar char="•"/>
-            </a:pPr>
-            <a:r>
-              <a:rPr lang="hu-HU" sz="2800" dirty="0" smtClean="0">
-                <a:solidFill>
-                  <a:schemeClr val="bg1"/>
-                </a:solidFill>
-                <a:effectLst>
-                  <a:outerShdw blurRad="38100" dist="38100" dir="2700000" algn="tl">
-                    <a:srgbClr val="000000">
-                      <a:alpha val="43137"/>
-                    </a:srgbClr>
-                  </a:outerShdw>
-                </a:effectLst>
-              </a:rPr>
-              <a:t>Energia modul</a:t>
-            </a:r>
-          </a:p>
-          <a:p>
-            <a:pPr marL="285750" indent="-285750">
-              <a:buFont typeface="Arial" panose="020B0604020202020204" pitchFamily="34" charset="0"/>
-              <a:buChar char="•"/>
-            </a:pPr>
-            <a:r>
-              <a:rPr lang="hu-HU" sz="2800" dirty="0" smtClean="0">
-                <a:solidFill>
-                  <a:schemeClr val="bg1"/>
-                </a:solidFill>
-                <a:effectLst>
-                  <a:outerShdw blurRad="38100" dist="38100" dir="2700000" algn="tl">
-                    <a:srgbClr val="000000">
-                      <a:alpha val="43137"/>
-                    </a:srgbClr>
-                  </a:outerShdw>
-                </a:effectLst>
-              </a:rPr>
-              <a:t>Több akkumulátor</a:t>
-            </a:r>
-          </a:p>
-        </p:txBody>
-      </p:sp>
-    </p:spTree>
-    <p:extLst>
-      <p:ext uri="{BB962C8B-B14F-4D97-AF65-F5344CB8AC3E}">
-        <p14:creationId xmlns:p14="http://schemas.microsoft.com/office/powerpoint/2010/main" val="958478897"/>
+        <p14:creationId xmlns:p14="http://schemas.microsoft.com/office/powerpoint/2010/main" val="1292648027"/>
       </p:ext>
     </p:extLst>
   </p:cSld>
@@ -7079,141 +7570,6 @@
       </p:transition>
     </mc:Choice>
     <mc:Fallback xmlns="">
-      <p:transition spd="slow">
-        <p:fade/>
-      </p:transition>
-    </mc:Fallback>
-  </mc:AlternateContent>
-  <p:timing>
-    <p:tnLst>
-      <p:par>
-        <p:cTn id="1" dur="indefinite" restart="never" nodeType="tmRoot"/>
-      </p:par>
-    </p:tnLst>
-  </p:timing>
-</p:sld>
-</file>
-
-<file path=ppt/slides/slide20.xml><?xml version="1.0" encoding="utf-8"?>
-<p:sld xmlns:a="http://schemas.openxmlformats.org/drawingml/2006/main" xmlns:r="http://schemas.openxmlformats.org/officeDocument/2006/relationships" xmlns:p="http://schemas.openxmlformats.org/presentationml/2006/main">
-  <p:cSld>
-    <p:spTree>
-      <p:nvGrpSpPr>
-        <p:cNvPr id="1" name=""/>
-        <p:cNvGrpSpPr/>
-        <p:nvPr/>
-      </p:nvGrpSpPr>
-      <p:grpSpPr>
-        <a:xfrm>
-          <a:off x="0" y="0"/>
-          <a:ext cx="0" cy="0"/>
-          <a:chOff x="0" y="0"/>
-          <a:chExt cx="0" cy="0"/>
-        </a:xfrm>
-      </p:grpSpPr>
-      <p:sp>
-        <p:nvSpPr>
-          <p:cNvPr id="2" name="Cím 1"/>
-          <p:cNvSpPr>
-            <a:spLocks noGrp="1"/>
-          </p:cNvSpPr>
-          <p:nvPr>
-            <p:ph type="ctrTitle"/>
-          </p:nvPr>
-        </p:nvSpPr>
-        <p:spPr/>
-        <p:txBody>
-          <a:bodyPr/>
-          <a:lstStyle/>
-          <a:p>
-            <a:r>
-              <a:rPr lang="hu-HU" dirty="0" smtClean="0">
-                <a:solidFill>
-                  <a:schemeClr val="bg1"/>
-                </a:solidFill>
-                <a:effectLst>
-                  <a:outerShdw blurRad="38100" dist="38100" dir="2700000" algn="tl">
-                    <a:srgbClr val="000000">
-                      <a:alpha val="43137"/>
-                    </a:srgbClr>
-                  </a:outerShdw>
-                </a:effectLst>
-              </a:rPr>
-              <a:t>Köszönjük a figyelmet!</a:t>
-            </a:r>
-            <a:endParaRPr lang="hu-HU" dirty="0">
-              <a:solidFill>
-                <a:schemeClr val="bg1"/>
-              </a:solidFill>
-              <a:effectLst>
-                <a:outerShdw blurRad="38100" dist="38100" dir="2700000" algn="tl">
-                  <a:srgbClr val="000000">
-                    <a:alpha val="43137"/>
-                  </a:srgbClr>
-                </a:outerShdw>
-              </a:effectLst>
-            </a:endParaRPr>
-          </a:p>
-        </p:txBody>
-      </p:sp>
-      <p:pic>
-        <p:nvPicPr>
-          <p:cNvPr id="1032" name="Picture 8" descr="Smiley face - Download free icons"/>
-          <p:cNvPicPr>
-            <a:picLocks noChangeAspect="1" noChangeArrowheads="1"/>
-          </p:cNvPicPr>
-          <p:nvPr/>
-        </p:nvPicPr>
-        <p:blipFill>
-          <a:blip r:embed="rId2">
-            <a:extLst>
-              <a:ext uri="{28A0092B-C50C-407E-A947-70E740481C1C}">
-                <a14:useLocalDpi xmlns:a14="http://schemas.microsoft.com/office/drawing/2010/main" val="0"/>
-              </a:ext>
-            </a:extLst>
-          </a:blip>
-          <a:srcRect/>
-          <a:stretch>
-            <a:fillRect/>
-          </a:stretch>
-        </p:blipFill>
-        <p:spPr bwMode="auto">
-          <a:xfrm>
-            <a:off x="3657600" y="2545846"/>
-            <a:ext cx="4876800" cy="4876801"/>
-          </a:xfrm>
-          <a:prstGeom prst="rect">
-            <a:avLst/>
-          </a:prstGeom>
-          <a:noFill/>
-          <a:extLst>
-            <a:ext uri="{909E8E84-426E-40DD-AFC4-6F175D3DCCD1}">
-              <a14:hiddenFill xmlns:a14="http://schemas.microsoft.com/office/drawing/2010/main">
-                <a:solidFill>
-                  <a:srgbClr val="FFFFFF"/>
-                </a:solidFill>
-              </a14:hiddenFill>
-            </a:ext>
-          </a:extLst>
-        </p:spPr>
-      </p:pic>
-    </p:spTree>
-    <p:extLst>
-      <p:ext uri="{BB962C8B-B14F-4D97-AF65-F5344CB8AC3E}">
-        <p14:creationId xmlns:p14="http://schemas.microsoft.com/office/powerpoint/2010/main" val="1292648027"/>
-      </p:ext>
-    </p:extLst>
-  </p:cSld>
-  <p:clrMapOvr>
-    <a:masterClrMapping/>
-  </p:clrMapOvr>
-  <mc:AlternateContent xmlns:mc="http://schemas.openxmlformats.org/markup-compatibility/2006">
-    <mc:Choice xmlns:p14="http://schemas.microsoft.com/office/powerpoint/2010/main" Requires="p14">
-      <p:transition spd="slow" p14:dur="3400">
-        <p14:reveal/>
-      </p:transition>
-    </mc:Choice>
-    <mc:Fallback>
       <p:transition spd="slow">
         <p:fade/>
       </p:transition>
@@ -9293,6 +9649,295 @@
           </a:p>
         </p:txBody>
       </p:sp>
+      <p:sp>
+        <p:nvSpPr>
+          <p:cNvPr id="6" name="Szövegdoboz 5"/>
+          <p:cNvSpPr txBox="1"/>
+          <p:nvPr/>
+        </p:nvSpPr>
+        <p:spPr>
+          <a:xfrm>
+            <a:off x="856824" y="862433"/>
+            <a:ext cx="8229600" cy="2246769"/>
+          </a:xfrm>
+          <a:prstGeom prst="rect">
+            <a:avLst/>
+          </a:prstGeom>
+          <a:noFill/>
+        </p:spPr>
+        <p:txBody>
+          <a:bodyPr wrap="square" rtlCol="0">
+            <a:spAutoFit/>
+          </a:bodyPr>
+          <a:lstStyle/>
+          <a:p>
+            <a:r>
+              <a:rPr lang="hu-HU" sz="2800" dirty="0">
+                <a:solidFill>
+                  <a:schemeClr val="bg1"/>
+                </a:solidFill>
+                <a:effectLst>
+                  <a:outerShdw blurRad="38100" dist="38100" dir="2700000" algn="tl">
+                    <a:srgbClr val="000000">
+                      <a:alpha val="43137"/>
+                    </a:srgbClr>
+                  </a:outerShdw>
+                </a:effectLst>
+              </a:rPr>
+              <a:t>O</a:t>
+            </a:r>
+            <a:r>
+              <a:rPr lang="hu-HU" sz="2800" dirty="0" smtClean="0">
+                <a:solidFill>
+                  <a:schemeClr val="bg1"/>
+                </a:solidFill>
+                <a:effectLst>
+                  <a:outerShdw blurRad="38100" dist="38100" dir="2700000" algn="tl">
+                    <a:srgbClr val="000000">
+                      <a:alpha val="43137"/>
+                    </a:srgbClr>
+                  </a:outerShdw>
+                </a:effectLst>
+              </a:rPr>
+              <a:t>nline </a:t>
+            </a:r>
+            <a:r>
+              <a:rPr lang="hu-HU" sz="2800" dirty="0" smtClean="0">
+                <a:solidFill>
+                  <a:schemeClr val="bg1"/>
+                </a:solidFill>
+                <a:effectLst>
+                  <a:outerShdw blurRad="38100" dist="38100" dir="2700000" algn="tl">
+                    <a:srgbClr val="000000">
+                      <a:alpha val="43137"/>
+                    </a:srgbClr>
+                  </a:outerShdw>
+                </a:effectLst>
+              </a:rPr>
+              <a:t>UPS</a:t>
+            </a:r>
+          </a:p>
+          <a:p>
+            <a:pPr marL="457200" indent="-457200">
+              <a:buFont typeface="Arial" panose="020B0604020202020204" pitchFamily="34" charset="0"/>
+              <a:buChar char="•"/>
+            </a:pPr>
+            <a:r>
+              <a:rPr lang="hu-HU" sz="2800" dirty="0" smtClean="0">
+                <a:solidFill>
+                  <a:schemeClr val="bg1"/>
+                </a:solidFill>
+                <a:effectLst>
+                  <a:outerShdw blurRad="38100" dist="38100" dir="2700000" algn="tl">
+                    <a:srgbClr val="000000">
+                      <a:alpha val="43137"/>
+                    </a:srgbClr>
+                  </a:outerShdw>
+                </a:effectLst>
+              </a:rPr>
+              <a:t>Stabil</a:t>
+            </a:r>
+          </a:p>
+          <a:p>
+            <a:pPr marL="457200" indent="-457200">
+              <a:buFont typeface="Arial" panose="020B0604020202020204" pitchFamily="34" charset="0"/>
+              <a:buChar char="•"/>
+            </a:pPr>
+            <a:r>
+              <a:rPr lang="hu-HU" sz="2800" dirty="0">
+                <a:solidFill>
+                  <a:schemeClr val="bg1"/>
+                </a:solidFill>
+                <a:effectLst>
+                  <a:outerShdw blurRad="38100" dist="38100" dir="2700000" algn="tl">
+                    <a:srgbClr val="000000">
+                      <a:alpha val="43137"/>
+                    </a:srgbClr>
+                  </a:outerShdw>
+                </a:effectLst>
+              </a:rPr>
+              <a:t>Azonos áramellátási minőség, zavaroktól </a:t>
+            </a:r>
+            <a:r>
+              <a:rPr lang="hu-HU" sz="2800" dirty="0" smtClean="0">
+                <a:solidFill>
+                  <a:schemeClr val="bg1"/>
+                </a:solidFill>
+                <a:effectLst>
+                  <a:outerShdw blurRad="38100" dist="38100" dir="2700000" algn="tl">
+                    <a:srgbClr val="000000">
+                      <a:alpha val="43137"/>
+                    </a:srgbClr>
+                  </a:outerShdw>
+                </a:effectLst>
+              </a:rPr>
+              <a:t>függetlenül</a:t>
+            </a:r>
+          </a:p>
+          <a:p>
+            <a:pPr marL="457200" indent="-457200">
+              <a:buFont typeface="Arial" panose="020B0604020202020204" pitchFamily="34" charset="0"/>
+              <a:buChar char="•"/>
+            </a:pPr>
+            <a:r>
+              <a:rPr lang="hu-HU" sz="2800" dirty="0">
+                <a:solidFill>
+                  <a:schemeClr val="bg1"/>
+                </a:solidFill>
+                <a:effectLst>
+                  <a:outerShdw blurRad="38100" dist="38100" dir="2700000" algn="tl">
+                    <a:srgbClr val="000000">
+                      <a:alpha val="43137"/>
+                    </a:srgbClr>
+                  </a:outerShdw>
+                </a:effectLst>
+              </a:rPr>
+              <a:t>Tranziens nincs átváltáskor</a:t>
+            </a:r>
+          </a:p>
+          <a:p>
+            <a:pPr marL="457200" indent="-457200">
+              <a:buFont typeface="Arial" panose="020B0604020202020204" pitchFamily="34" charset="0"/>
+              <a:buChar char="•"/>
+            </a:pPr>
+            <a:endParaRPr lang="hu-HU" sz="2800" dirty="0">
+              <a:solidFill>
+                <a:schemeClr val="bg1"/>
+              </a:solidFill>
+              <a:effectLst>
+                <a:outerShdw blurRad="38100" dist="38100" dir="2700000" algn="tl">
+                  <a:srgbClr val="000000">
+                    <a:alpha val="43137"/>
+                  </a:srgbClr>
+                </a:outerShdw>
+              </a:effectLst>
+            </a:endParaRPr>
+          </a:p>
+        </p:txBody>
+      </p:sp>
+      <p:pic>
+        <p:nvPicPr>
+          <p:cNvPr id="1026" name="Picture 2" descr="What is offline UPS?"/>
+          <p:cNvPicPr>
+            <a:picLocks noChangeAspect="1" noChangeArrowheads="1"/>
+          </p:cNvPicPr>
+          <p:nvPr/>
+        </p:nvPicPr>
+        <p:blipFill>
+          <a:blip r:embed="rId2">
+            <a:extLst>
+              <a:ext uri="{28A0092B-C50C-407E-A947-70E740481C1C}">
+                <a14:useLocalDpi xmlns:a14="http://schemas.microsoft.com/office/drawing/2010/main" val="0"/>
+              </a:ext>
+            </a:extLst>
+          </a:blip>
+          <a:srcRect/>
+          <a:stretch>
+            <a:fillRect/>
+          </a:stretch>
+        </p:blipFill>
+        <p:spPr bwMode="auto">
+          <a:xfrm>
+            <a:off x="5731813" y="2372735"/>
+            <a:ext cx="5715000" cy="3362326"/>
+          </a:xfrm>
+          <a:prstGeom prst="rect">
+            <a:avLst/>
+          </a:prstGeom>
+          <a:noFill/>
+          <a:extLst>
+            <a:ext uri="{909E8E84-426E-40DD-AFC4-6F175D3DCCD1}">
+              <a14:hiddenFill xmlns:a14="http://schemas.microsoft.com/office/drawing/2010/main">
+                <a:solidFill>
+                  <a:srgbClr val="FFFFFF"/>
+                </a:solidFill>
+              </a14:hiddenFill>
+            </a:ext>
+          </a:extLst>
+        </p:spPr>
+      </p:pic>
+      <p:pic>
+        <p:nvPicPr>
+          <p:cNvPr id="1028" name="Picture 4" descr="line interactive ups topology"/>
+          <p:cNvPicPr>
+            <a:picLocks noChangeAspect="1" noChangeArrowheads="1"/>
+          </p:cNvPicPr>
+          <p:nvPr/>
+        </p:nvPicPr>
+        <p:blipFill>
+          <a:blip r:embed="rId3">
+            <a:extLst>
+              <a:ext uri="{28A0092B-C50C-407E-A947-70E740481C1C}">
+                <a14:useLocalDpi xmlns:a14="http://schemas.microsoft.com/office/drawing/2010/main" val="0"/>
+              </a:ext>
+            </a:extLst>
+          </a:blip>
+          <a:srcRect/>
+          <a:stretch>
+            <a:fillRect/>
+          </a:stretch>
+        </p:blipFill>
+        <p:spPr bwMode="auto">
+          <a:xfrm>
+            <a:off x="5625162" y="2301343"/>
+            <a:ext cx="5928302" cy="3505109"/>
+          </a:xfrm>
+          <a:prstGeom prst="rect">
+            <a:avLst/>
+          </a:prstGeom>
+          <a:noFill/>
+          <a:extLst>
+            <a:ext uri="{909E8E84-426E-40DD-AFC4-6F175D3DCCD1}">
+              <a14:hiddenFill xmlns:a14="http://schemas.microsoft.com/office/drawing/2010/main">
+                <a:solidFill>
+                  <a:srgbClr val="FFFFFF"/>
+                </a:solidFill>
+              </a14:hiddenFill>
+            </a:ext>
+          </a:extLst>
+        </p:spPr>
+      </p:pic>
+      <p:pic>
+        <p:nvPicPr>
+          <p:cNvPr id="1032" name="Picture 8" descr="online ups topology"/>
+          <p:cNvPicPr>
+            <a:picLocks noChangeAspect="1" noChangeArrowheads="1"/>
+          </p:cNvPicPr>
+          <p:nvPr/>
+        </p:nvPicPr>
+        <p:blipFill>
+          <a:blip r:embed="rId4">
+            <a:extLst>
+              <a:ext uri="{28A0092B-C50C-407E-A947-70E740481C1C}">
+                <a14:useLocalDpi xmlns:a14="http://schemas.microsoft.com/office/drawing/2010/main" val="0"/>
+              </a:ext>
+            </a:extLst>
+          </a:blip>
+          <a:srcRect/>
+          <a:stretch>
+            <a:fillRect/>
+          </a:stretch>
+        </p:blipFill>
+        <p:spPr bwMode="auto">
+          <a:xfrm>
+            <a:off x="5458907" y="2294463"/>
+            <a:ext cx="6094557" cy="3511989"/>
+          </a:xfrm>
+          <a:prstGeom prst="rect">
+            <a:avLst/>
+          </a:prstGeom>
+          <a:noFill/>
+          <a:extLst>
+            <a:ext uri="{909E8E84-426E-40DD-AFC4-6F175D3DCCD1}">
+              <a14:hiddenFill xmlns:a14="http://schemas.microsoft.com/office/drawing/2010/main">
+                <a:solidFill>
+                  <a:srgbClr val="FFFFFF"/>
+                </a:solidFill>
+              </a14:hiddenFill>
+            </a:ext>
+          </a:extLst>
+        </p:spPr>
+      </p:pic>
     </p:spTree>
     <p:extLst>
       <p:ext uri="{BB962C8B-B14F-4D97-AF65-F5344CB8AC3E}">
@@ -9370,6 +10015,41 @@
                                   </p:childTnLst>
                                 </p:cTn>
                               </p:par>
+                              <p:par>
+                                <p:cTn id="8" presetID="22" presetClass="entr" presetSubtype="4" fill="hold" nodeType="withEffect">
+                                  <p:stCondLst>
+                                    <p:cond delay="0"/>
+                                  </p:stCondLst>
+                                  <p:childTnLst>
+                                    <p:set>
+                                      <p:cBhvr>
+                                        <p:cTn id="9" dur="1" fill="hold">
+                                          <p:stCondLst>
+                                            <p:cond delay="0"/>
+                                          </p:stCondLst>
+                                        </p:cTn>
+                                        <p:tgtEl>
+                                          <p:spTgt spid="1026"/>
+                                        </p:tgtEl>
+                                        <p:attrNameLst>
+                                          <p:attrName>style.visibility</p:attrName>
+                                        </p:attrNameLst>
+                                      </p:cBhvr>
+                                      <p:to>
+                                        <p:strVal val="visible"/>
+                                      </p:to>
+                                    </p:set>
+                                    <p:animEffect transition="in" filter="wipe(down)">
+                                      <p:cBhvr>
+                                        <p:cTn id="10" dur="500"/>
+                                        <p:tgtEl>
+                                          <p:spTgt spid="1026"/>
+                                        </p:tgtEl>
+                                      </p:cBhvr>
+                                    </p:animEffect>
+                                  </p:childTnLst>
+                                </p:cTn>
+                              </p:par>
                             </p:childTnLst>
                           </p:cTn>
                         </p:par>
@@ -9377,26 +10057,26 @@
                     </p:cTn>
                   </p:par>
                   <p:par>
-                    <p:cTn id="8" fill="hold">
+                    <p:cTn id="11" fill="hold">
                       <p:stCondLst>
                         <p:cond delay="indefinite"/>
                       </p:stCondLst>
                       <p:childTnLst>
                         <p:par>
-                          <p:cTn id="9" fill="hold">
+                          <p:cTn id="12" fill="hold">
                             <p:stCondLst>
                               <p:cond delay="0"/>
                             </p:stCondLst>
                             <p:childTnLst>
                               <p:par>
-                                <p:cTn id="10" presetID="10" presetClass="exit" presetSubtype="0" fill="hold" grpId="1" nodeType="clickEffect">
+                                <p:cTn id="13" presetID="10" presetClass="exit" presetSubtype="0" fill="hold" grpId="1" nodeType="clickEffect">
                                   <p:stCondLst>
                                     <p:cond delay="500"/>
                                   </p:stCondLst>
                                   <p:childTnLst>
                                     <p:animEffect transition="out" filter="fade">
                                       <p:cBhvr>
-                                        <p:cTn id="11" dur="500"/>
+                                        <p:cTn id="14" dur="500"/>
                                         <p:tgtEl>
                                           <p:spTgt spid="5"/>
                                         </p:tgtEl>
@@ -9404,7 +10084,7 @@
                                     </p:animEffect>
                                     <p:set>
                                       <p:cBhvr>
-                                        <p:cTn id="12" dur="1" fill="hold">
+                                        <p:cTn id="15" dur="1" fill="hold">
                                           <p:stCondLst>
                                             <p:cond delay="499"/>
                                           </p:stCondLst>
@@ -9423,24 +10103,59 @@
                                   </p:childTnLst>
                                 </p:cTn>
                               </p:par>
+                              <p:par>
+                                <p:cTn id="16" presetID="22" presetClass="exit" presetSubtype="4" fill="hold" nodeType="withEffect">
+                                  <p:stCondLst>
+                                    <p:cond delay="500"/>
+                                  </p:stCondLst>
+                                  <p:childTnLst>
+                                    <p:animEffect transition="out" filter="wipe(down)">
+                                      <p:cBhvr>
+                                        <p:cTn id="17" dur="500"/>
+                                        <p:tgtEl>
+                                          <p:spTgt spid="1026"/>
+                                        </p:tgtEl>
+                                      </p:cBhvr>
+                                    </p:animEffect>
+                                    <p:set>
+                                      <p:cBhvr>
+                                        <p:cTn id="18" dur="1" fill="hold">
+                                          <p:stCondLst>
+                                            <p:cond delay="499"/>
+                                          </p:stCondLst>
+                                        </p:cTn>
+                                        <p:tgtEl>
+                                          <p:spTgt spid="1026"/>
+                                        </p:tgtEl>
+                                        <p:attrNameLst>
+                                          <p:attrName>style.visibility</p:attrName>
+                                        </p:attrNameLst>
+                                      </p:cBhvr>
+                                      <p:to>
+                                        <p:strVal val="hidden"/>
+                                      </p:to>
+                                    </p:set>
+                                  </p:childTnLst>
+                                </p:cTn>
+                              </p:par>
                             </p:childTnLst>
                           </p:cTn>
                         </p:par>
                         <p:par>
-                          <p:cTn id="13" fill="hold">
+                          <p:cTn id="19" fill="hold">
                             <p:stCondLst>
                               <p:cond delay="1000"/>
                             </p:stCondLst>
                             <p:childTnLst>
                               <p:par>
-                                <p:cTn id="14" presetID="22" presetClass="entr" presetSubtype="4" fill="hold" grpId="0" nodeType="afterEffect">
+                                <p:cTn id="20" presetID="22" presetClass="entr" presetSubtype="4" fill="hold" grpId="0" nodeType="afterEffect">
                                   <p:stCondLst>
                                     <p:cond delay="500"/>
                                   </p:stCondLst>
                                   <p:childTnLst>
                                     <p:set>
                                       <p:cBhvr>
-                                        <p:cTn id="15" dur="1" fill="hold">
+                                        <p:cTn id="21" dur="1" fill="hold">
                                           <p:stCondLst>
                                             <p:cond delay="0"/>
                                           </p:stCondLst>
@@ -9458,9 +10173,44 @@
                                     </p:set>
                                     <p:animEffect transition="in" filter="wipe(down)">
                                       <p:cBhvr>
-                                        <p:cTn id="16" dur="500"/>
+                                        <p:cTn id="22" dur="500"/>
                                         <p:tgtEl>
                                           <p:spTgt spid="2"/>
+                                        </p:tgtEl>
+                                      </p:cBhvr>
+                                    </p:animEffect>
+                                  </p:childTnLst>
+                                </p:cTn>
+                              </p:par>
+                              <p:par>
+                                <p:cTn id="23" presetID="22" presetClass="entr" presetSubtype="4" fill="hold" nodeType="withEffect">
+                                  <p:stCondLst>
+                                    <p:cond delay="500"/>
+                                  </p:stCondLst>
+                                  <p:childTnLst>
+                                    <p:set>
+                                      <p:cBhvr>
+                                        <p:cTn id="24" dur="1" fill="hold">
+                                          <p:stCondLst>
+                                            <p:cond delay="0"/>
+                                          </p:stCondLst>
+                                        </p:cTn>
+                                        <p:tgtEl>
+                                          <p:spTgt spid="1028"/>
+                                        </p:tgtEl>
+                                        <p:attrNameLst>
+                                          <p:attrName>style.visibility</p:attrName>
+                                        </p:attrNameLst>
+                                      </p:cBhvr>
+                                      <p:to>
+                                        <p:strVal val="visible"/>
+                                      </p:to>
+                                    </p:set>
+                                    <p:animEffect transition="in" filter="wipe(down)">
+                                      <p:cBhvr>
+                                        <p:cTn id="25" dur="500"/>
+                                        <p:tgtEl>
+                                          <p:spTgt spid="1028"/>
                                         </p:tgtEl>
                                       </p:cBhvr>
                                     </p:animEffect>
@@ -9474,26 +10224,26 @@
                     </p:cTn>
                   </p:par>
                   <p:par>
-                    <p:cTn id="17" fill="hold">
+                    <p:cTn id="26" fill="hold">
                       <p:stCondLst>
                         <p:cond delay="indefinite"/>
                       </p:stCondLst>
                       <p:childTnLst>
                         <p:par>
-                          <p:cTn id="18" fill="hold">
+                          <p:cTn id="27" fill="hold">
                             <p:stCondLst>
                               <p:cond delay="0"/>
                             </p:stCondLst>
                             <p:childTnLst>
                               <p:par>
-                                <p:cTn id="19" presetID="10" presetClass="exit" presetSubtype="0" fill="hold" grpId="1" nodeType="clickEffect">
+                                <p:cTn id="28" presetID="10" presetClass="exit" presetSubtype="0" fill="hold" grpId="1" nodeType="clickEffect">
                                   <p:stCondLst>
                                     <p:cond delay="500"/>
                                   </p:stCondLst>
                                   <p:childTnLst>
                                     <p:animEffect transition="out" filter="fade">
                                       <p:cBhvr>
-                                        <p:cTn id="20" dur="500"/>
+                                        <p:cTn id="29" dur="500"/>
                                         <p:tgtEl>
                                           <p:spTgt spid="2"/>
                                         </p:tgtEl>
@@ -9501,7 +10251,7 @@
                                     </p:animEffect>
                                     <p:set>
                                       <p:cBhvr>
-                                        <p:cTn id="21" dur="1" fill="hold">
+                                        <p:cTn id="30" dur="1" fill="hold">
                                           <p:stCondLst>
                                             <p:cond delay="499"/>
                                           </p:stCondLst>
@@ -9517,6 +10267,129 @@
                                         <p:strVal val="hidden"/>
                                       </p:to>
                                     </p:set>
+                                  </p:childTnLst>
+                                </p:cTn>
+                              </p:par>
+                              <p:par>
+                                <p:cTn id="31" presetID="22" presetClass="exit" presetSubtype="4" fill="hold" nodeType="withEffect">
+                                  <p:stCondLst>
+                                    <p:cond delay="500"/>
+                                  </p:stCondLst>
+                                  <p:childTnLst>
+                                    <p:animEffect transition="out" filter="wipe(down)">
+                                      <p:cBhvr>
+                                        <p:cTn id="32" dur="500"/>
+                                        <p:tgtEl>
+                                          <p:spTgt spid="1028"/>
+                                        </p:tgtEl>
+                                      </p:cBhvr>
+                                    </p:animEffect>
+                                    <p:set>
+                                      <p:cBhvr>
+                                        <p:cTn id="33" dur="1" fill="hold">
+                                          <p:stCondLst>
+                                            <p:cond delay="499"/>
+                                          </p:stCondLst>
+                                        </p:cTn>
+                                        <p:tgtEl>
+                                          <p:spTgt spid="1028"/>
+                                        </p:tgtEl>
+                                        <p:attrNameLst>
+                                          <p:attrName>style.visibility</p:attrName>
+                                        </p:attrNameLst>
+                                      </p:cBhvr>
+                                      <p:to>
+                                        <p:strVal val="hidden"/>
+                                      </p:to>
+                                    </p:set>
+                                  </p:childTnLst>
+                                </p:cTn>
+                              </p:par>
+                            </p:childTnLst>
+                          </p:cTn>
+                        </p:par>
+                      </p:childTnLst>
+                    </p:cTn>
+                  </p:par>
+                  <p:par>
+                    <p:cTn id="34" fill="hold">
+                      <p:stCondLst>
+                        <p:cond delay="indefinite"/>
+                      </p:stCondLst>
+                      <p:childTnLst>
+                        <p:par>
+                          <p:cTn id="35" fill="hold">
+                            <p:stCondLst>
+                              <p:cond delay="0"/>
+                            </p:stCondLst>
+                            <p:childTnLst>
+                              <p:par>
+                                <p:cTn id="36" presetID="22" presetClass="entr" presetSubtype="4" fill="hold" grpId="0" nodeType="clickEffect">
+                                  <p:stCondLst>
+                                    <p:cond delay="0"/>
+                                  </p:stCondLst>
+                                  <p:childTnLst>
+                                    <p:set>
+                                      <p:cBhvr>
+                                        <p:cTn id="37" dur="1" fill="hold">
+                                          <p:stCondLst>
+                                            <p:cond delay="0"/>
+                                          </p:stCondLst>
+                                        </p:cTn>
+                                        <p:tgtEl>
+                                          <p:spTgt spid="6"/>
+                                        </p:tgtEl>
+                                        <p:attrNameLst>
+                                          <p:attrName>style.visibility</p:attrName>
+                                        </p:attrNameLst>
+                                      </p:cBhvr>
+                                      <p:to>
+                                        <p:strVal val="visible"/>
+                                      </p:to>
+                                    </p:set>
+                                    <p:animEffect transition="in" filter="wipe(down)">
+                                      <p:cBhvr>
+                                        <p:cTn id="38" dur="500"/>
+                                        <p:tgtEl>
+                                          <p:spTgt spid="6"/>
+                                        </p:tgtEl>
+                                      </p:cBhvr>
+                                    </p:animEffect>
+                                  </p:childTnLst>
+                                </p:cTn>
+                              </p:par>
+                              <p:par>
+                                <p:cTn id="39" presetID="22" presetClass="entr" presetSubtype="4" fill="hold" nodeType="withEffect">
+                                  <p:stCondLst>
+                                    <p:cond delay="0"/>
+                                  </p:stCondLst>
+                                  <p:childTnLst>
+                                    <p:set>
+                                      <p:cBhvr>
+                                        <p:cTn id="40" dur="1" fill="hold">
+                                          <p:stCondLst>
+                                            <p:cond delay="0"/>
+                                          </p:stCondLst>
+                                        </p:cTn>
+                                        <p:tgtEl>
+                                          <p:spTgt spid="1032"/>
+                                        </p:tgtEl>
+                                        <p:attrNameLst>
+                                          <p:attrName>style.visibility</p:attrName>
+                                        </p:attrNameLst>
+                                      </p:cBhvr>
+                                      <p:to>
+                                        <p:strVal val="visible"/>
+                                      </p:to>
+                                    </p:set>
+                                    <p:animEffect transition="in" filter="wipe(down)">
+                                      <p:cBhvr>
+                                        <p:cTn id="41" dur="500"/>
+                                        <p:tgtEl>
+                                          <p:spTgt spid="1032"/>
+                                        </p:tgtEl>
+                                      </p:cBhvr>
+                                    </p:animEffect>
                                   </p:childTnLst>
                                 </p:cTn>
                               </p:par>
@@ -9552,6 +10425,7 @@
       <p:bldP spid="5" grpId="1"/>
       <p:bldP spid="2" grpId="0"/>
       <p:bldP spid="2" grpId="1"/>
+      <p:bldP spid="6" grpId="0"/>
     </p:bldLst>
   </p:timing>
 </p:sld>
@@ -9583,7 +10457,7 @@
         <p:spPr>
           <a:xfrm>
             <a:off x="619432" y="339213"/>
-            <a:ext cx="1533833" cy="523220"/>
+            <a:ext cx="2101997" cy="523220"/>
           </a:xfrm>
           <a:prstGeom prst="rect">
             <a:avLst/>
@@ -9609,7 +10483,7 @@
                   </a:outerShdw>
                 </a:effectLst>
               </a:rPr>
-              <a:t>Típusai:</a:t>
+              <a:t>Kialakításai:</a:t>
             </a:r>
             <a:endParaRPr lang="hu-HU" sz="2800" dirty="0">
               <a:solidFill>
@@ -9628,14 +10502,14 @@
       </p:sp>
       <p:sp>
         <p:nvSpPr>
-          <p:cNvPr id="5" name="Szövegdoboz 4"/>
+          <p:cNvPr id="11" name="Szövegdoboz 10"/>
           <p:cNvSpPr txBox="1"/>
           <p:nvPr/>
         </p:nvSpPr>
         <p:spPr>
           <a:xfrm>
-            <a:off x="1035366" y="965795"/>
-            <a:ext cx="8229600" cy="2246769"/>
+            <a:off x="995865" y="1243781"/>
+            <a:ext cx="8583561" cy="2677656"/>
           </a:xfrm>
           <a:prstGeom prst="rect">
             <a:avLst/>
@@ -9648,24 +10522,7 @@
           </a:bodyPr>
           <a:lstStyle/>
           <a:p>
-            <a:r>
-              <a:rPr lang="hu-HU" sz="2800" dirty="0" smtClean="0">
-                <a:solidFill>
-                  <a:schemeClr val="bg1"/>
-                </a:solidFill>
-                <a:effectLst>
-                  <a:outerShdw blurRad="38100" dist="38100" dir="2700000" algn="tl">
-                    <a:srgbClr val="000000">
-                      <a:alpha val="43137"/>
-                    </a:srgbClr>
-                  </a:outerShdw>
-                </a:effectLst>
-              </a:rPr>
-              <a:t>Kettős alakítású Online UPS</a:t>
-            </a:r>
-          </a:p>
-          <a:p>
-            <a:pPr marL="457200" indent="-457200">
+            <a:pPr marL="285750" indent="-285750">
               <a:buFont typeface="Arial" panose="020B0604020202020204" pitchFamily="34" charset="0"/>
               <a:buChar char="•"/>
             </a:pPr>
@@ -9682,30 +10539,15 @@
                   </a:outerShdw>
                 </a:effectLst>
               </a:rPr>
-              <a:t>Stabil</a:t>
-            </a:r>
-          </a:p>
-          <a:p>
-            <a:pPr marL="457200" indent="-457200">
+              <a:t>Asztali és torony</a:t>
+            </a:r>
+          </a:p>
+          <a:p>
+            <a:pPr marL="285750" indent="-285750">
               <a:buFont typeface="Arial" panose="020B0604020202020204" pitchFamily="34" charset="0"/>
               <a:buChar char="•"/>
             </a:pPr>
             <a:r>
-              <a:rPr lang="hu-HU" sz="2800" dirty="0">
-                <a:solidFill>
-                  <a:schemeClr val="bg1"/>
-                </a:solidFill>
-                <a:effectLst>
-                  <a:outerShdw blurRad="38100" dist="38100" dir="2700000" algn="tl">
-                    <a:srgbClr val="000000">
-                      <a:alpha val="43137"/>
-                    </a:srgbClr>
-                  </a:outerShdw>
-                </a:effectLst>
-              </a:rPr>
-              <a:t>Azonos áramellátási minőség, zavaroktól </a:t>
-            </a:r>
-            <a:r>
               <a:rPr lang="hu-HU" sz="2800" dirty="0" smtClean="0">
                 <a:solidFill>
                   <a:schemeClr val="bg1"/>
@@ -9718,54 +10560,226 @@
                   </a:outerShdw>
                 </a:effectLst>
               </a:rPr>
-              <a:t>függetlenül</a:t>
-            </a:r>
-          </a:p>
-          <a:p>
-            <a:pPr marL="457200" indent="-457200">
+              <a:t>Falra szerelhető</a:t>
+            </a:r>
+          </a:p>
+          <a:p>
+            <a:pPr marL="285750" indent="-285750">
               <a:buFont typeface="Arial" panose="020B0604020202020204" pitchFamily="34" charset="0"/>
               <a:buChar char="•"/>
             </a:pPr>
             <a:r>
-              <a:rPr lang="hu-HU" sz="2800" dirty="0">
-                <a:solidFill>
-                  <a:schemeClr val="bg1"/>
-                </a:solidFill>
-                <a:effectLst>
-                  <a:outerShdw blurRad="38100" dist="38100" dir="2700000" algn="tl">
-                    <a:srgbClr val="000000">
-                      <a:alpha val="43137"/>
-                    </a:srgbClr>
-                  </a:outerShdw>
-                </a:effectLst>
-              </a:rPr>
-              <a:t>Tranziens nincs átváltáskor</a:t>
-            </a:r>
-          </a:p>
-          <a:p>
-            <a:pPr marL="457200" indent="-457200">
+              <a:rPr lang="hu-HU" sz="2800" dirty="0" err="1" smtClean="0">
+                <a:solidFill>
+                  <a:schemeClr val="bg1"/>
+                </a:solidFill>
+                <a:effectLst>
+                  <a:outerShdw blurRad="38100" dist="38100" dir="2700000" algn="tl">
+                    <a:srgbClr val="000000">
+                      <a:alpha val="43137"/>
+                    </a:srgbClr>
+                  </a:outerShdw>
+                </a:effectLst>
+              </a:rPr>
+              <a:t>Rack</a:t>
+            </a:r>
+            <a:r>
+              <a:rPr lang="hu-HU" sz="2800" dirty="0" smtClean="0">
+                <a:solidFill>
+                  <a:schemeClr val="bg1"/>
+                </a:solidFill>
+                <a:effectLst>
+                  <a:outerShdw blurRad="38100" dist="38100" dir="2700000" algn="tl">
+                    <a:srgbClr val="000000">
+                      <a:alpha val="43137"/>
+                    </a:srgbClr>
+                  </a:outerShdw>
+                </a:effectLst>
+              </a:rPr>
+              <a:t>-be szerelhető</a:t>
+            </a:r>
+          </a:p>
+          <a:p>
+            <a:pPr marL="285750" indent="-285750">
               <a:buFont typeface="Arial" panose="020B0604020202020204" pitchFamily="34" charset="0"/>
               <a:buChar char="•"/>
             </a:pPr>
-            <a:endParaRPr lang="hu-HU" sz="2800" dirty="0">
-              <a:solidFill>
-                <a:schemeClr val="bg1"/>
-              </a:solidFill>
-              <a:effectLst>
-                <a:outerShdw blurRad="38100" dist="38100" dir="2700000" algn="tl">
-                  <a:srgbClr val="000000">
-                    <a:alpha val="43137"/>
-                  </a:srgbClr>
-                </a:outerShdw>
-              </a:effectLst>
-            </a:endParaRPr>
+            <a:r>
+              <a:rPr lang="hu-HU" sz="2800" dirty="0" smtClean="0">
+                <a:solidFill>
+                  <a:schemeClr val="bg1"/>
+                </a:solidFill>
+                <a:effectLst>
+                  <a:outerShdw blurRad="38100" dist="38100" dir="2700000" algn="tl">
+                    <a:srgbClr val="000000">
+                      <a:alpha val="43137"/>
+                    </a:srgbClr>
+                  </a:outerShdw>
+                </a:effectLst>
+              </a:rPr>
+              <a:t>2 az 1ben (</a:t>
+            </a:r>
+            <a:r>
+              <a:rPr lang="hu-HU" sz="2800" dirty="0" err="1" smtClean="0">
+                <a:solidFill>
+                  <a:schemeClr val="bg1"/>
+                </a:solidFill>
+                <a:effectLst>
+                  <a:outerShdw blurRad="38100" dist="38100" dir="2700000" algn="tl">
+                    <a:srgbClr val="000000">
+                      <a:alpha val="43137"/>
+                    </a:srgbClr>
+                  </a:outerShdw>
+                </a:effectLst>
+              </a:rPr>
+              <a:t>rackre</a:t>
+            </a:r>
+            <a:r>
+              <a:rPr lang="hu-HU" sz="2800" dirty="0" smtClean="0">
+                <a:solidFill>
+                  <a:schemeClr val="bg1"/>
+                </a:solidFill>
+                <a:effectLst>
+                  <a:outerShdw blurRad="38100" dist="38100" dir="2700000" algn="tl">
+                    <a:srgbClr val="000000">
+                      <a:alpha val="43137"/>
+                    </a:srgbClr>
+                  </a:outerShdw>
+                </a:effectLst>
+              </a:rPr>
+              <a:t> és földre állítható torony)</a:t>
+            </a:r>
+          </a:p>
+          <a:p>
+            <a:pPr marL="285750" indent="-285750">
+              <a:buFont typeface="Arial" panose="020B0604020202020204" pitchFamily="34" charset="0"/>
+              <a:buChar char="•"/>
+            </a:pPr>
+            <a:r>
+              <a:rPr lang="hu-HU" sz="2800" dirty="0" smtClean="0">
+                <a:solidFill>
+                  <a:schemeClr val="bg1"/>
+                </a:solidFill>
+                <a:effectLst>
+                  <a:outerShdw blurRad="38100" dist="38100" dir="2700000" algn="tl">
+                    <a:srgbClr val="000000">
+                      <a:alpha val="43137"/>
+                    </a:srgbClr>
+                  </a:outerShdw>
+                </a:effectLst>
+              </a:rPr>
+              <a:t>Skálázható</a:t>
+            </a:r>
+          </a:p>
+          <a:p>
+            <a:pPr marL="285750" indent="-285750">
+              <a:buFont typeface="Arial" panose="020B0604020202020204" pitchFamily="34" charset="0"/>
+              <a:buChar char="•"/>
+            </a:pPr>
+            <a:r>
+              <a:rPr lang="hu-HU" sz="2800" dirty="0" smtClean="0">
+                <a:solidFill>
+                  <a:schemeClr val="bg1"/>
+                </a:solidFill>
+                <a:effectLst>
+                  <a:outerShdw blurRad="38100" dist="38100" dir="2700000" algn="tl">
+                    <a:srgbClr val="000000">
+                      <a:alpha val="43137"/>
+                    </a:srgbClr>
+                  </a:outerShdw>
+                </a:effectLst>
+              </a:rPr>
+              <a:t>Nagyméretű Torony</a:t>
+            </a:r>
           </a:p>
         </p:txBody>
       </p:sp>
+      <p:pic>
+        <p:nvPicPr>
+          <p:cNvPr id="1032" name="Picture 8" descr="Szünetmentes tápegységek használata otthonainkban"/>
+          <p:cNvPicPr>
+            <a:picLocks noChangeAspect="1" noChangeArrowheads="1"/>
+          </p:cNvPicPr>
+          <p:nvPr/>
+        </p:nvPicPr>
+        <p:blipFill>
+          <a:blip r:embed="rId2">
+            <a:extLst>
+              <a:ext uri="{28A0092B-C50C-407E-A947-70E740481C1C}">
+                <a14:useLocalDpi xmlns:a14="http://schemas.microsoft.com/office/drawing/2010/main" val="0"/>
+              </a:ext>
+            </a:extLst>
+          </a:blip>
+          <a:srcRect/>
+          <a:stretch>
+            <a:fillRect/>
+          </a:stretch>
+        </p:blipFill>
+        <p:spPr bwMode="auto">
+          <a:xfrm>
+            <a:off x="7666718" y="0"/>
+            <a:ext cx="2299395" cy="3414602"/>
+          </a:xfrm>
+          <a:prstGeom prst="rect">
+            <a:avLst/>
+          </a:prstGeom>
+          <a:noFill/>
+          <a:extLst>
+            <a:ext uri="{909E8E84-426E-40DD-AFC4-6F175D3DCCD1}">
+              <a14:hiddenFill xmlns:a14="http://schemas.microsoft.com/office/drawing/2010/main">
+                <a:solidFill>
+                  <a:srgbClr val="FFFFFF"/>
+                </a:solidFill>
+              </a14:hiddenFill>
+            </a:ext>
+          </a:extLst>
+        </p:spPr>
+      </p:pic>
+      <p:pic>
+        <p:nvPicPr>
+          <p:cNvPr id="1034" name="Picture 10" descr="AEG szünetmentes tápegység, PROTECT D 3000, 3000VA (2700W), 6x IEC320 C13 +  1xC19, online kettős konv. UPS, rack/tower 6000024433 - Profil Copy Kft."/>
+          <p:cNvPicPr>
+            <a:picLocks noChangeAspect="1" noChangeArrowheads="1"/>
+          </p:cNvPicPr>
+          <p:nvPr/>
+        </p:nvPicPr>
+        <p:blipFill>
+          <a:blip r:embed="rId3">
+            <a:extLst>
+              <a:ext uri="{28A0092B-C50C-407E-A947-70E740481C1C}">
+                <a14:useLocalDpi xmlns:a14="http://schemas.microsoft.com/office/drawing/2010/main" val="0"/>
+              </a:ext>
+            </a:extLst>
+          </a:blip>
+          <a:srcRect/>
+          <a:stretch>
+            <a:fillRect/>
+          </a:stretch>
+        </p:blipFill>
+        <p:spPr bwMode="auto">
+          <a:xfrm>
+            <a:off x="7467600" y="2546557"/>
+            <a:ext cx="4969325" cy="4969325"/>
+          </a:xfrm>
+          <a:prstGeom prst="rect">
+            <a:avLst/>
+          </a:prstGeom>
+          <a:noFill/>
+          <a:extLst>
+            <a:ext uri="{909E8E84-426E-40DD-AFC4-6F175D3DCCD1}">
+              <a14:hiddenFill xmlns:a14="http://schemas.microsoft.com/office/drawing/2010/main">
+                <a:solidFill>
+                  <a:srgbClr val="FFFFFF"/>
+                </a:solidFill>
+              </a14:hiddenFill>
+            </a:ext>
+          </a:extLst>
+        </p:spPr>
+      </p:pic>
     </p:spTree>
     <p:extLst>
       <p:ext uri="{BB962C8B-B14F-4D97-AF65-F5344CB8AC3E}">
-        <p14:creationId xmlns:p14="http://schemas.microsoft.com/office/powerpoint/2010/main" val="312878534"/>
+        <p14:creationId xmlns:p14="http://schemas.microsoft.com/office/powerpoint/2010/main" val="3282104850"/>
       </p:ext>
     </p:extLst>
   </p:cSld>

--- a/cad_cam_adv.pptx
+++ b/cad_cam_adv.pptx
@@ -661,7 +661,7 @@
           <a:p>
             <a:fld id="{846CE7D5-CF57-46EF-B807-FDD0502418D4}" type="datetimeFigureOut">
               <a:rPr lang="en-US" smtClean="0"/>
-              <a:t>11/14/2023</a:t>
+              <a:t>11/15/2023</a:t>
             </a:fld>
             <a:endParaRPr lang="en-US"/>
           </a:p>
@@ -829,7 +829,7 @@
           <a:p>
             <a:fld id="{846CE7D5-CF57-46EF-B807-FDD0502418D4}" type="datetimeFigureOut">
               <a:rPr lang="en-US" smtClean="0"/>
-              <a:t>11/14/2023</a:t>
+              <a:t>11/15/2023</a:t>
             </a:fld>
             <a:endParaRPr lang="en-US"/>
           </a:p>
@@ -1007,7 +1007,7 @@
           <a:p>
             <a:fld id="{846CE7D5-CF57-46EF-B807-FDD0502418D4}" type="datetimeFigureOut">
               <a:rPr lang="en-US" smtClean="0"/>
-              <a:t>11/14/2023</a:t>
+              <a:t>11/15/2023</a:t>
             </a:fld>
             <a:endParaRPr lang="en-US"/>
           </a:p>
@@ -1175,7 +1175,7 @@
           <a:p>
             <a:fld id="{846CE7D5-CF57-46EF-B807-FDD0502418D4}" type="datetimeFigureOut">
               <a:rPr lang="en-US" smtClean="0"/>
-              <a:t>11/14/2023</a:t>
+              <a:t>11/15/2023</a:t>
             </a:fld>
             <a:endParaRPr lang="en-US"/>
           </a:p>
@@ -1420,7 +1420,7 @@
           <a:p>
             <a:fld id="{846CE7D5-CF57-46EF-B807-FDD0502418D4}" type="datetimeFigureOut">
               <a:rPr lang="en-US" smtClean="0"/>
-              <a:t>11/14/2023</a:t>
+              <a:t>11/15/2023</a:t>
             </a:fld>
             <a:endParaRPr lang="en-US"/>
           </a:p>
@@ -1649,7 +1649,7 @@
           <a:p>
             <a:fld id="{846CE7D5-CF57-46EF-B807-FDD0502418D4}" type="datetimeFigureOut">
               <a:rPr lang="en-US" smtClean="0"/>
-              <a:t>11/14/2023</a:t>
+              <a:t>11/15/2023</a:t>
             </a:fld>
             <a:endParaRPr lang="en-US"/>
           </a:p>
@@ -2013,7 +2013,7 @@
           <a:p>
             <a:fld id="{846CE7D5-CF57-46EF-B807-FDD0502418D4}" type="datetimeFigureOut">
               <a:rPr lang="en-US" smtClean="0"/>
-              <a:t>11/14/2023</a:t>
+              <a:t>11/15/2023</a:t>
             </a:fld>
             <a:endParaRPr lang="en-US"/>
           </a:p>
@@ -2130,7 +2130,7 @@
           <a:p>
             <a:fld id="{846CE7D5-CF57-46EF-B807-FDD0502418D4}" type="datetimeFigureOut">
               <a:rPr lang="en-US" smtClean="0"/>
-              <a:t>11/14/2023</a:t>
+              <a:t>11/15/2023</a:t>
             </a:fld>
             <a:endParaRPr lang="en-US"/>
           </a:p>
@@ -2225,7 +2225,7 @@
           <a:p>
             <a:fld id="{846CE7D5-CF57-46EF-B807-FDD0502418D4}" type="datetimeFigureOut">
               <a:rPr lang="en-US" smtClean="0"/>
-              <a:t>11/14/2023</a:t>
+              <a:t>11/15/2023</a:t>
             </a:fld>
             <a:endParaRPr lang="en-US"/>
           </a:p>
@@ -2500,7 +2500,7 @@
           <a:p>
             <a:fld id="{846CE7D5-CF57-46EF-B807-FDD0502418D4}" type="datetimeFigureOut">
               <a:rPr lang="en-US" smtClean="0"/>
-              <a:t>11/14/2023</a:t>
+              <a:t>11/15/2023</a:t>
             </a:fld>
             <a:endParaRPr lang="en-US"/>
           </a:p>
@@ -2755,7 +2755,7 @@
           <a:p>
             <a:fld id="{846CE7D5-CF57-46EF-B807-FDD0502418D4}" type="datetimeFigureOut">
               <a:rPr lang="en-US" smtClean="0"/>
-              <a:t>11/14/2023</a:t>
+              <a:t>11/15/2023</a:t>
             </a:fld>
             <a:endParaRPr lang="en-US"/>
           </a:p>
@@ -2993,7 +2993,7 @@
           <a:p>
             <a:fld id="{846CE7D5-CF57-46EF-B807-FDD0502418D4}" type="datetimeFigureOut">
               <a:rPr lang="en-US" smtClean="0"/>
-              <a:t>11/14/2023</a:t>
+              <a:t>11/15/2023</a:t>
             </a:fld>
             <a:endParaRPr lang="en-US"/>
           </a:p>
@@ -4405,10 +4405,8 @@
                   </a:outerShdw>
                 </a:effectLst>
               </a:rPr>
-              <a:t>• Hosszú használat után problémák léphetnek fel vele.</a:t>
-            </a:r>
-          </a:p>
-          <a:p>
+              <a:t>	• </a:t>
+            </a:r>
             <a:r>
               <a:rPr lang="hu-HU" sz="2800" dirty="0" smtClean="0">
                 <a:solidFill>
@@ -4422,7 +4420,39 @@
                   </a:outerShdw>
                 </a:effectLst>
               </a:rPr>
-              <a:t>• Néhány </a:t>
+              <a:t>Hosszú használat után problémák léphetnek fel vele.</a:t>
+            </a:r>
+          </a:p>
+          <a:p>
+            <a:r>
+              <a:rPr lang="hu-HU" sz="2800" dirty="0" smtClean="0">
+                <a:solidFill>
+                  <a:schemeClr val="bg1"/>
+                </a:solidFill>
+                <a:effectLst>
+                  <a:outerShdw blurRad="38100" dist="38100" dir="2700000" algn="tl">
+                    <a:srgbClr val="000000">
+                      <a:alpha val="43137"/>
+                    </a:srgbClr>
+                  </a:outerShdw>
+                </a:effectLst>
+              </a:rPr>
+              <a:t>	• </a:t>
+            </a:r>
+            <a:r>
+              <a:rPr lang="hu-HU" sz="2800" dirty="0" smtClean="0">
+                <a:solidFill>
+                  <a:schemeClr val="bg1"/>
+                </a:solidFill>
+                <a:effectLst>
+                  <a:outerShdw blurRad="38100" dist="38100" dir="2700000" algn="tl">
+                    <a:srgbClr val="000000">
+                      <a:alpha val="43137"/>
+                    </a:srgbClr>
+                  </a:outerShdw>
+                </a:effectLst>
+              </a:rPr>
+              <a:t>Néhány </a:t>
             </a:r>
             <a:r>
               <a:rPr lang="hu-HU" sz="2800" dirty="0">
@@ -4454,7 +4484,22 @@
                   </a:outerShdw>
                 </a:effectLst>
               </a:rPr>
-              <a:t>• Kerüljük </a:t>
+              <a:t>	• </a:t>
+            </a:r>
+            <a:r>
+              <a:rPr lang="hu-HU" sz="2800" dirty="0" smtClean="0">
+                <a:solidFill>
+                  <a:schemeClr val="bg1"/>
+                </a:solidFill>
+                <a:effectLst>
+                  <a:outerShdw blurRad="38100" dist="38100" dir="2700000" algn="tl">
+                    <a:srgbClr val="000000">
+                      <a:alpha val="43137"/>
+                    </a:srgbClr>
+                  </a:outerShdw>
+                </a:effectLst>
+              </a:rPr>
+              <a:t>Kerüljük </a:t>
             </a:r>
             <a:r>
               <a:rPr lang="hu-HU" sz="2800" dirty="0">
@@ -4486,7 +4531,7 @@
                   </a:outerShdw>
                 </a:effectLst>
               </a:rPr>
-              <a:t>• </a:t>
+              <a:t>	• </a:t>
             </a:r>
             <a:r>
               <a:rPr lang="hu-HU" sz="2800" dirty="0" err="1" smtClean="0">
@@ -4540,8 +4585,8 @@
         </p:blipFill>
         <p:spPr>
           <a:xfrm>
-            <a:off x="7134036" y="3162131"/>
-            <a:ext cx="4150987" cy="3695869"/>
+            <a:off x="7775304" y="3410789"/>
+            <a:ext cx="3755637" cy="3343866"/>
           </a:xfrm>
           <a:prstGeom prst="rect">
             <a:avLst/>
@@ -4857,22 +4902,7 @@
                   </a:outerShdw>
                 </a:effectLst>
               </a:rPr>
-              <a:t>Folyamatos </a:t>
-            </a:r>
-            <a:r>
-              <a:rPr lang="hu-HU" sz="2800" dirty="0" smtClean="0">
-                <a:solidFill>
-                  <a:schemeClr val="bg1"/>
-                </a:solidFill>
-                <a:effectLst>
-                  <a:outerShdw blurRad="38100" dist="38100" dir="2700000" algn="tl">
-                    <a:srgbClr val="000000">
-                      <a:alpha val="43137"/>
-                    </a:srgbClr>
-                  </a:outerShdw>
-                </a:effectLst>
-              </a:rPr>
-              <a:t>kapcsolat nincs</a:t>
+              <a:t>Folyamatos kapcsolat nincs</a:t>
             </a:r>
           </a:p>
           <a:p>
@@ -4977,18 +5007,6 @@
               </a:rPr>
               <a:t>Line-Interaktív</a:t>
             </a:r>
-            <a:endParaRPr lang="hu-HU" sz="2800" dirty="0" smtClean="0">
-              <a:solidFill>
-                <a:schemeClr val="bg1"/>
-              </a:solidFill>
-              <a:effectLst>
-                <a:outerShdw blurRad="38100" dist="38100" dir="2700000" algn="tl">
-                  <a:srgbClr val="000000">
-                    <a:alpha val="43137"/>
-                  </a:srgbClr>
-                </a:outerShdw>
-              </a:effectLst>
-            </a:endParaRPr>
           </a:p>
           <a:p>
             <a:pPr marL="285750" indent="-285750">
@@ -5041,22 +5059,7 @@
                   </a:outerShdw>
                 </a:effectLst>
               </a:rPr>
-              <a:t> </a:t>
-            </a:r>
-            <a:r>
-              <a:rPr lang="hu-HU" sz="2800" dirty="0" smtClean="0">
-                <a:solidFill>
-                  <a:schemeClr val="bg1"/>
-                </a:solidFill>
-                <a:effectLst>
-                  <a:outerShdw blurRad="38100" dist="38100" dir="2700000" algn="tl">
-                    <a:srgbClr val="000000">
-                      <a:alpha val="43137"/>
-                    </a:srgbClr>
-                  </a:outerShdw>
-                </a:effectLst>
-              </a:rPr>
-              <a:t>folyamatos kapcsolat</a:t>
+              <a:t> folyamatos kapcsolat</a:t>
             </a:r>
           </a:p>
           <a:p>
@@ -5155,18 +5158,6 @@
               </a:rPr>
               <a:t>konverzió</a:t>
             </a:r>
-            <a:endParaRPr lang="hu-HU" sz="2800" dirty="0" smtClean="0">
-              <a:solidFill>
-                <a:schemeClr val="bg1"/>
-              </a:solidFill>
-              <a:effectLst>
-                <a:outerShdw blurRad="38100" dist="38100" dir="2700000" algn="tl">
-                  <a:srgbClr val="000000">
-                    <a:alpha val="43137"/>
-                  </a:srgbClr>
-                </a:outerShdw>
-              </a:effectLst>
-            </a:endParaRPr>
           </a:p>
           <a:p>
             <a:pPr marL="285750" indent="-285750">
@@ -5204,22 +5195,7 @@
                   </a:outerShdw>
                 </a:effectLst>
               </a:rPr>
-              <a:t>Kapcsolási </a:t>
-            </a:r>
-            <a:r>
-              <a:rPr lang="hu-HU" sz="2800" dirty="0" smtClean="0">
-                <a:solidFill>
-                  <a:schemeClr val="bg1"/>
-                </a:solidFill>
-                <a:effectLst>
-                  <a:outerShdw blurRad="38100" dist="38100" dir="2700000" algn="tl">
-                    <a:srgbClr val="000000">
-                      <a:alpha val="43137"/>
-                    </a:srgbClr>
-                  </a:outerShdw>
-                </a:effectLst>
-              </a:rPr>
-              <a:t>időre nincs szükség</a:t>
+              <a:t>Kapcsolási időre nincs szükség</a:t>
             </a:r>
           </a:p>
           <a:p>
@@ -5402,22 +5378,7 @@
                   </a:outerShdw>
                 </a:effectLst>
               </a:rPr>
-              <a:t>AC </a:t>
-            </a:r>
-            <a:r>
-              <a:rPr lang="hu-HU" sz="2800" dirty="0" smtClean="0">
-                <a:solidFill>
-                  <a:schemeClr val="bg1"/>
-                </a:solidFill>
-                <a:effectLst>
-                  <a:outerShdw blurRad="38100" dist="38100" dir="2700000" algn="tl">
-                    <a:srgbClr val="000000">
-                      <a:alpha val="43137"/>
-                    </a:srgbClr>
-                  </a:outerShdw>
-                </a:effectLst>
-              </a:rPr>
-              <a:t>– DC – AC</a:t>
+              <a:t>AC – DC – AC</a:t>
             </a:r>
           </a:p>
           <a:p>
@@ -5573,22 +5534,7 @@
                   </a:outerShdw>
                 </a:effectLst>
               </a:rPr>
-              <a:t>Időjárási </a:t>
-            </a:r>
-            <a:r>
-              <a:rPr lang="hu-HU" sz="2800" dirty="0" smtClean="0">
-                <a:solidFill>
-                  <a:schemeClr val="bg1"/>
-                </a:solidFill>
-                <a:effectLst>
-                  <a:outerShdw blurRad="38100" dist="38100" dir="2700000" algn="tl">
-                    <a:srgbClr val="000000">
-                      <a:alpha val="43137"/>
-                    </a:srgbClr>
-                  </a:outerShdw>
-                </a:effectLst>
-              </a:rPr>
-              <a:t>különbség kiküszöbölése</a:t>
+              <a:t>Időjárási különbség kiküszöbölése</a:t>
             </a:r>
           </a:p>
           <a:p>
@@ -5728,18 +5674,6 @@
               </a:rPr>
               <a:t>Akkumulátor</a:t>
             </a:r>
-            <a:endParaRPr lang="hu-HU" sz="2800" dirty="0" smtClean="0">
-              <a:solidFill>
-                <a:schemeClr val="bg1"/>
-              </a:solidFill>
-              <a:effectLst>
-                <a:outerShdw blurRad="38100" dist="38100" dir="2700000" algn="tl">
-                  <a:srgbClr val="000000">
-                    <a:alpha val="43137"/>
-                  </a:srgbClr>
-                </a:outerShdw>
-              </a:effectLst>
-            </a:endParaRPr>
           </a:p>
           <a:p>
             <a:pPr marL="285750" indent="-285750">
@@ -8095,8 +8029,37 @@
                 </a:effectLst>
                 <a:cs typeface="Times New Roman"/>
               </a:rPr>
-              <a:t>Egy v8-as autómotor(?)</a:t>
-            </a:r>
+              <a:t>Egy v8-as </a:t>
+            </a:r>
+            <a:r>
+              <a:rPr lang="hu-HU" sz="3200" dirty="0" smtClean="0">
+                <a:solidFill>
+                  <a:schemeClr val="bg1"/>
+                </a:solidFill>
+                <a:effectLst>
+                  <a:outerShdw blurRad="38100" dist="38100" dir="2700000" algn="tl">
+                    <a:srgbClr val="000000">
+                      <a:alpha val="43137"/>
+                    </a:srgbClr>
+                  </a:outerShdw>
+                </a:effectLst>
+                <a:cs typeface="Times New Roman"/>
+              </a:rPr>
+              <a:t>autómotor</a:t>
+            </a:r>
+            <a:endParaRPr lang="hu-HU" sz="3200" dirty="0" smtClean="0">
+              <a:solidFill>
+                <a:schemeClr val="bg1"/>
+              </a:solidFill>
+              <a:effectLst>
+                <a:outerShdw blurRad="38100" dist="38100" dir="2700000" algn="tl">
+                  <a:srgbClr val="000000">
+                    <a:alpha val="43137"/>
+                  </a:srgbClr>
+                </a:outerShdw>
+              </a:effectLst>
+              <a:cs typeface="Times New Roman"/>
+            </a:endParaRPr>
           </a:p>
         </p:txBody>
       </p:sp>
@@ -8237,7 +8200,7 @@
           <p:nvPr/>
         </p:nvPicPr>
         <p:blipFill>
-          <a:blip r:embed="rId2">
+          <a:blip r:embed="rId2" cstate="print">
             <a:extLst>
               <a:ext uri="{28A0092B-C50C-407E-A947-70E740481C1C}">
                 <a14:useLocalDpi xmlns:a14="http://schemas.microsoft.com/office/drawing/2010/main" val="0"/>
@@ -8250,8 +8213,8 @@
         </p:blipFill>
         <p:spPr>
           <a:xfrm>
-            <a:off x="0" y="855684"/>
-            <a:ext cx="10058400" cy="6002316"/>
+            <a:off x="3445901" y="1587202"/>
+            <a:ext cx="8746099" cy="5219205"/>
           </a:xfrm>
           <a:prstGeom prst="rect">
             <a:avLst/>
@@ -8388,7 +8351,7 @@
         </p:nvSpPr>
         <p:spPr>
           <a:xfrm>
-            <a:off x="8733946" y="4611231"/>
+            <a:off x="21906" y="1185486"/>
             <a:ext cx="3607119" cy="2246769"/>
           </a:xfrm>
           <a:prstGeom prst="rect">
@@ -9699,22 +9662,7 @@
                   </a:outerShdw>
                 </a:effectLst>
               </a:rPr>
-              <a:t>nline </a:t>
-            </a:r>
-            <a:r>
-              <a:rPr lang="hu-HU" sz="2800" dirty="0" smtClean="0">
-                <a:solidFill>
-                  <a:schemeClr val="bg1"/>
-                </a:solidFill>
-                <a:effectLst>
-                  <a:outerShdw blurRad="38100" dist="38100" dir="2700000" algn="tl">
-                    <a:srgbClr val="000000">
-                      <a:alpha val="43137"/>
-                    </a:srgbClr>
-                  </a:outerShdw>
-                </a:effectLst>
-              </a:rPr>
-              <a:t>UPS</a:t>
+              <a:t>nline UPS</a:t>
             </a:r>
           </a:p>
           <a:p>
@@ -10016,7 +9964,7 @@
                                 </p:cTn>
                               </p:par>
                               <p:par>
-                                <p:cTn id="8" presetID="22" presetClass="entr" presetSubtype="4" fill="hold" nodeType="withEffect">
+                                <p:cTn id="8" presetID="22" presetClass="entr" presetSubtype="1" fill="hold" nodeType="withEffect">
                                   <p:stCondLst>
                                     <p:cond delay="0"/>
                                   </p:stCondLst>
@@ -10039,7 +9987,7 @@
                                         <p:strVal val="visible"/>
                                       </p:to>
                                     </p:set>
-                                    <p:animEffect transition="in" filter="wipe(down)">
+                                    <p:animEffect transition="in" filter="wipe(up)">
                                       <p:cBhvr>
                                         <p:cTn id="10" dur="500"/>
                                         <p:tgtEl>
@@ -10069,12 +10017,12 @@
                             </p:stCondLst>
                             <p:childTnLst>
                               <p:par>
-                                <p:cTn id="13" presetID="10" presetClass="exit" presetSubtype="0" fill="hold" grpId="1" nodeType="clickEffect">
+                                <p:cTn id="13" presetID="22" presetClass="exit" presetSubtype="4" fill="hold" grpId="1" nodeType="clickEffect">
                                   <p:stCondLst>
                                     <p:cond delay="500"/>
                                   </p:stCondLst>
                                   <p:childTnLst>
-                                    <p:animEffect transition="out" filter="fade">
+                                    <p:animEffect transition="out" filter="wipe(down)">
                                       <p:cBhvr>
                                         <p:cTn id="14" dur="500"/>
                                         <p:tgtEl>
@@ -10148,7 +10096,7 @@
                             </p:stCondLst>
                             <p:childTnLst>
                               <p:par>
-                                <p:cTn id="20" presetID="22" presetClass="entr" presetSubtype="4" fill="hold" grpId="0" nodeType="afterEffect">
+                                <p:cTn id="20" presetID="22" presetClass="entr" presetSubtype="1" fill="hold" grpId="0" nodeType="afterEffect">
                                   <p:stCondLst>
                                     <p:cond delay="500"/>
                                   </p:stCondLst>
@@ -10171,7 +10119,7 @@
                                         <p:strVal val="visible"/>
                                       </p:to>
                                     </p:set>
-                                    <p:animEffect transition="in" filter="wipe(down)">
+                                    <p:animEffect transition="in" filter="wipe(up)">
                                       <p:cBhvr>
                                         <p:cTn id="22" dur="500"/>
                                         <p:tgtEl>
@@ -10183,7 +10131,7 @@
                                 </p:cTn>
                               </p:par>
                               <p:par>
-                                <p:cTn id="23" presetID="22" presetClass="entr" presetSubtype="4" fill="hold" nodeType="withEffect">
+                                <p:cTn id="23" presetID="22" presetClass="entr" presetSubtype="1" fill="hold" nodeType="withEffect">
                                   <p:stCondLst>
                                     <p:cond delay="500"/>
                                   </p:stCondLst>
@@ -10206,7 +10154,7 @@
                                         <p:strVal val="visible"/>
                                       </p:to>
                                     </p:set>
-                                    <p:animEffect transition="in" filter="wipe(down)">
+                                    <p:animEffect transition="in" filter="wipe(up)">
                                       <p:cBhvr>
                                         <p:cTn id="25" dur="500"/>
                                         <p:tgtEl>
@@ -10236,12 +10184,12 @@
                             </p:stCondLst>
                             <p:childTnLst>
                               <p:par>
-                                <p:cTn id="28" presetID="10" presetClass="exit" presetSubtype="0" fill="hold" grpId="1" nodeType="clickEffect">
+                                <p:cTn id="28" presetID="22" presetClass="exit" presetSubtype="4" fill="hold" grpId="1" nodeType="clickEffect">
                                   <p:stCondLst>
                                     <p:cond delay="500"/>
                                   </p:stCondLst>
                                   <p:childTnLst>
-                                    <p:animEffect transition="out" filter="fade">
+                                    <p:animEffect transition="out" filter="wipe(down)">
                                       <p:cBhvr>
                                         <p:cTn id="29" dur="500"/>
                                         <p:tgtEl>
@@ -10305,33 +10253,15 @@
                                   </p:childTnLst>
                                 </p:cTn>
                               </p:par>
-                            </p:childTnLst>
-                          </p:cTn>
-                        </p:par>
-                      </p:childTnLst>
-                    </p:cTn>
-                  </p:par>
-                  <p:par>
-                    <p:cTn id="34" fill="hold">
-                      <p:stCondLst>
-                        <p:cond delay="indefinite"/>
-                      </p:stCondLst>
-                      <p:childTnLst>
-                        <p:par>
-                          <p:cTn id="35" fill="hold">
-                            <p:stCondLst>
-                              <p:cond delay="0"/>
-                            </p:stCondLst>
-                            <p:childTnLst>
                               <p:par>
-                                <p:cTn id="36" presetID="22" presetClass="entr" presetSubtype="4" fill="hold" grpId="0" nodeType="clickEffect">
+                                <p:cTn id="34" presetID="22" presetClass="entr" presetSubtype="1" fill="hold" grpId="0" nodeType="withEffect">
                                   <p:stCondLst>
-                                    <p:cond delay="0"/>
+                                    <p:cond delay="1500"/>
                                   </p:stCondLst>
                                   <p:childTnLst>
                                     <p:set>
                                       <p:cBhvr>
-                                        <p:cTn id="37" dur="1" fill="hold">
+                                        <p:cTn id="35" dur="1" fill="hold">
                                           <p:stCondLst>
                                             <p:cond delay="0"/>
                                           </p:stCondLst>
@@ -10347,9 +10277,9 @@
                                         <p:strVal val="visible"/>
                                       </p:to>
                                     </p:set>
-                                    <p:animEffect transition="in" filter="wipe(down)">
+                                    <p:animEffect transition="in" filter="wipe(up)">
                                       <p:cBhvr>
-                                        <p:cTn id="38" dur="500"/>
+                                        <p:cTn id="36" dur="500"/>
                                         <p:tgtEl>
                                           <p:spTgt spid="6"/>
                                         </p:tgtEl>
@@ -10359,14 +10289,14 @@
                                 </p:cTn>
                               </p:par>
                               <p:par>
-                                <p:cTn id="39" presetID="22" presetClass="entr" presetSubtype="4" fill="hold" nodeType="withEffect">
+                                <p:cTn id="37" presetID="22" presetClass="entr" presetSubtype="1" fill="hold" nodeType="withEffect">
                                   <p:stCondLst>
-                                    <p:cond delay="0"/>
+                                    <p:cond delay="1500"/>
                                   </p:stCondLst>
                                   <p:childTnLst>
                                     <p:set>
                                       <p:cBhvr>
-                                        <p:cTn id="40" dur="1" fill="hold">
+                                        <p:cTn id="38" dur="1" fill="hold">
                                           <p:stCondLst>
                                             <p:cond delay="0"/>
                                           </p:stCondLst>
@@ -10382,9 +10312,9 @@
                                         <p:strVal val="visible"/>
                                       </p:to>
                                     </p:set>
-                                    <p:animEffect transition="in" filter="wipe(down)">
+                                    <p:animEffect transition="in" filter="wipe(up)">
                                       <p:cBhvr>
-                                        <p:cTn id="41" dur="500"/>
+                                        <p:cTn id="39" dur="400"/>
                                         <p:tgtEl>
                                           <p:spTgt spid="1032"/>
                                         </p:tgtEl>

--- a/cad_cam_adv.pptx
+++ b/cad_cam_adv.pptx
@@ -661,7 +661,7 @@
           <a:p>
             <a:fld id="{846CE7D5-CF57-46EF-B807-FDD0502418D4}" type="datetimeFigureOut">
               <a:rPr lang="en-US" smtClean="0"/>
-              <a:t>11/15/2023</a:t>
+              <a:t>11/20/2023</a:t>
             </a:fld>
             <a:endParaRPr lang="en-US"/>
           </a:p>
@@ -829,7 +829,7 @@
           <a:p>
             <a:fld id="{846CE7D5-CF57-46EF-B807-FDD0502418D4}" type="datetimeFigureOut">
               <a:rPr lang="en-US" smtClean="0"/>
-              <a:t>11/15/2023</a:t>
+              <a:t>11/20/2023</a:t>
             </a:fld>
             <a:endParaRPr lang="en-US"/>
           </a:p>
@@ -1007,7 +1007,7 @@
           <a:p>
             <a:fld id="{846CE7D5-CF57-46EF-B807-FDD0502418D4}" type="datetimeFigureOut">
               <a:rPr lang="en-US" smtClean="0"/>
-              <a:t>11/15/2023</a:t>
+              <a:t>11/20/2023</a:t>
             </a:fld>
             <a:endParaRPr lang="en-US"/>
           </a:p>
@@ -1175,7 +1175,7 @@
           <a:p>
             <a:fld id="{846CE7D5-CF57-46EF-B807-FDD0502418D4}" type="datetimeFigureOut">
               <a:rPr lang="en-US" smtClean="0"/>
-              <a:t>11/15/2023</a:t>
+              <a:t>11/20/2023</a:t>
             </a:fld>
             <a:endParaRPr lang="en-US"/>
           </a:p>
@@ -1420,7 +1420,7 @@
           <a:p>
             <a:fld id="{846CE7D5-CF57-46EF-B807-FDD0502418D4}" type="datetimeFigureOut">
               <a:rPr lang="en-US" smtClean="0"/>
-              <a:t>11/15/2023</a:t>
+              <a:t>11/20/2023</a:t>
             </a:fld>
             <a:endParaRPr lang="en-US"/>
           </a:p>
@@ -1649,7 +1649,7 @@
           <a:p>
             <a:fld id="{846CE7D5-CF57-46EF-B807-FDD0502418D4}" type="datetimeFigureOut">
               <a:rPr lang="en-US" smtClean="0"/>
-              <a:t>11/15/2023</a:t>
+              <a:t>11/20/2023</a:t>
             </a:fld>
             <a:endParaRPr lang="en-US"/>
           </a:p>
@@ -2013,7 +2013,7 @@
           <a:p>
             <a:fld id="{846CE7D5-CF57-46EF-B807-FDD0502418D4}" type="datetimeFigureOut">
               <a:rPr lang="en-US" smtClean="0"/>
-              <a:t>11/15/2023</a:t>
+              <a:t>11/20/2023</a:t>
             </a:fld>
             <a:endParaRPr lang="en-US"/>
           </a:p>
@@ -2130,7 +2130,7 @@
           <a:p>
             <a:fld id="{846CE7D5-CF57-46EF-B807-FDD0502418D4}" type="datetimeFigureOut">
               <a:rPr lang="en-US" smtClean="0"/>
-              <a:t>11/15/2023</a:t>
+              <a:t>11/20/2023</a:t>
             </a:fld>
             <a:endParaRPr lang="en-US"/>
           </a:p>
@@ -2225,7 +2225,7 @@
           <a:p>
             <a:fld id="{846CE7D5-CF57-46EF-B807-FDD0502418D4}" type="datetimeFigureOut">
               <a:rPr lang="en-US" smtClean="0"/>
-              <a:t>11/15/2023</a:t>
+              <a:t>11/20/2023</a:t>
             </a:fld>
             <a:endParaRPr lang="en-US"/>
           </a:p>
@@ -2500,7 +2500,7 @@
           <a:p>
             <a:fld id="{846CE7D5-CF57-46EF-B807-FDD0502418D4}" type="datetimeFigureOut">
               <a:rPr lang="en-US" smtClean="0"/>
-              <a:t>11/15/2023</a:t>
+              <a:t>11/20/2023</a:t>
             </a:fld>
             <a:endParaRPr lang="en-US"/>
           </a:p>
@@ -2755,7 +2755,7 @@
           <a:p>
             <a:fld id="{846CE7D5-CF57-46EF-B807-FDD0502418D4}" type="datetimeFigureOut">
               <a:rPr lang="en-US" smtClean="0"/>
-              <a:t>11/15/2023</a:t>
+              <a:t>11/20/2023</a:t>
             </a:fld>
             <a:endParaRPr lang="en-US"/>
           </a:p>
@@ -2993,7 +2993,7 @@
           <a:p>
             <a:fld id="{846CE7D5-CF57-46EF-B807-FDD0502418D4}" type="datetimeFigureOut">
               <a:rPr lang="en-US" smtClean="0"/>
-              <a:t>11/15/2023</a:t>
+              <a:t>11/20/2023</a:t>
             </a:fld>
             <a:endParaRPr lang="en-US"/>
           </a:p>
@@ -3715,6 +3715,13 @@
                 <a:solidFill>
                   <a:schemeClr val="bg1"/>
                 </a:solidFill>
+                <a:effectLst>
+                  <a:outerShdw blurRad="38100" dist="38100" dir="2700000" algn="tl">
+                    <a:srgbClr val="000000">
+                      <a:alpha val="43137"/>
+                    </a:srgbClr>
+                  </a:outerShdw>
+                </a:effectLst>
               </a:rPr>
               <a:t>Fogyasztás:</a:t>
             </a:r>
@@ -3722,6 +3729,13 @@
               <a:solidFill>
                 <a:schemeClr val="bg1"/>
               </a:solidFill>
+              <a:effectLst>
+                <a:outerShdw blurRad="38100" dist="38100" dir="2700000" algn="tl">
+                  <a:srgbClr val="000000">
+                    <a:alpha val="43137"/>
+                  </a:srgbClr>
+                </a:outerShdw>
+              </a:effectLst>
             </a:endParaRPr>
           </a:p>
         </p:txBody>
@@ -3757,6 +3771,13 @@
                 <a:solidFill>
                   <a:schemeClr val="bg1"/>
                 </a:solidFill>
+                <a:effectLst>
+                  <a:outerShdw blurRad="38100" dist="38100" dir="2700000" algn="tl">
+                    <a:srgbClr val="000000">
+                      <a:alpha val="43137"/>
+                    </a:srgbClr>
+                  </a:outerShdw>
+                </a:effectLst>
               </a:rPr>
               <a:t>Fogyasztás kiszámításának a menete:</a:t>
             </a:r>
@@ -3771,6 +3792,13 @@
                 <a:solidFill>
                   <a:schemeClr val="bg1"/>
                 </a:solidFill>
+                <a:effectLst>
+                  <a:outerShdw blurRad="38100" dist="38100" dir="2700000" algn="tl">
+                    <a:srgbClr val="000000">
+                      <a:alpha val="43137"/>
+                    </a:srgbClr>
+                  </a:outerShdw>
+                </a:effectLst>
               </a:rPr>
               <a:t>Összeadjuk a komponensek áramfelhasználtságát</a:t>
             </a:r>
@@ -3785,6 +3813,13 @@
                 <a:solidFill>
                   <a:schemeClr val="bg1"/>
                 </a:solidFill>
+                <a:effectLst>
+                  <a:outerShdw blurRad="38100" dist="38100" dir="2700000" algn="tl">
+                    <a:srgbClr val="000000">
+                      <a:alpha val="43137"/>
+                    </a:srgbClr>
+                  </a:outerShdw>
+                </a:effectLst>
               </a:rPr>
               <a:t>20-25%-</a:t>
             </a:r>
@@ -3793,6 +3828,13 @@
                 <a:solidFill>
                   <a:schemeClr val="bg1"/>
                 </a:solidFill>
+                <a:effectLst>
+                  <a:outerShdw blurRad="38100" dist="38100" dir="2700000" algn="tl">
+                    <a:srgbClr val="000000">
+                      <a:alpha val="43137"/>
+                    </a:srgbClr>
+                  </a:outerShdw>
+                </a:effectLst>
               </a:rPr>
               <a:t>kal</a:t>
             </a:r>
@@ -3801,12 +3843,49 @@
                 <a:solidFill>
                   <a:schemeClr val="bg1"/>
                 </a:solidFill>
+                <a:effectLst>
+                  <a:outerShdw blurRad="38100" dist="38100" dir="2700000" algn="tl">
+                    <a:srgbClr val="000000">
+                      <a:alpha val="43137"/>
+                    </a:srgbClr>
+                  </a:outerShdw>
+                </a:effectLst>
               </a:rPr>
               <a:t> nagyobb teljesítményű tápot veszünk</a:t>
             </a:r>
           </a:p>
         </p:txBody>
       </p:sp>
+      <p:pic>
+        <p:nvPicPr>
+          <p:cNvPr id="2" name="Kép 1"/>
+          <p:cNvPicPr>
+            <a:picLocks noChangeAspect="1"/>
+          </p:cNvPicPr>
+          <p:nvPr/>
+        </p:nvPicPr>
+        <p:blipFill>
+          <a:blip r:embed="rId2">
+            <a:extLst>
+              <a:ext uri="{28A0092B-C50C-407E-A947-70E740481C1C}">
+                <a14:useLocalDpi xmlns:a14="http://schemas.microsoft.com/office/drawing/2010/main" val="0"/>
+              </a:ext>
+            </a:extLst>
+          </a:blip>
+          <a:stretch>
+            <a:fillRect/>
+          </a:stretch>
+        </p:blipFill>
+        <p:spPr>
+          <a:xfrm>
+            <a:off x="881178" y="2828111"/>
+            <a:ext cx="11006021" cy="3637125"/>
+          </a:xfrm>
+          <a:prstGeom prst="rect">
+            <a:avLst/>
+          </a:prstGeom>
+        </p:spPr>
+      </p:pic>
     </p:spTree>
     <p:extLst>
       <p:ext uri="{BB962C8B-B14F-4D97-AF65-F5344CB8AC3E}">
@@ -4405,8 +4484,10 @@
                   </a:outerShdw>
                 </a:effectLst>
               </a:rPr>
-              <a:t>	• </a:t>
-            </a:r>
+              <a:t>	• Hosszú használat után problémák léphetnek fel vele.</a:t>
+            </a:r>
+          </a:p>
+          <a:p>
             <a:r>
               <a:rPr lang="hu-HU" sz="2800" dirty="0" smtClean="0">
                 <a:solidFill>
@@ -4420,7 +4501,22 @@
                   </a:outerShdw>
                 </a:effectLst>
               </a:rPr>
-              <a:t>Hosszú használat után problémák léphetnek fel vele.</a:t>
+              <a:t>	• Néhány </a:t>
+            </a:r>
+            <a:r>
+              <a:rPr lang="hu-HU" sz="2800" dirty="0">
+                <a:solidFill>
+                  <a:schemeClr val="bg1"/>
+                </a:solidFill>
+                <a:effectLst>
+                  <a:outerShdw blurRad="38100" dist="38100" dir="2700000" algn="tl">
+                    <a:srgbClr val="000000">
+                      <a:alpha val="43137"/>
+                    </a:srgbClr>
+                  </a:outerShdw>
+                </a:effectLst>
+              </a:rPr>
+              <a:t>évente cserélendő</a:t>
             </a:r>
           </a:p>
           <a:p>
@@ -4437,69 +4533,7 @@
                   </a:outerShdw>
                 </a:effectLst>
               </a:rPr>
-              <a:t>	• </a:t>
-            </a:r>
-            <a:r>
-              <a:rPr lang="hu-HU" sz="2800" dirty="0" smtClean="0">
-                <a:solidFill>
-                  <a:schemeClr val="bg1"/>
-                </a:solidFill>
-                <a:effectLst>
-                  <a:outerShdw blurRad="38100" dist="38100" dir="2700000" algn="tl">
-                    <a:srgbClr val="000000">
-                      <a:alpha val="43137"/>
-                    </a:srgbClr>
-                  </a:outerShdw>
-                </a:effectLst>
-              </a:rPr>
-              <a:t>Néhány </a:t>
-            </a:r>
-            <a:r>
-              <a:rPr lang="hu-HU" sz="2800" dirty="0">
-                <a:solidFill>
-                  <a:schemeClr val="bg1"/>
-                </a:solidFill>
-                <a:effectLst>
-                  <a:outerShdw blurRad="38100" dist="38100" dir="2700000" algn="tl">
-                    <a:srgbClr val="000000">
-                      <a:alpha val="43137"/>
-                    </a:srgbClr>
-                  </a:outerShdw>
-                </a:effectLst>
-              </a:rPr>
-              <a:t>évente cserélendő</a:t>
-            </a:r>
-          </a:p>
-          <a:p>
-            <a:r>
-              <a:rPr lang="hu-HU" sz="2800" dirty="0" smtClean="0">
-                <a:solidFill>
-                  <a:schemeClr val="bg1"/>
-                </a:solidFill>
-                <a:effectLst>
-                  <a:outerShdw blurRad="38100" dist="38100" dir="2700000" algn="tl">
-                    <a:srgbClr val="000000">
-                      <a:alpha val="43137"/>
-                    </a:srgbClr>
-                  </a:outerShdw>
-                </a:effectLst>
-              </a:rPr>
-              <a:t>	• </a:t>
-            </a:r>
-            <a:r>
-              <a:rPr lang="hu-HU" sz="2800" dirty="0" smtClean="0">
-                <a:solidFill>
-                  <a:schemeClr val="bg1"/>
-                </a:solidFill>
-                <a:effectLst>
-                  <a:outerShdw blurRad="38100" dist="38100" dir="2700000" algn="tl">
-                    <a:srgbClr val="000000">
-                      <a:alpha val="43137"/>
-                    </a:srgbClr>
-                  </a:outerShdw>
-                </a:effectLst>
-              </a:rPr>
-              <a:t>Kerüljük </a:t>
+              <a:t>	• Kerüljük </a:t>
             </a:r>
             <a:r>
               <a:rPr lang="hu-HU" sz="2800" dirty="0">
@@ -8029,37 +8063,8 @@
                 </a:effectLst>
                 <a:cs typeface="Times New Roman"/>
               </a:rPr>
-              <a:t>Egy v8-as </a:t>
-            </a:r>
-            <a:r>
-              <a:rPr lang="hu-HU" sz="3200" dirty="0" smtClean="0">
-                <a:solidFill>
-                  <a:schemeClr val="bg1"/>
-                </a:solidFill>
-                <a:effectLst>
-                  <a:outerShdw blurRad="38100" dist="38100" dir="2700000" algn="tl">
-                    <a:srgbClr val="000000">
-                      <a:alpha val="43137"/>
-                    </a:srgbClr>
-                  </a:outerShdw>
-                </a:effectLst>
-                <a:cs typeface="Times New Roman"/>
-              </a:rPr>
-              <a:t>autómotor</a:t>
-            </a:r>
-            <a:endParaRPr lang="hu-HU" sz="3200" dirty="0" smtClean="0">
-              <a:solidFill>
-                <a:schemeClr val="bg1"/>
-              </a:solidFill>
-              <a:effectLst>
-                <a:outerShdw blurRad="38100" dist="38100" dir="2700000" algn="tl">
-                  <a:srgbClr val="000000">
-                    <a:alpha val="43137"/>
-                  </a:srgbClr>
-                </a:outerShdw>
-              </a:effectLst>
-              <a:cs typeface="Times New Roman"/>
-            </a:endParaRPr>
+              <a:t>Egy v8-as autómotor</a:t>
+            </a:r>
           </a:p>
         </p:txBody>
       </p:sp>
